--- a/Documents/BG9_PPT.pptx
+++ b/Documents/BG9_PPT.pptx
@@ -5,44 +5,52 @@
     <p:sldMasterId id="2147483648" r:id="rId1"/>
   </p:sldMasterIdLst>
   <p:notesMasterIdLst>
-    <p:notesMasterId r:id="rId34"/>
+    <p:notesMasterId r:id="rId42"/>
   </p:notesMasterIdLst>
   <p:handoutMasterIdLst>
-    <p:handoutMasterId r:id="rId35"/>
+    <p:handoutMasterId r:id="rId43"/>
   </p:handoutMasterIdLst>
   <p:sldIdLst>
     <p:sldId id="281" r:id="rId2"/>
     <p:sldId id="260" r:id="rId3"/>
     <p:sldId id="262" r:id="rId4"/>
     <p:sldId id="279" r:id="rId5"/>
-    <p:sldId id="263" r:id="rId6"/>
-    <p:sldId id="280" r:id="rId7"/>
-    <p:sldId id="285" r:id="rId8"/>
-    <p:sldId id="265" r:id="rId9"/>
-    <p:sldId id="270" r:id="rId10"/>
-    <p:sldId id="266" r:id="rId11"/>
-    <p:sldId id="268" r:id="rId12"/>
-    <p:sldId id="269" r:id="rId13"/>
-    <p:sldId id="306" r:id="rId14"/>
-    <p:sldId id="283" r:id="rId15"/>
-    <p:sldId id="288" r:id="rId16"/>
-    <p:sldId id="289" r:id="rId17"/>
-    <p:sldId id="290" r:id="rId18"/>
-    <p:sldId id="291" r:id="rId19"/>
-    <p:sldId id="301" r:id="rId20"/>
-    <p:sldId id="302" r:id="rId21"/>
-    <p:sldId id="303" r:id="rId22"/>
-    <p:sldId id="304" r:id="rId23"/>
-    <p:sldId id="309" r:id="rId24"/>
-    <p:sldId id="292" r:id="rId25"/>
-    <p:sldId id="293" r:id="rId26"/>
-    <p:sldId id="294" r:id="rId27"/>
-    <p:sldId id="295" r:id="rId28"/>
-    <p:sldId id="305" r:id="rId29"/>
-    <p:sldId id="296" r:id="rId30"/>
-    <p:sldId id="297" r:id="rId31"/>
-    <p:sldId id="298" r:id="rId32"/>
-    <p:sldId id="282" r:id="rId33"/>
+    <p:sldId id="311" r:id="rId6"/>
+    <p:sldId id="312" r:id="rId7"/>
+    <p:sldId id="263" r:id="rId8"/>
+    <p:sldId id="280" r:id="rId9"/>
+    <p:sldId id="285" r:id="rId10"/>
+    <p:sldId id="265" r:id="rId11"/>
+    <p:sldId id="270" r:id="rId12"/>
+    <p:sldId id="313" r:id="rId13"/>
+    <p:sldId id="266" r:id="rId14"/>
+    <p:sldId id="268" r:id="rId15"/>
+    <p:sldId id="310" r:id="rId16"/>
+    <p:sldId id="269" r:id="rId17"/>
+    <p:sldId id="306" r:id="rId18"/>
+    <p:sldId id="283" r:id="rId19"/>
+    <p:sldId id="288" r:id="rId20"/>
+    <p:sldId id="289" r:id="rId21"/>
+    <p:sldId id="290" r:id="rId22"/>
+    <p:sldId id="291" r:id="rId23"/>
+    <p:sldId id="301" r:id="rId24"/>
+    <p:sldId id="314" r:id="rId25"/>
+    <p:sldId id="302" r:id="rId26"/>
+    <p:sldId id="303" r:id="rId27"/>
+    <p:sldId id="304" r:id="rId28"/>
+    <p:sldId id="309" r:id="rId29"/>
+    <p:sldId id="315" r:id="rId30"/>
+    <p:sldId id="292" r:id="rId31"/>
+    <p:sldId id="293" r:id="rId32"/>
+    <p:sldId id="294" r:id="rId33"/>
+    <p:sldId id="295" r:id="rId34"/>
+    <p:sldId id="305" r:id="rId35"/>
+    <p:sldId id="316" r:id="rId36"/>
+    <p:sldId id="296" r:id="rId37"/>
+    <p:sldId id="317" r:id="rId38"/>
+    <p:sldId id="297" r:id="rId39"/>
+    <p:sldId id="298" r:id="rId40"/>
+    <p:sldId id="282" r:id="rId41"/>
   </p:sldIdLst>
   <p:sldSz cx="12192000" cy="6858000"/>
   <p:notesSz cx="6858000" cy="9144000"/>
@@ -234,7 +242,7 @@
           <a:p>
             <a:fld id="{39199655-05E8-4463-9482-2D23FD405AF3}" type="datetimeFigureOut">
               <a:rPr lang="en-IN" smtClean="0"/>
-              <a:t>05-02-2026</a:t>
+              <a:t>09-02-2026</a:t>
             </a:fld>
             <a:endParaRPr lang="en-IN"/>
           </a:p>
@@ -429,7 +437,7 @@
           <a:p>
             <a:fld id="{B2DE0E28-087F-4BBF-B8BC-055CB0BBD464}" type="datetimeFigureOut">
               <a:rPr lang="en-IN" smtClean="0"/>
-              <a:t>05-02-2026</a:t>
+              <a:t>09-02-2026</a:t>
             </a:fld>
             <a:endParaRPr lang="en-IN"/>
           </a:p>
@@ -4065,6 +4073,20 @@
               </a:spcBef>
             </a:pPr>
             <a:r>
+              <a:rPr lang="en-US" b="1" kern="100" smtClean="0">
+                <a:solidFill>
+                  <a:schemeClr val="tx1">
+                    <a:lumMod val="95000"/>
+                    <a:lumOff val="5000"/>
+                  </a:schemeClr>
+                </a:solidFill>
+                <a:latin typeface="Times New Roman" panose="02020603050405020304" pitchFamily="18" charset="0"/>
+                <a:ea typeface="Calibri" panose="020F0502020204030204" pitchFamily="34" charset="0"/>
+                <a:cs typeface="Times New Roman" panose="02020603050405020304" pitchFamily="18" charset="0"/>
+              </a:rPr>
+              <a:t>Madanu </a:t>
+            </a:r>
+            <a:r>
               <a:rPr lang="en-US" b="1" kern="100" dirty="0">
                 <a:solidFill>
                   <a:schemeClr val="tx1">
@@ -4076,10 +4098,24 @@
                 <a:ea typeface="Calibri" panose="020F0502020204030204" pitchFamily="34" charset="0"/>
                 <a:cs typeface="Times New Roman" panose="02020603050405020304" pitchFamily="18" charset="0"/>
               </a:rPr>
-              <a:t>Mabanu Sampath Kumar</a:t>
-            </a:r>
-            <a:r>
-              <a:rPr lang="en-US" sz="1800" b="1" kern="100" dirty="0">
+              <a:t>Sampath </a:t>
+            </a:r>
+            <a:r>
+              <a:rPr lang="en-US" b="1" kern="100">
+                <a:solidFill>
+                  <a:schemeClr val="tx1">
+                    <a:lumMod val="95000"/>
+                    <a:lumOff val="5000"/>
+                  </a:schemeClr>
+                </a:solidFill>
+                <a:latin typeface="Times New Roman" panose="02020603050405020304" pitchFamily="18" charset="0"/>
+                <a:ea typeface="Calibri" panose="020F0502020204030204" pitchFamily="34" charset="0"/>
+                <a:cs typeface="Times New Roman" panose="02020603050405020304" pitchFamily="18" charset="0"/>
+              </a:rPr>
+              <a:t>Kumar</a:t>
+            </a:r>
+            <a:r>
+              <a:rPr lang="en-US" sz="1800" b="1" kern="100">
                 <a:solidFill>
                   <a:schemeClr val="tx1">
                     <a:lumMod val="95000"/>
@@ -4094,7 +4130,21 @@
               <a:t> </a:t>
             </a:r>
             <a:r>
-              <a:rPr lang="en-US" sz="1800" b="1" kern="100" baseline="-25000" dirty="0" err="1">
+              <a:rPr lang="en-US" b="1" kern="100" baseline="-25000" smtClean="0">
+                <a:solidFill>
+                  <a:schemeClr val="tx1">
+                    <a:lumMod val="95000"/>
+                    <a:lumOff val="5000"/>
+                  </a:schemeClr>
+                </a:solidFill>
+                <a:latin typeface="Times New Roman" panose="02020603050405020304" pitchFamily="18" charset="0"/>
+                <a:ea typeface="Calibri" panose="020F0502020204030204" pitchFamily="34" charset="0"/>
+                <a:cs typeface="Times New Roman" panose="02020603050405020304" pitchFamily="18" charset="0"/>
+              </a:rPr>
+              <a:t>B</a:t>
+            </a:r>
+            <a:r>
+              <a:rPr lang="en-US" sz="1800" b="1" kern="100" baseline="-25000" smtClean="0">
                 <a:solidFill>
                   <a:schemeClr val="tx1">
                     <a:lumMod val="95000"/>
@@ -4106,22 +4156,7 @@
                 <a:ea typeface="Calibri" panose="020F0502020204030204" pitchFamily="34" charset="0"/>
                 <a:cs typeface="Times New Roman" panose="02020603050405020304" pitchFamily="18" charset="0"/>
               </a:rPr>
-              <a:t>M.Tech</a:t>
-            </a:r>
-            <a:r>
-              <a:rPr lang="en-US" sz="1800" b="1" kern="100" baseline="-25000" dirty="0">
-                <a:solidFill>
-                  <a:schemeClr val="tx1">
-                    <a:lumMod val="95000"/>
-                    <a:lumOff val="5000"/>
-                  </a:schemeClr>
-                </a:solidFill>
-                <a:effectLst/>
-                <a:latin typeface="Times New Roman" panose="02020603050405020304" pitchFamily="18" charset="0"/>
-                <a:ea typeface="Calibri" panose="020F0502020204030204" pitchFamily="34" charset="0"/>
-                <a:cs typeface="Times New Roman" panose="02020603050405020304" pitchFamily="18" charset="0"/>
-              </a:rPr>
-              <a:t>, Ph.D.,</a:t>
+              <a:t>.Tech.,M.Tech.,</a:t>
             </a:r>
             <a:endParaRPr lang="en-IN" sz="1800" b="1" kern="100" baseline="-25000" dirty="0">
               <a:solidFill>
@@ -4332,12 +4367,14 @@
         </p:nvSpPr>
         <p:spPr>
           <a:xfrm>
-            <a:off x="1180618" y="365125"/>
-            <a:ext cx="10173182" cy="1230410"/>
+            <a:off x="571018" y="381884"/>
+            <a:ext cx="10173182" cy="1128009"/>
           </a:xfrm>
         </p:spPr>
         <p:txBody>
-          <a:bodyPr/>
+          <a:bodyPr>
+            <a:normAutofit/>
+          </a:bodyPr>
           <a:lstStyle/>
           <a:p>
             <a:pPr algn="ctr"/>
@@ -4346,7 +4383,7 @@
                 <a:latin typeface="Times New Roman" panose="02020603050405020304" pitchFamily="18" charset="0"/>
                 <a:cs typeface="Times New Roman" panose="02020603050405020304" pitchFamily="18" charset="0"/>
               </a:rPr>
-              <a:t>OBJECTIVES</a:t>
+              <a:t>RESEARCH GAPS</a:t>
             </a:r>
           </a:p>
         </p:txBody>
@@ -4440,6 +4477,1182 @@
                 <a:cs typeface="Times New Roman" panose="02020603050405020304" pitchFamily="18" charset="0"/>
               </a:rPr>
               <a:t>10</a:t>
+            </a:fld>
+            <a:endParaRPr lang="en-US">
+              <a:latin typeface="Times New Roman" panose="02020603050405020304" pitchFamily="18" charset="0"/>
+              <a:cs typeface="Times New Roman" panose="02020603050405020304" pitchFamily="18" charset="0"/>
+            </a:endParaRPr>
+          </a:p>
+        </p:txBody>
+      </p:sp>
+      <p:sp>
+        <p:nvSpPr>
+          <p:cNvPr id="2" name="Content Placeholder 1">
+            <a:extLst>
+              <a:ext uri="{FF2B5EF4-FFF2-40B4-BE49-F238E27FC236}">
+                <a16:creationId xmlns:a16="http://schemas.microsoft.com/office/drawing/2014/main" xmlns="" id="{8536F849-D52C-68D8-E80B-B72417F20F49}"/>
+              </a:ext>
+            </a:extLst>
+          </p:cNvPr>
+          <p:cNvSpPr>
+            <a:spLocks noGrp="1" noChangeArrowheads="1"/>
+          </p:cNvSpPr>
+          <p:nvPr>
+            <p:ph idx="1"/>
+          </p:nvPr>
+        </p:nvSpPr>
+        <p:spPr bwMode="auto">
+          <a:xfrm>
+            <a:off x="571018" y="1845018"/>
+            <a:ext cx="10439103" cy="3785652"/>
+          </a:xfrm>
+          <a:prstGeom prst="rect">
+            <a:avLst/>
+          </a:prstGeom>
+          <a:noFill/>
+          <a:ln>
+            <a:noFill/>
+          </a:ln>
+          <a:effectLst/>
+          <a:extLst>
+            <a:ext uri="{909E8E84-426E-40DD-AFC4-6F175D3DCCD1}">
+              <a14:hiddenFill xmlns:a14="http://schemas.microsoft.com/office/drawing/2010/main">
+                <a:solidFill>
+                  <a:schemeClr val="accent1"/>
+                </a:solidFill>
+              </a14:hiddenFill>
+            </a:ext>
+            <a:ext uri="{91240B29-F687-4F45-9708-019B960494DF}">
+              <a14:hiddenLine xmlns:a14="http://schemas.microsoft.com/office/drawing/2010/main" w="9525">
+                <a:solidFill>
+                  <a:schemeClr val="tx1"/>
+                </a:solidFill>
+                <a:miter lim="800000"/>
+                <a:headEnd/>
+                <a:tailEnd/>
+              </a14:hiddenLine>
+            </a:ext>
+            <a:ext uri="{AF507438-7753-43E0-B8FC-AC1667EBCBE1}">
+              <a14:hiddenEffects xmlns:a14="http://schemas.microsoft.com/office/drawing/2010/main">
+                <a:effectLst>
+                  <a:outerShdw dist="35921" dir="2700000" algn="ctr" rotWithShape="0">
+                    <a:schemeClr val="bg2"/>
+                  </a:outerShdw>
+                </a:effectLst>
+              </a14:hiddenEffects>
+            </a:ext>
+          </a:extLst>
+        </p:spPr>
+        <p:txBody>
+          <a:bodyPr vert="horz" wrap="square" lIns="91440" tIns="45720" rIns="91440" bIns="45720" numCol="1" anchor="ctr" anchorCtr="0" compatLnSpc="1">
+            <a:prstTxWarp prst="textNoShape">
+              <a:avLst/>
+            </a:prstTxWarp>
+            <a:spAutoFit/>
+          </a:bodyPr>
+          <a:lstStyle/>
+          <a:p>
+            <a:pPr lvl="0" eaLnBrk="0" fontAlgn="base" hangingPunct="0">
+              <a:lnSpc>
+                <a:spcPct val="100000"/>
+              </a:lnSpc>
+              <a:spcBef>
+                <a:spcPts val="900"/>
+              </a:spcBef>
+              <a:spcAft>
+                <a:spcPct val="0"/>
+              </a:spcAft>
+              <a:buFont typeface="Wingdings" panose="05000000000000000000" pitchFamily="2" charset="2"/>
+              <a:buChar char="Ø"/>
+            </a:pPr>
+            <a:r>
+              <a:rPr lang="en-IN" sz="2000">
+                <a:latin typeface="Times New Roman" panose="02020603050405020304" pitchFamily="18" charset="0"/>
+                <a:cs typeface="Times New Roman" panose="02020603050405020304" pitchFamily="18" charset="0"/>
+              </a:rPr>
+              <a:t>Limited real-world microplastic datasets.</a:t>
+            </a:r>
+          </a:p>
+          <a:p>
+            <a:pPr lvl="0" eaLnBrk="0" fontAlgn="base" hangingPunct="0">
+              <a:lnSpc>
+                <a:spcPct val="100000"/>
+              </a:lnSpc>
+              <a:spcBef>
+                <a:spcPts val="900"/>
+              </a:spcBef>
+              <a:spcAft>
+                <a:spcPct val="0"/>
+              </a:spcAft>
+              <a:buFont typeface="Wingdings" panose="05000000000000000000" pitchFamily="2" charset="2"/>
+              <a:buChar char="Ø"/>
+            </a:pPr>
+            <a:endParaRPr lang="en-IN" sz="2000">
+              <a:latin typeface="Times New Roman" panose="02020603050405020304" pitchFamily="18" charset="0"/>
+              <a:cs typeface="Times New Roman" panose="02020603050405020304" pitchFamily="18" charset="0"/>
+            </a:endParaRPr>
+          </a:p>
+          <a:p>
+            <a:pPr lvl="0" eaLnBrk="0" fontAlgn="base" hangingPunct="0">
+              <a:lnSpc>
+                <a:spcPct val="100000"/>
+              </a:lnSpc>
+              <a:spcBef>
+                <a:spcPts val="900"/>
+              </a:spcBef>
+              <a:spcAft>
+                <a:spcPct val="0"/>
+              </a:spcAft>
+              <a:buFont typeface="Wingdings" panose="05000000000000000000" pitchFamily="2" charset="2"/>
+              <a:buChar char="Ø"/>
+            </a:pPr>
+            <a:r>
+              <a:rPr lang="en-US" sz="2000">
+                <a:latin typeface="Times New Roman" panose="02020603050405020304" pitchFamily="18" charset="0"/>
+                <a:cs typeface="Times New Roman" panose="02020603050405020304" pitchFamily="18" charset="0"/>
+              </a:rPr>
+              <a:t>CNNs fail to capture </a:t>
+            </a:r>
+            <a:r>
+              <a:rPr lang="en-US" sz="2000" b="1">
+                <a:latin typeface="Times New Roman" panose="02020603050405020304" pitchFamily="18" charset="0"/>
+                <a:cs typeface="Times New Roman" panose="02020603050405020304" pitchFamily="18" charset="0"/>
+              </a:rPr>
+              <a:t>global context</a:t>
+            </a:r>
+            <a:r>
+              <a:rPr lang="en-US" sz="2000">
+                <a:latin typeface="Times New Roman" panose="02020603050405020304" pitchFamily="18" charset="0"/>
+                <a:cs typeface="Times New Roman" panose="02020603050405020304" pitchFamily="18" charset="0"/>
+              </a:rPr>
+              <a:t> and fine holographic textures.</a:t>
+            </a:r>
+          </a:p>
+          <a:p>
+            <a:pPr lvl="0" eaLnBrk="0" fontAlgn="base" hangingPunct="0">
+              <a:lnSpc>
+                <a:spcPct val="100000"/>
+              </a:lnSpc>
+              <a:spcBef>
+                <a:spcPts val="900"/>
+              </a:spcBef>
+              <a:spcAft>
+                <a:spcPct val="0"/>
+              </a:spcAft>
+              <a:buFont typeface="Wingdings" panose="05000000000000000000" pitchFamily="2" charset="2"/>
+              <a:buChar char="Ø"/>
+            </a:pPr>
+            <a:endParaRPr lang="en-US" sz="2000">
+              <a:latin typeface="Times New Roman" panose="02020603050405020304" pitchFamily="18" charset="0"/>
+              <a:cs typeface="Times New Roman" panose="02020603050405020304" pitchFamily="18" charset="0"/>
+            </a:endParaRPr>
+          </a:p>
+          <a:p>
+            <a:pPr lvl="0" eaLnBrk="0" fontAlgn="base" hangingPunct="0">
+              <a:lnSpc>
+                <a:spcPct val="100000"/>
+              </a:lnSpc>
+              <a:spcBef>
+                <a:spcPts val="900"/>
+              </a:spcBef>
+              <a:spcAft>
+                <a:spcPct val="0"/>
+              </a:spcAft>
+              <a:buFont typeface="Wingdings" panose="05000000000000000000" pitchFamily="2" charset="2"/>
+              <a:buChar char="Ø"/>
+            </a:pPr>
+            <a:r>
+              <a:rPr lang="en-US" sz="2000">
+                <a:latin typeface="Times New Roman" panose="02020603050405020304" pitchFamily="18" charset="0"/>
+                <a:cs typeface="Times New Roman" panose="02020603050405020304" pitchFamily="18" charset="0"/>
+              </a:rPr>
+              <a:t>Absence of </a:t>
+            </a:r>
+            <a:r>
+              <a:rPr lang="en-US" sz="2000" b="1">
+                <a:latin typeface="Times New Roman" panose="02020603050405020304" pitchFamily="18" charset="0"/>
+                <a:cs typeface="Times New Roman" panose="02020603050405020304" pitchFamily="18" charset="0"/>
+              </a:rPr>
+              <a:t>fusion-based</a:t>
+            </a:r>
+            <a:r>
+              <a:rPr lang="en-US" sz="2000">
+                <a:latin typeface="Times New Roman" panose="02020603050405020304" pitchFamily="18" charset="0"/>
+                <a:cs typeface="Times New Roman" panose="02020603050405020304" pitchFamily="18" charset="0"/>
+              </a:rPr>
+              <a:t> approaches combining amplitude and phase data.</a:t>
+            </a:r>
+          </a:p>
+          <a:p>
+            <a:pPr lvl="0" eaLnBrk="0" fontAlgn="base" hangingPunct="0">
+              <a:lnSpc>
+                <a:spcPct val="100000"/>
+              </a:lnSpc>
+              <a:spcBef>
+                <a:spcPts val="900"/>
+              </a:spcBef>
+              <a:spcAft>
+                <a:spcPct val="0"/>
+              </a:spcAft>
+              <a:buFont typeface="Wingdings" panose="05000000000000000000" pitchFamily="2" charset="2"/>
+              <a:buChar char="Ø"/>
+            </a:pPr>
+            <a:endParaRPr lang="en-US" sz="2000">
+              <a:latin typeface="Times New Roman" panose="02020603050405020304" pitchFamily="18" charset="0"/>
+              <a:cs typeface="Times New Roman" panose="02020603050405020304" pitchFamily="18" charset="0"/>
+            </a:endParaRPr>
+          </a:p>
+          <a:p>
+            <a:pPr lvl="0" eaLnBrk="0" fontAlgn="base" hangingPunct="0">
+              <a:lnSpc>
+                <a:spcPct val="100000"/>
+              </a:lnSpc>
+              <a:spcBef>
+                <a:spcPts val="900"/>
+              </a:spcBef>
+              <a:spcAft>
+                <a:spcPct val="0"/>
+              </a:spcAft>
+              <a:buFont typeface="Wingdings" panose="05000000000000000000" pitchFamily="2" charset="2"/>
+              <a:buChar char="Ø"/>
+            </a:pPr>
+            <a:r>
+              <a:rPr lang="en-US" sz="2000">
+                <a:latin typeface="Times New Roman" panose="02020603050405020304" pitchFamily="18" charset="0"/>
+                <a:cs typeface="Times New Roman" panose="02020603050405020304" pitchFamily="18" charset="0"/>
+              </a:rPr>
+              <a:t>Lack of </a:t>
+            </a:r>
+            <a:r>
+              <a:rPr lang="en-US" sz="2000" b="1">
+                <a:latin typeface="Times New Roman" panose="02020603050405020304" pitchFamily="18" charset="0"/>
+                <a:cs typeface="Times New Roman" panose="02020603050405020304" pitchFamily="18" charset="0"/>
+              </a:rPr>
+              <a:t>real-time, scalable</a:t>
+            </a:r>
+            <a:r>
+              <a:rPr lang="en-US" sz="2000">
+                <a:latin typeface="Times New Roman" panose="02020603050405020304" pitchFamily="18" charset="0"/>
+                <a:cs typeface="Times New Roman" panose="02020603050405020304" pitchFamily="18" charset="0"/>
+              </a:rPr>
+              <a:t> classification frameworks.</a:t>
+            </a:r>
+          </a:p>
+          <a:p>
+            <a:pPr lvl="0" eaLnBrk="0" fontAlgn="base" hangingPunct="0">
+              <a:lnSpc>
+                <a:spcPct val="100000"/>
+              </a:lnSpc>
+              <a:spcBef>
+                <a:spcPts val="900"/>
+              </a:spcBef>
+              <a:spcAft>
+                <a:spcPct val="0"/>
+              </a:spcAft>
+              <a:buFont typeface="Wingdings" panose="05000000000000000000" pitchFamily="2" charset="2"/>
+              <a:buChar char="Ø"/>
+            </a:pPr>
+            <a:endParaRPr lang="en-US" sz="2000">
+              <a:latin typeface="Times New Roman" panose="02020603050405020304" pitchFamily="18" charset="0"/>
+              <a:cs typeface="Times New Roman" panose="02020603050405020304" pitchFamily="18" charset="0"/>
+            </a:endParaRPr>
+          </a:p>
+          <a:p>
+            <a:pPr lvl="0" eaLnBrk="0" fontAlgn="base" hangingPunct="0">
+              <a:lnSpc>
+                <a:spcPct val="100000"/>
+              </a:lnSpc>
+              <a:spcBef>
+                <a:spcPts val="900"/>
+              </a:spcBef>
+              <a:spcAft>
+                <a:spcPct val="0"/>
+              </a:spcAft>
+              <a:buFont typeface="Wingdings" panose="05000000000000000000" pitchFamily="2" charset="2"/>
+              <a:buChar char="Ø"/>
+            </a:pPr>
+            <a:r>
+              <a:rPr lang="en-US" sz="2000">
+                <a:latin typeface="Times New Roman" panose="02020603050405020304" pitchFamily="18" charset="0"/>
+                <a:cs typeface="Times New Roman" panose="02020603050405020304" pitchFamily="18" charset="0"/>
+              </a:rPr>
+              <a:t>Need for </a:t>
+            </a:r>
+            <a:r>
+              <a:rPr lang="en-US" sz="2000" b="1">
+                <a:latin typeface="Times New Roman" panose="02020603050405020304" pitchFamily="18" charset="0"/>
+                <a:cs typeface="Times New Roman" panose="02020603050405020304" pitchFamily="18" charset="0"/>
+              </a:rPr>
+              <a:t>environment-ready transformer architectures</a:t>
+            </a:r>
+            <a:r>
+              <a:rPr lang="en-US" sz="2000">
+                <a:latin typeface="Times New Roman" panose="02020603050405020304" pitchFamily="18" charset="0"/>
+                <a:cs typeface="Times New Roman" panose="02020603050405020304" pitchFamily="18" charset="0"/>
+              </a:rPr>
+              <a:t> with better precision and recall</a:t>
+            </a:r>
+            <a:endParaRPr kumimoji="0" lang="en-US" altLang="en-US" sz="2000" b="0" i="0" u="none" strike="noStrike" cap="none" normalizeH="0" baseline="0">
+              <a:ln>
+                <a:noFill/>
+              </a:ln>
+              <a:solidFill>
+                <a:schemeClr val="tx1"/>
+              </a:solidFill>
+              <a:effectLst/>
+              <a:latin typeface="Times New Roman" panose="02020603050405020304" pitchFamily="18" charset="0"/>
+              <a:cs typeface="Times New Roman" panose="02020603050405020304" pitchFamily="18" charset="0"/>
+            </a:endParaRPr>
+          </a:p>
+        </p:txBody>
+      </p:sp>
+      <p:sp>
+        <p:nvSpPr>
+          <p:cNvPr id="3" name="AutoShape 3">
+            <a:extLst>
+              <a:ext uri="{FF2B5EF4-FFF2-40B4-BE49-F238E27FC236}">
+                <a16:creationId xmlns:a16="http://schemas.microsoft.com/office/drawing/2014/main" xmlns="" id="{14C75DE7-4F40-3E0D-89EF-47B294E33344}"/>
+              </a:ext>
+            </a:extLst>
+          </p:cNvPr>
+          <p:cNvSpPr>
+            <a:spLocks noChangeAspect="1" noChangeArrowheads="1"/>
+          </p:cNvSpPr>
+          <p:nvPr/>
+        </p:nvSpPr>
+        <p:spPr bwMode="auto">
+          <a:xfrm>
+            <a:off x="5943600" y="3276600"/>
+            <a:ext cx="4506686" cy="304800"/>
+          </a:xfrm>
+          <a:prstGeom prst="rect">
+            <a:avLst/>
+          </a:prstGeom>
+          <a:noFill/>
+          <a:extLst>
+            <a:ext uri="{909E8E84-426E-40DD-AFC4-6F175D3DCCD1}">
+              <a14:hiddenFill xmlns:a14="http://schemas.microsoft.com/office/drawing/2010/main">
+                <a:solidFill>
+                  <a:srgbClr val="FFFFFF"/>
+                </a:solidFill>
+              </a14:hiddenFill>
+            </a:ext>
+          </a:extLst>
+        </p:spPr>
+        <p:txBody>
+          <a:bodyPr vert="horz" wrap="square" lIns="91440" tIns="45720" rIns="91440" bIns="45720" numCol="1" anchor="t" anchorCtr="0" compatLnSpc="1">
+            <a:prstTxWarp prst="textNoShape">
+              <a:avLst/>
+            </a:prstTxWarp>
+          </a:bodyPr>
+          <a:lstStyle/>
+          <a:p>
+            <a:endParaRPr lang="en-IN"/>
+          </a:p>
+        </p:txBody>
+      </p:sp>
+      <p:sp>
+        <p:nvSpPr>
+          <p:cNvPr id="4" name="AutoShape 5">
+            <a:extLst>
+              <a:ext uri="{FF2B5EF4-FFF2-40B4-BE49-F238E27FC236}">
+                <a16:creationId xmlns:a16="http://schemas.microsoft.com/office/drawing/2014/main" xmlns="" id="{EAB03709-E792-7B0C-1BAE-A846EDE2690F}"/>
+              </a:ext>
+            </a:extLst>
+          </p:cNvPr>
+          <p:cNvSpPr>
+            <a:spLocks noChangeAspect="1" noChangeArrowheads="1"/>
+          </p:cNvSpPr>
+          <p:nvPr/>
+        </p:nvSpPr>
+        <p:spPr bwMode="auto">
+          <a:xfrm>
+            <a:off x="5943600" y="3276600"/>
+            <a:ext cx="304800" cy="304800"/>
+          </a:xfrm>
+          <a:prstGeom prst="rect">
+            <a:avLst/>
+          </a:prstGeom>
+          <a:noFill/>
+          <a:extLst>
+            <a:ext uri="{909E8E84-426E-40DD-AFC4-6F175D3DCCD1}">
+              <a14:hiddenFill xmlns:a14="http://schemas.microsoft.com/office/drawing/2010/main">
+                <a:solidFill>
+                  <a:srgbClr val="FFFFFF"/>
+                </a:solidFill>
+              </a14:hiddenFill>
+            </a:ext>
+          </a:extLst>
+        </p:spPr>
+        <p:txBody>
+          <a:bodyPr vert="horz" wrap="square" lIns="91440" tIns="45720" rIns="91440" bIns="45720" numCol="1" anchor="t" anchorCtr="0" compatLnSpc="1">
+            <a:prstTxWarp prst="textNoShape">
+              <a:avLst/>
+            </a:prstTxWarp>
+          </a:bodyPr>
+          <a:lstStyle/>
+          <a:p>
+            <a:endParaRPr lang="en-IN"/>
+          </a:p>
+        </p:txBody>
+      </p:sp>
+    </p:spTree>
+    <p:extLst>
+      <p:ext uri="{BB962C8B-B14F-4D97-AF65-F5344CB8AC3E}">
+        <p14:creationId xmlns:p14="http://schemas.microsoft.com/office/powerpoint/2010/main" val="1713168547"/>
+      </p:ext>
+    </p:extLst>
+  </p:cSld>
+  <p:clrMapOvr>
+    <a:masterClrMapping/>
+  </p:clrMapOvr>
+</p:sld>
+</file>
+
+<file path=ppt/slides/slide11.xml><?xml version="1.0" encoding="utf-8"?>
+<p:sld xmlns:a="http://schemas.openxmlformats.org/drawingml/2006/main" xmlns:r="http://schemas.openxmlformats.org/officeDocument/2006/relationships" xmlns:p="http://schemas.openxmlformats.org/presentationml/2006/main">
+  <p:cSld>
+    <p:spTree>
+      <p:nvGrpSpPr>
+        <p:cNvPr id="1" name=""/>
+        <p:cNvGrpSpPr/>
+        <p:nvPr/>
+      </p:nvGrpSpPr>
+      <p:grpSpPr>
+        <a:xfrm>
+          <a:off x="0" y="0"/>
+          <a:ext cx="0" cy="0"/>
+          <a:chOff x="0" y="0"/>
+          <a:chExt cx="0" cy="0"/>
+        </a:xfrm>
+      </p:grpSpPr>
+      <p:sp>
+        <p:nvSpPr>
+          <p:cNvPr id="8" name="Title 7">
+            <a:extLst>
+              <a:ext uri="{FF2B5EF4-FFF2-40B4-BE49-F238E27FC236}">
+                <a16:creationId xmlns:a16="http://schemas.microsoft.com/office/drawing/2014/main" xmlns="" id="{D45DB3B1-7702-A34D-B15A-E964B95D6FB5}"/>
+              </a:ext>
+            </a:extLst>
+          </p:cNvPr>
+          <p:cNvSpPr>
+            <a:spLocks noGrp="1"/>
+          </p:cNvSpPr>
+          <p:nvPr>
+            <p:ph type="title"/>
+          </p:nvPr>
+        </p:nvSpPr>
+        <p:spPr>
+          <a:xfrm>
+            <a:off x="1180618" y="365125"/>
+            <a:ext cx="10173182" cy="1128009"/>
+          </a:xfrm>
+        </p:spPr>
+        <p:txBody>
+          <a:bodyPr/>
+          <a:lstStyle/>
+          <a:p>
+            <a:pPr algn="ctr"/>
+            <a:r>
+              <a:rPr lang="en-US" b="1">
+                <a:latin typeface="Times New Roman" panose="02020603050405020304" pitchFamily="18" charset="0"/>
+                <a:cs typeface="Times New Roman" panose="02020603050405020304" pitchFamily="18" charset="0"/>
+              </a:rPr>
+              <a:t>PROBLEM STATEMENT</a:t>
+            </a:r>
+          </a:p>
+        </p:txBody>
+      </p:sp>
+      <p:sp>
+        <p:nvSpPr>
+          <p:cNvPr id="9" name="Content Placeholder 8">
+            <a:extLst>
+              <a:ext uri="{FF2B5EF4-FFF2-40B4-BE49-F238E27FC236}">
+                <a16:creationId xmlns:a16="http://schemas.microsoft.com/office/drawing/2014/main" xmlns="" id="{0BAA4F36-AB00-F2C4-B47F-6381355DE604}"/>
+              </a:ext>
+            </a:extLst>
+          </p:cNvPr>
+          <p:cNvSpPr>
+            <a:spLocks noGrp="1"/>
+          </p:cNvSpPr>
+          <p:nvPr>
+            <p:ph idx="1"/>
+          </p:nvPr>
+        </p:nvSpPr>
+        <p:spPr>
+          <a:xfrm>
+            <a:off x="777550" y="1426974"/>
+            <a:ext cx="9523445" cy="4351338"/>
+          </a:xfrm>
+        </p:spPr>
+        <p:txBody>
+          <a:bodyPr>
+            <a:noAutofit/>
+          </a:bodyPr>
+          <a:lstStyle/>
+          <a:p>
+            <a:pPr>
+              <a:buFont typeface="Wingdings" panose="05000000000000000000" pitchFamily="2" charset="2"/>
+              <a:buChar char="Ø"/>
+            </a:pPr>
+            <a:endParaRPr lang="en-US" sz="2000" b="1" smtClean="0">
+              <a:latin typeface="Times New Roman" panose="02020603050405020304" pitchFamily="18" charset="0"/>
+              <a:cs typeface="Times New Roman" panose="02020603050405020304" pitchFamily="18" charset="0"/>
+            </a:endParaRPr>
+          </a:p>
+          <a:p>
+            <a:pPr>
+              <a:buFont typeface="Wingdings" panose="05000000000000000000" pitchFamily="2" charset="2"/>
+              <a:buChar char="Ø"/>
+            </a:pPr>
+            <a:r>
+              <a:rPr lang="en-US" sz="2000" b="1" smtClean="0">
+                <a:latin typeface="Times New Roman" panose="02020603050405020304" pitchFamily="18" charset="0"/>
+                <a:cs typeface="Times New Roman" panose="02020603050405020304" pitchFamily="18" charset="0"/>
+              </a:rPr>
+              <a:t>PROBLEM DEFINITION:</a:t>
+            </a:r>
+          </a:p>
+          <a:p>
+            <a:pPr>
+              <a:buFont typeface="Wingdings" panose="05000000000000000000" pitchFamily="2" charset="2"/>
+              <a:buChar char="Ø"/>
+            </a:pPr>
+            <a:endParaRPr lang="en-US" sz="2000" b="1" smtClean="0">
+              <a:latin typeface="Times New Roman" panose="02020603050405020304" pitchFamily="18" charset="0"/>
+              <a:cs typeface="Times New Roman" panose="02020603050405020304" pitchFamily="18" charset="0"/>
+            </a:endParaRPr>
+          </a:p>
+          <a:p>
+            <a:pPr>
+              <a:buFont typeface="Wingdings" panose="05000000000000000000" pitchFamily="2" charset="2"/>
+              <a:buChar char="§"/>
+            </a:pPr>
+            <a:r>
+              <a:rPr lang="en-US" sz="2000">
+                <a:latin typeface="Times New Roman" panose="02020603050405020304" pitchFamily="18" charset="0"/>
+                <a:cs typeface="Times New Roman" panose="02020603050405020304" pitchFamily="18" charset="0"/>
+              </a:rPr>
+              <a:t>Holographic microplastic images exhibit complex patterns that are difficult to classify accurately</a:t>
+            </a:r>
+            <a:r>
+              <a:rPr lang="en-US" sz="2000" smtClean="0">
+                <a:latin typeface="Times New Roman" panose="02020603050405020304" pitchFamily="18" charset="0"/>
+                <a:cs typeface="Times New Roman" panose="02020603050405020304" pitchFamily="18" charset="0"/>
+              </a:rPr>
+              <a:t>.</a:t>
+            </a:r>
+          </a:p>
+          <a:p>
+            <a:pPr>
+              <a:buFont typeface="Wingdings" panose="05000000000000000000" pitchFamily="2" charset="2"/>
+              <a:buChar char="§"/>
+            </a:pPr>
+            <a:r>
+              <a:rPr lang="en-US" sz="2000">
+                <a:latin typeface="Times New Roman" panose="02020603050405020304" pitchFamily="18" charset="0"/>
+                <a:cs typeface="Times New Roman" panose="02020603050405020304" pitchFamily="18" charset="0"/>
+              </a:rPr>
+              <a:t>Conventional CNN-based methods fail to capture both local and global features effectively</a:t>
+            </a:r>
+            <a:r>
+              <a:rPr lang="en-US" sz="2000" smtClean="0">
+                <a:latin typeface="Times New Roman" panose="02020603050405020304" pitchFamily="18" charset="0"/>
+                <a:cs typeface="Times New Roman" panose="02020603050405020304" pitchFamily="18" charset="0"/>
+              </a:rPr>
+              <a:t>.</a:t>
+            </a:r>
+          </a:p>
+          <a:p>
+            <a:pPr>
+              <a:buFont typeface="Wingdings" panose="05000000000000000000" pitchFamily="2" charset="2"/>
+              <a:buChar char="§"/>
+            </a:pPr>
+            <a:r>
+              <a:rPr lang="en-US" sz="2000">
+                <a:latin typeface="Times New Roman" panose="02020603050405020304" pitchFamily="18" charset="0"/>
+                <a:cs typeface="Times New Roman" panose="02020603050405020304" pitchFamily="18" charset="0"/>
+              </a:rPr>
+              <a:t>Separate processing of amplitude and phase images causes loss of critical information</a:t>
+            </a:r>
+            <a:r>
+              <a:rPr lang="en-US" sz="2000" smtClean="0">
+                <a:latin typeface="Times New Roman" panose="02020603050405020304" pitchFamily="18" charset="0"/>
+                <a:cs typeface="Times New Roman" panose="02020603050405020304" pitchFamily="18" charset="0"/>
+              </a:rPr>
+              <a:t>.</a:t>
+            </a:r>
+          </a:p>
+          <a:p>
+            <a:pPr>
+              <a:buFont typeface="Wingdings" panose="05000000000000000000" pitchFamily="2" charset="2"/>
+              <a:buChar char="§"/>
+            </a:pPr>
+            <a:r>
+              <a:rPr lang="en-US" sz="2000">
+                <a:latin typeface="Times New Roman" panose="02020603050405020304" pitchFamily="18" charset="0"/>
+                <a:cs typeface="Times New Roman" panose="02020603050405020304" pitchFamily="18" charset="0"/>
+              </a:rPr>
+              <a:t>Hence, an automated deep learning framework with fused amplitude–phase data is required for accurate classification.</a:t>
+            </a:r>
+          </a:p>
+        </p:txBody>
+      </p:sp>
+      <p:sp>
+        <p:nvSpPr>
+          <p:cNvPr id="5" name="Date Placeholder 4">
+            <a:extLst>
+              <a:ext uri="{FF2B5EF4-FFF2-40B4-BE49-F238E27FC236}">
+                <a16:creationId xmlns:a16="http://schemas.microsoft.com/office/drawing/2014/main" xmlns="" id="{BD5C2420-26C9-65B4-41BA-D5CA69721C05}"/>
+              </a:ext>
+            </a:extLst>
+          </p:cNvPr>
+          <p:cNvSpPr>
+            <a:spLocks noGrp="1"/>
+          </p:cNvSpPr>
+          <p:nvPr>
+            <p:ph type="dt" sz="half" idx="10"/>
+          </p:nvPr>
+        </p:nvSpPr>
+        <p:spPr/>
+        <p:txBody>
+          <a:bodyPr/>
+          <a:lstStyle/>
+          <a:p>
+            <a:r>
+              <a:rPr lang="en-US" dirty="0">
+                <a:latin typeface="Times New Roman" panose="02020603050405020304" pitchFamily="18" charset="0"/>
+                <a:cs typeface="Times New Roman" panose="02020603050405020304" pitchFamily="18" charset="0"/>
+              </a:rPr>
+              <a:t>06-12-2025</a:t>
+            </a:r>
+          </a:p>
+        </p:txBody>
+      </p:sp>
+      <p:sp>
+        <p:nvSpPr>
+          <p:cNvPr id="6" name="Footer Placeholder 5">
+            <a:extLst>
+              <a:ext uri="{FF2B5EF4-FFF2-40B4-BE49-F238E27FC236}">
+                <a16:creationId xmlns:a16="http://schemas.microsoft.com/office/drawing/2014/main" xmlns="" id="{AE9B4454-96E6-70D8-1440-2142487397DF}"/>
+              </a:ext>
+            </a:extLst>
+          </p:cNvPr>
+          <p:cNvSpPr>
+            <a:spLocks noGrp="1"/>
+          </p:cNvSpPr>
+          <p:nvPr>
+            <p:ph type="ftr" sz="quarter" idx="11"/>
+          </p:nvPr>
+        </p:nvSpPr>
+        <p:spPr/>
+        <p:txBody>
+          <a:bodyPr/>
+          <a:lstStyle/>
+          <a:p>
+            <a:r>
+              <a:rPr lang="en-US" dirty="0">
+                <a:latin typeface="Times New Roman" panose="02020603050405020304" pitchFamily="18" charset="0"/>
+                <a:cs typeface="Times New Roman" panose="02020603050405020304" pitchFamily="18" charset="0"/>
+              </a:rPr>
+              <a:t>Review No. 02        Batch No. BG9           Department of CSE</a:t>
+            </a:r>
+          </a:p>
+        </p:txBody>
+      </p:sp>
+      <p:sp>
+        <p:nvSpPr>
+          <p:cNvPr id="7" name="Slide Number Placeholder 6">
+            <a:extLst>
+              <a:ext uri="{FF2B5EF4-FFF2-40B4-BE49-F238E27FC236}">
+                <a16:creationId xmlns:a16="http://schemas.microsoft.com/office/drawing/2014/main" xmlns="" id="{5F827BAA-7E22-F268-D9DC-5E17D9155237}"/>
+              </a:ext>
+            </a:extLst>
+          </p:cNvPr>
+          <p:cNvSpPr>
+            <a:spLocks noGrp="1"/>
+          </p:cNvSpPr>
+          <p:nvPr>
+            <p:ph type="sldNum" sz="quarter" idx="12"/>
+          </p:nvPr>
+        </p:nvSpPr>
+        <p:spPr/>
+        <p:txBody>
+          <a:bodyPr/>
+          <a:lstStyle/>
+          <a:p>
+            <a:fld id="{B961B71F-4B40-8942-BB88-E0F5C0B46E10}" type="slidenum">
+              <a:rPr lang="en-US" smtClean="0">
+                <a:latin typeface="Times New Roman" panose="02020603050405020304" pitchFamily="18" charset="0"/>
+                <a:cs typeface="Times New Roman" panose="02020603050405020304" pitchFamily="18" charset="0"/>
+              </a:rPr>
+              <a:t>11</a:t>
+            </a:fld>
+            <a:endParaRPr lang="en-US">
+              <a:latin typeface="Times New Roman" panose="02020603050405020304" pitchFamily="18" charset="0"/>
+              <a:cs typeface="Times New Roman" panose="02020603050405020304" pitchFamily="18" charset="0"/>
+            </a:endParaRPr>
+          </a:p>
+        </p:txBody>
+      </p:sp>
+    </p:spTree>
+    <p:extLst>
+      <p:ext uri="{BB962C8B-B14F-4D97-AF65-F5344CB8AC3E}">
+        <p14:creationId xmlns:p14="http://schemas.microsoft.com/office/powerpoint/2010/main" val="1259738044"/>
+      </p:ext>
+    </p:extLst>
+  </p:cSld>
+  <p:clrMapOvr>
+    <a:masterClrMapping/>
+  </p:clrMapOvr>
+</p:sld>
+</file>
+
+<file path=ppt/slides/slide12.xml><?xml version="1.0" encoding="utf-8"?>
+<p:sld xmlns:a="http://schemas.openxmlformats.org/drawingml/2006/main" xmlns:r="http://schemas.openxmlformats.org/officeDocument/2006/relationships" xmlns:p="http://schemas.openxmlformats.org/presentationml/2006/main">
+  <p:cSld>
+    <p:spTree>
+      <p:nvGrpSpPr>
+        <p:cNvPr id="1" name=""/>
+        <p:cNvGrpSpPr/>
+        <p:nvPr/>
+      </p:nvGrpSpPr>
+      <p:grpSpPr>
+        <a:xfrm>
+          <a:off x="0" y="0"/>
+          <a:ext cx="0" cy="0"/>
+          <a:chOff x="0" y="0"/>
+          <a:chExt cx="0" cy="0"/>
+        </a:xfrm>
+      </p:grpSpPr>
+      <p:sp>
+        <p:nvSpPr>
+          <p:cNvPr id="8" name="Title 7">
+            <a:extLst>
+              <a:ext uri="{FF2B5EF4-FFF2-40B4-BE49-F238E27FC236}">
+                <a16:creationId xmlns:a16="http://schemas.microsoft.com/office/drawing/2014/main" xmlns="" id="{D45DB3B1-7702-A34D-B15A-E964B95D6FB5}"/>
+              </a:ext>
+            </a:extLst>
+          </p:cNvPr>
+          <p:cNvSpPr>
+            <a:spLocks noGrp="1"/>
+          </p:cNvSpPr>
+          <p:nvPr>
+            <p:ph type="title"/>
+          </p:nvPr>
+        </p:nvSpPr>
+        <p:spPr>
+          <a:xfrm>
+            <a:off x="1180618" y="365125"/>
+            <a:ext cx="10173182" cy="1128009"/>
+          </a:xfrm>
+        </p:spPr>
+        <p:txBody>
+          <a:bodyPr/>
+          <a:lstStyle/>
+          <a:p>
+            <a:pPr algn="ctr"/>
+            <a:r>
+              <a:rPr lang="en-US" b="1">
+                <a:latin typeface="Times New Roman" panose="02020603050405020304" pitchFamily="18" charset="0"/>
+                <a:cs typeface="Times New Roman" panose="02020603050405020304" pitchFamily="18" charset="0"/>
+              </a:rPr>
+              <a:t>PROBLEM STATEMENT</a:t>
+            </a:r>
+          </a:p>
+        </p:txBody>
+      </p:sp>
+      <p:sp>
+        <p:nvSpPr>
+          <p:cNvPr id="9" name="Content Placeholder 8">
+            <a:extLst>
+              <a:ext uri="{FF2B5EF4-FFF2-40B4-BE49-F238E27FC236}">
+                <a16:creationId xmlns:a16="http://schemas.microsoft.com/office/drawing/2014/main" xmlns="" id="{0BAA4F36-AB00-F2C4-B47F-6381355DE604}"/>
+              </a:ext>
+            </a:extLst>
+          </p:cNvPr>
+          <p:cNvSpPr>
+            <a:spLocks noGrp="1"/>
+          </p:cNvSpPr>
+          <p:nvPr>
+            <p:ph idx="1"/>
+          </p:nvPr>
+        </p:nvSpPr>
+        <p:spPr>
+          <a:xfrm>
+            <a:off x="777550" y="1426974"/>
+            <a:ext cx="9523445" cy="4351338"/>
+          </a:xfrm>
+        </p:spPr>
+        <p:txBody>
+          <a:bodyPr>
+            <a:noAutofit/>
+          </a:bodyPr>
+          <a:lstStyle/>
+          <a:p>
+            <a:endParaRPr lang="en-US" sz="2000">
+              <a:latin typeface="Times New Roman" panose="02020603050405020304" pitchFamily="18" charset="0"/>
+              <a:cs typeface="Times New Roman" panose="02020603050405020304" pitchFamily="18" charset="0"/>
+            </a:endParaRPr>
+          </a:p>
+          <a:p>
+            <a:pPr>
+              <a:buFont typeface="Wingdings" panose="05000000000000000000" pitchFamily="2" charset="2"/>
+              <a:buChar char="Ø"/>
+            </a:pPr>
+            <a:r>
+              <a:rPr lang="en-US" sz="2000" b="1" smtClean="0">
+                <a:latin typeface="Times New Roman" panose="02020603050405020304" pitchFamily="18" charset="0"/>
+                <a:cs typeface="Times New Roman" panose="02020603050405020304" pitchFamily="18" charset="0"/>
+              </a:rPr>
+              <a:t>SIGNIFICANCE OF THE PROBLEM:</a:t>
+            </a:r>
+          </a:p>
+          <a:p>
+            <a:pPr>
+              <a:buFont typeface="Wingdings" panose="05000000000000000000" pitchFamily="2" charset="2"/>
+              <a:buChar char="Ø"/>
+            </a:pPr>
+            <a:endParaRPr lang="en-US" sz="2000">
+              <a:latin typeface="Times New Roman" panose="02020603050405020304" pitchFamily="18" charset="0"/>
+              <a:cs typeface="Times New Roman" panose="02020603050405020304" pitchFamily="18" charset="0"/>
+            </a:endParaRPr>
+          </a:p>
+          <a:p>
+            <a:pPr>
+              <a:buFont typeface="Wingdings" panose="05000000000000000000" pitchFamily="2" charset="2"/>
+              <a:buChar char="§"/>
+            </a:pPr>
+            <a:r>
+              <a:rPr lang="en-US" sz="2000">
+                <a:latin typeface="Times New Roman" panose="02020603050405020304" pitchFamily="18" charset="0"/>
+                <a:cs typeface="Times New Roman" panose="02020603050405020304" pitchFamily="18" charset="0"/>
+              </a:rPr>
+              <a:t>Enables automated and efficient monitoring of microplastics in aquatic environments</a:t>
+            </a:r>
+            <a:r>
+              <a:rPr lang="en-US" sz="2000" smtClean="0">
+                <a:latin typeface="Times New Roman" panose="02020603050405020304" pitchFamily="18" charset="0"/>
+                <a:cs typeface="Times New Roman" panose="02020603050405020304" pitchFamily="18" charset="0"/>
+              </a:rPr>
+              <a:t>.</a:t>
+            </a:r>
+          </a:p>
+          <a:p>
+            <a:pPr>
+              <a:buFont typeface="Wingdings" panose="05000000000000000000" pitchFamily="2" charset="2"/>
+              <a:buChar char="§"/>
+            </a:pPr>
+            <a:r>
+              <a:rPr lang="en-US" sz="2000" smtClean="0">
+                <a:latin typeface="Times New Roman" panose="02020603050405020304" pitchFamily="18" charset="0"/>
+                <a:cs typeface="Times New Roman" panose="02020603050405020304" pitchFamily="18" charset="0"/>
+              </a:rPr>
+              <a:t>Reduces </a:t>
+            </a:r>
+            <a:r>
+              <a:rPr lang="en-US" sz="2000">
+                <a:latin typeface="Times New Roman" panose="02020603050405020304" pitchFamily="18" charset="0"/>
+                <a:cs typeface="Times New Roman" panose="02020603050405020304" pitchFamily="18" charset="0"/>
+              </a:rPr>
+              <a:t>reliance on time-consuming and error-prone manual inspection methods</a:t>
+            </a:r>
+            <a:r>
+              <a:rPr lang="en-US" sz="2000" smtClean="0">
+                <a:latin typeface="Times New Roman" panose="02020603050405020304" pitchFamily="18" charset="0"/>
+                <a:cs typeface="Times New Roman" panose="02020603050405020304" pitchFamily="18" charset="0"/>
+              </a:rPr>
+              <a:t>.</a:t>
+            </a:r>
+          </a:p>
+          <a:p>
+            <a:pPr>
+              <a:buFont typeface="Wingdings" panose="05000000000000000000" pitchFamily="2" charset="2"/>
+              <a:buChar char="§"/>
+            </a:pPr>
+            <a:r>
+              <a:rPr lang="en-US" sz="2000">
+                <a:latin typeface="Times New Roman" panose="02020603050405020304" pitchFamily="18" charset="0"/>
+                <a:cs typeface="Times New Roman" panose="02020603050405020304" pitchFamily="18" charset="0"/>
+              </a:rPr>
+              <a:t>Supports real-time detection and tracking of environmental plastic pollution</a:t>
+            </a:r>
+            <a:r>
+              <a:rPr lang="en-US" sz="2000" smtClean="0">
+                <a:latin typeface="Times New Roman" panose="02020603050405020304" pitchFamily="18" charset="0"/>
+                <a:cs typeface="Times New Roman" panose="02020603050405020304" pitchFamily="18" charset="0"/>
+              </a:rPr>
+              <a:t>.</a:t>
+            </a:r>
+          </a:p>
+          <a:p>
+            <a:pPr>
+              <a:buFont typeface="Wingdings" panose="05000000000000000000" pitchFamily="2" charset="2"/>
+              <a:buChar char="§"/>
+            </a:pPr>
+            <a:r>
+              <a:rPr lang="en-US" sz="2000">
+                <a:latin typeface="Times New Roman" panose="02020603050405020304" pitchFamily="18" charset="0"/>
+                <a:cs typeface="Times New Roman" panose="02020603050405020304" pitchFamily="18" charset="0"/>
+              </a:rPr>
+              <a:t>Ensures high accuracy and robustness in microplastic classification results.</a:t>
+            </a:r>
+          </a:p>
+        </p:txBody>
+      </p:sp>
+      <p:sp>
+        <p:nvSpPr>
+          <p:cNvPr id="5" name="Date Placeholder 4">
+            <a:extLst>
+              <a:ext uri="{FF2B5EF4-FFF2-40B4-BE49-F238E27FC236}">
+                <a16:creationId xmlns:a16="http://schemas.microsoft.com/office/drawing/2014/main" xmlns="" id="{BD5C2420-26C9-65B4-41BA-D5CA69721C05}"/>
+              </a:ext>
+            </a:extLst>
+          </p:cNvPr>
+          <p:cNvSpPr>
+            <a:spLocks noGrp="1"/>
+          </p:cNvSpPr>
+          <p:nvPr>
+            <p:ph type="dt" sz="half" idx="10"/>
+          </p:nvPr>
+        </p:nvSpPr>
+        <p:spPr/>
+        <p:txBody>
+          <a:bodyPr/>
+          <a:lstStyle/>
+          <a:p>
+            <a:r>
+              <a:rPr lang="en-US" dirty="0">
+                <a:latin typeface="Times New Roman" panose="02020603050405020304" pitchFamily="18" charset="0"/>
+                <a:cs typeface="Times New Roman" panose="02020603050405020304" pitchFamily="18" charset="0"/>
+              </a:rPr>
+              <a:t>06-12-2025</a:t>
+            </a:r>
+          </a:p>
+        </p:txBody>
+      </p:sp>
+      <p:sp>
+        <p:nvSpPr>
+          <p:cNvPr id="6" name="Footer Placeholder 5">
+            <a:extLst>
+              <a:ext uri="{FF2B5EF4-FFF2-40B4-BE49-F238E27FC236}">
+                <a16:creationId xmlns:a16="http://schemas.microsoft.com/office/drawing/2014/main" xmlns="" id="{AE9B4454-96E6-70D8-1440-2142487397DF}"/>
+              </a:ext>
+            </a:extLst>
+          </p:cNvPr>
+          <p:cNvSpPr>
+            <a:spLocks noGrp="1"/>
+          </p:cNvSpPr>
+          <p:nvPr>
+            <p:ph type="ftr" sz="quarter" idx="11"/>
+          </p:nvPr>
+        </p:nvSpPr>
+        <p:spPr/>
+        <p:txBody>
+          <a:bodyPr/>
+          <a:lstStyle/>
+          <a:p>
+            <a:r>
+              <a:rPr lang="en-US" dirty="0">
+                <a:latin typeface="Times New Roman" panose="02020603050405020304" pitchFamily="18" charset="0"/>
+                <a:cs typeface="Times New Roman" panose="02020603050405020304" pitchFamily="18" charset="0"/>
+              </a:rPr>
+              <a:t>Review No. 02        Batch No. BG9           Department of CSE</a:t>
+            </a:r>
+          </a:p>
+        </p:txBody>
+      </p:sp>
+      <p:sp>
+        <p:nvSpPr>
+          <p:cNvPr id="7" name="Slide Number Placeholder 6">
+            <a:extLst>
+              <a:ext uri="{FF2B5EF4-FFF2-40B4-BE49-F238E27FC236}">
+                <a16:creationId xmlns:a16="http://schemas.microsoft.com/office/drawing/2014/main" xmlns="" id="{5F827BAA-7E22-F268-D9DC-5E17D9155237}"/>
+              </a:ext>
+            </a:extLst>
+          </p:cNvPr>
+          <p:cNvSpPr>
+            <a:spLocks noGrp="1"/>
+          </p:cNvSpPr>
+          <p:nvPr>
+            <p:ph type="sldNum" sz="quarter" idx="12"/>
+          </p:nvPr>
+        </p:nvSpPr>
+        <p:spPr/>
+        <p:txBody>
+          <a:bodyPr/>
+          <a:lstStyle/>
+          <a:p>
+            <a:fld id="{B961B71F-4B40-8942-BB88-E0F5C0B46E10}" type="slidenum">
+              <a:rPr lang="en-US" smtClean="0">
+                <a:latin typeface="Times New Roman" panose="02020603050405020304" pitchFamily="18" charset="0"/>
+                <a:cs typeface="Times New Roman" panose="02020603050405020304" pitchFamily="18" charset="0"/>
+              </a:rPr>
+              <a:t>12</a:t>
+            </a:fld>
+            <a:endParaRPr lang="en-US">
+              <a:latin typeface="Times New Roman" panose="02020603050405020304" pitchFamily="18" charset="0"/>
+              <a:cs typeface="Times New Roman" panose="02020603050405020304" pitchFamily="18" charset="0"/>
+            </a:endParaRPr>
+          </a:p>
+        </p:txBody>
+      </p:sp>
+    </p:spTree>
+    <p:extLst>
+      <p:ext uri="{BB962C8B-B14F-4D97-AF65-F5344CB8AC3E}">
+        <p14:creationId xmlns:p14="http://schemas.microsoft.com/office/powerpoint/2010/main" val="1449362126"/>
+      </p:ext>
+    </p:extLst>
+  </p:cSld>
+  <p:clrMapOvr>
+    <a:masterClrMapping/>
+  </p:clrMapOvr>
+</p:sld>
+</file>
+
+<file path=ppt/slides/slide13.xml><?xml version="1.0" encoding="utf-8"?>
+<p:sld xmlns:a="http://schemas.openxmlformats.org/drawingml/2006/main" xmlns:r="http://schemas.openxmlformats.org/officeDocument/2006/relationships" xmlns:p="http://schemas.openxmlformats.org/presentationml/2006/main">
+  <p:cSld>
+    <p:spTree>
+      <p:nvGrpSpPr>
+        <p:cNvPr id="1" name=""/>
+        <p:cNvGrpSpPr/>
+        <p:nvPr/>
+      </p:nvGrpSpPr>
+      <p:grpSpPr>
+        <a:xfrm>
+          <a:off x="0" y="0"/>
+          <a:ext cx="0" cy="0"/>
+          <a:chOff x="0" y="0"/>
+          <a:chExt cx="0" cy="0"/>
+        </a:xfrm>
+      </p:grpSpPr>
+      <p:sp>
+        <p:nvSpPr>
+          <p:cNvPr id="8" name="Title 7">
+            <a:extLst>
+              <a:ext uri="{FF2B5EF4-FFF2-40B4-BE49-F238E27FC236}">
+                <a16:creationId xmlns:a16="http://schemas.microsoft.com/office/drawing/2014/main" xmlns="" id="{D45DB3B1-7702-A34D-B15A-E964B95D6FB5}"/>
+              </a:ext>
+            </a:extLst>
+          </p:cNvPr>
+          <p:cNvSpPr>
+            <a:spLocks noGrp="1"/>
+          </p:cNvSpPr>
+          <p:nvPr>
+            <p:ph type="title"/>
+          </p:nvPr>
+        </p:nvSpPr>
+        <p:spPr>
+          <a:xfrm>
+            <a:off x="1180618" y="365125"/>
+            <a:ext cx="10173182" cy="1230410"/>
+          </a:xfrm>
+        </p:spPr>
+        <p:txBody>
+          <a:bodyPr/>
+          <a:lstStyle/>
+          <a:p>
+            <a:pPr algn="ctr"/>
+            <a:r>
+              <a:rPr lang="en-US" b="1">
+                <a:latin typeface="Times New Roman" panose="02020603050405020304" pitchFamily="18" charset="0"/>
+                <a:cs typeface="Times New Roman" panose="02020603050405020304" pitchFamily="18" charset="0"/>
+              </a:rPr>
+              <a:t>OBJECTIVES</a:t>
+            </a:r>
+          </a:p>
+        </p:txBody>
+      </p:sp>
+      <p:sp>
+        <p:nvSpPr>
+          <p:cNvPr id="5" name="Date Placeholder 4">
+            <a:extLst>
+              <a:ext uri="{FF2B5EF4-FFF2-40B4-BE49-F238E27FC236}">
+                <a16:creationId xmlns:a16="http://schemas.microsoft.com/office/drawing/2014/main" xmlns="" id="{BD5C2420-26C9-65B4-41BA-D5CA69721C05}"/>
+              </a:ext>
+            </a:extLst>
+          </p:cNvPr>
+          <p:cNvSpPr>
+            <a:spLocks noGrp="1"/>
+          </p:cNvSpPr>
+          <p:nvPr>
+            <p:ph type="dt" sz="half" idx="10"/>
+          </p:nvPr>
+        </p:nvSpPr>
+        <p:spPr/>
+        <p:txBody>
+          <a:bodyPr/>
+          <a:lstStyle/>
+          <a:p>
+            <a:r>
+              <a:rPr lang="en-US" dirty="0">
+                <a:latin typeface="Times New Roman" panose="02020603050405020304" pitchFamily="18" charset="0"/>
+                <a:cs typeface="Times New Roman" panose="02020603050405020304" pitchFamily="18" charset="0"/>
+              </a:rPr>
+              <a:t>06-12-2025</a:t>
+            </a:r>
+          </a:p>
+        </p:txBody>
+      </p:sp>
+      <p:sp>
+        <p:nvSpPr>
+          <p:cNvPr id="6" name="Footer Placeholder 5">
+            <a:extLst>
+              <a:ext uri="{FF2B5EF4-FFF2-40B4-BE49-F238E27FC236}">
+                <a16:creationId xmlns:a16="http://schemas.microsoft.com/office/drawing/2014/main" xmlns="" id="{AE9B4454-96E6-70D8-1440-2142487397DF}"/>
+              </a:ext>
+            </a:extLst>
+          </p:cNvPr>
+          <p:cNvSpPr>
+            <a:spLocks noGrp="1"/>
+          </p:cNvSpPr>
+          <p:nvPr>
+            <p:ph type="ftr" sz="quarter" idx="11"/>
+          </p:nvPr>
+        </p:nvSpPr>
+        <p:spPr/>
+        <p:txBody>
+          <a:bodyPr/>
+          <a:lstStyle/>
+          <a:p>
+            <a:r>
+              <a:rPr lang="en-US" dirty="0">
+                <a:latin typeface="Times New Roman" panose="02020603050405020304" pitchFamily="18" charset="0"/>
+                <a:cs typeface="Times New Roman" panose="02020603050405020304" pitchFamily="18" charset="0"/>
+              </a:rPr>
+              <a:t>Review No. 02        Batch No. BG9           Department of CSE</a:t>
+            </a:r>
+          </a:p>
+        </p:txBody>
+      </p:sp>
+      <p:sp>
+        <p:nvSpPr>
+          <p:cNvPr id="7" name="Slide Number Placeholder 6">
+            <a:extLst>
+              <a:ext uri="{FF2B5EF4-FFF2-40B4-BE49-F238E27FC236}">
+                <a16:creationId xmlns:a16="http://schemas.microsoft.com/office/drawing/2014/main" xmlns="" id="{5F827BAA-7E22-F268-D9DC-5E17D9155237}"/>
+              </a:ext>
+            </a:extLst>
+          </p:cNvPr>
+          <p:cNvSpPr>
+            <a:spLocks noGrp="1"/>
+          </p:cNvSpPr>
+          <p:nvPr>
+            <p:ph type="sldNum" sz="quarter" idx="12"/>
+          </p:nvPr>
+        </p:nvSpPr>
+        <p:spPr/>
+        <p:txBody>
+          <a:bodyPr/>
+          <a:lstStyle/>
+          <a:p>
+            <a:fld id="{B961B71F-4B40-8942-BB88-E0F5C0B46E10}" type="slidenum">
+              <a:rPr lang="en-US" smtClean="0">
+                <a:latin typeface="Times New Roman" panose="02020603050405020304" pitchFamily="18" charset="0"/>
+                <a:cs typeface="Times New Roman" panose="02020603050405020304" pitchFamily="18" charset="0"/>
+              </a:rPr>
+              <a:t>13</a:t>
             </a:fld>
             <a:endParaRPr lang="en-US">
               <a:latin typeface="Times New Roman" panose="02020603050405020304" pitchFamily="18" charset="0"/>
@@ -4820,7 +6033,7 @@
 </p:sld>
 </file>
 
-<file path=ppt/slides/slide11.xml><?xml version="1.0" encoding="utf-8"?>
+<file path=ppt/slides/slide14.xml><?xml version="1.0" encoding="utf-8"?>
 <p:sld xmlns:a="http://schemas.openxmlformats.org/drawingml/2006/main" xmlns:r="http://schemas.openxmlformats.org/officeDocument/2006/relationships" xmlns:p="http://schemas.openxmlformats.org/presentationml/2006/main">
   <p:cSld>
     <p:spTree>
@@ -4964,7 +6177,7 @@
                 <a:latin typeface="Times New Roman" panose="02020603050405020304" pitchFamily="18" charset="0"/>
                 <a:cs typeface="Times New Roman" panose="02020603050405020304" pitchFamily="18" charset="0"/>
               </a:rPr>
-              <a:t>11</a:t>
+              <a:t>14</a:t>
             </a:fld>
             <a:endParaRPr lang="en-US">
               <a:latin typeface="Times New Roman" panose="02020603050405020304" pitchFamily="18" charset="0"/>
@@ -5046,7 +6259,7 @@
 </p:sld>
 </file>
 
-<file path=ppt/slides/slide12.xml><?xml version="1.0" encoding="utf-8"?>
+<file path=ppt/slides/slide15.xml><?xml version="1.0" encoding="utf-8"?>
 <p:sld xmlns:a="http://schemas.openxmlformats.org/drawingml/2006/main" xmlns:r="http://schemas.openxmlformats.org/officeDocument/2006/relationships" xmlns:p="http://schemas.openxmlformats.org/presentationml/2006/main">
   <p:cSld>
     <p:spTree>
@@ -5081,21 +6294,23 @@
         </p:nvSpPr>
         <p:spPr>
           <a:xfrm>
-            <a:off x="1180618" y="365125"/>
-            <a:ext cx="10173182" cy="1128009"/>
+            <a:off x="2651494" y="756356"/>
+            <a:ext cx="7489282" cy="1007130"/>
           </a:xfrm>
         </p:spPr>
         <p:txBody>
-          <a:bodyPr/>
+          <a:bodyPr>
+            <a:normAutofit/>
+          </a:bodyPr>
           <a:lstStyle/>
           <a:p>
             <a:pPr algn="ctr"/>
             <a:r>
-              <a:rPr lang="en-US" b="1">
-                <a:latin typeface="Times New Roman" panose="02020603050405020304" pitchFamily="18" charset="0"/>
-                <a:cs typeface="Times New Roman" panose="02020603050405020304" pitchFamily="18" charset="0"/>
-              </a:rPr>
-              <a:t>METHODOLOGY</a:t>
+              <a:rPr lang="en-US" sz="2800" b="1">
+                <a:latin typeface="Times New Roman" panose="02020603050405020304" pitchFamily="18" charset="0"/>
+                <a:cs typeface="Times New Roman" panose="02020603050405020304" pitchFamily="18" charset="0"/>
+              </a:rPr>
+              <a:t>BLOCK DIAGRAM OR FLOW DIAGRAM</a:t>
             </a:r>
           </a:p>
         </p:txBody>
@@ -5188,7 +6403,316 @@
                 <a:latin typeface="Times New Roman" panose="02020603050405020304" pitchFamily="18" charset="0"/>
                 <a:cs typeface="Times New Roman" panose="02020603050405020304" pitchFamily="18" charset="0"/>
               </a:rPr>
-              <a:t>12</a:t>
+              <a:t>15</a:t>
+            </a:fld>
+            <a:endParaRPr lang="en-US">
+              <a:latin typeface="Times New Roman" panose="02020603050405020304" pitchFamily="18" charset="0"/>
+              <a:cs typeface="Times New Roman" panose="02020603050405020304" pitchFamily="18" charset="0"/>
+            </a:endParaRPr>
+          </a:p>
+        </p:txBody>
+      </p:sp>
+      <p:sp>
+        <p:nvSpPr>
+          <p:cNvPr id="4" name="TextBox 3"/>
+          <p:cNvSpPr txBox="1"/>
+          <p:nvPr/>
+        </p:nvSpPr>
+        <p:spPr>
+          <a:xfrm>
+            <a:off x="1828800" y="1902691"/>
+            <a:ext cx="9097818" cy="2862322"/>
+          </a:xfrm>
+          <a:prstGeom prst="rect">
+            <a:avLst/>
+          </a:prstGeom>
+          <a:noFill/>
+        </p:spPr>
+        <p:txBody>
+          <a:bodyPr wrap="square" rtlCol="0">
+            <a:spAutoFit/>
+          </a:bodyPr>
+          <a:lstStyle/>
+          <a:p>
+            <a:pPr marL="342900" indent="-342900">
+              <a:buFont typeface="Wingdings" panose="05000000000000000000" pitchFamily="2" charset="2"/>
+              <a:buChar char="Ø"/>
+            </a:pPr>
+            <a:r>
+              <a:rPr lang="en-US" sz="2000"/>
+              <a:t>Holographic microscope captures </a:t>
+            </a:r>
+            <a:r>
+              <a:rPr lang="en-US" sz="2000" b="1"/>
+              <a:t>amplitude and phase images</a:t>
+            </a:r>
+            <a:r>
+              <a:rPr lang="en-US" sz="2000"/>
+              <a:t> of the sample</a:t>
+            </a:r>
+            <a:r>
+              <a:rPr lang="en-US" sz="2000" smtClean="0"/>
+              <a:t>.</a:t>
+            </a:r>
+          </a:p>
+          <a:p>
+            <a:pPr marL="342900" indent="-342900">
+              <a:buFont typeface="Wingdings" panose="05000000000000000000" pitchFamily="2" charset="2"/>
+              <a:buChar char="Ø"/>
+            </a:pPr>
+            <a:endParaRPr lang="en-US" sz="2000" smtClean="0"/>
+          </a:p>
+          <a:p>
+            <a:pPr marL="342900" indent="-342900">
+              <a:buFont typeface="Wingdings" panose="05000000000000000000" pitchFamily="2" charset="2"/>
+              <a:buChar char="Ø"/>
+            </a:pPr>
+            <a:r>
+              <a:rPr lang="en-US" sz="2000"/>
+              <a:t>Amplitude and phase images are combined using </a:t>
+            </a:r>
+            <a:r>
+              <a:rPr lang="en-US" sz="2000" b="1"/>
+              <a:t>HSL color fusion</a:t>
+            </a:r>
+            <a:r>
+              <a:rPr lang="en-US" sz="2000" smtClean="0"/>
+              <a:t>.</a:t>
+            </a:r>
+          </a:p>
+          <a:p>
+            <a:pPr marL="342900" indent="-342900">
+              <a:buFont typeface="Wingdings" panose="05000000000000000000" pitchFamily="2" charset="2"/>
+              <a:buChar char="Ø"/>
+            </a:pPr>
+            <a:endParaRPr lang="en-US" sz="2000" smtClean="0"/>
+          </a:p>
+          <a:p>
+            <a:pPr marL="342900" indent="-342900">
+              <a:buFont typeface="Wingdings" panose="05000000000000000000" pitchFamily="2" charset="2"/>
+              <a:buChar char="Ø"/>
+            </a:pPr>
+            <a:r>
+              <a:rPr lang="en-US" sz="2000"/>
+              <a:t>The fused image is converted into an </a:t>
+            </a:r>
+            <a:r>
+              <a:rPr lang="en-US" sz="2000" b="1"/>
+              <a:t>RGB format</a:t>
+            </a:r>
+            <a:r>
+              <a:rPr lang="en-US" sz="2000" smtClean="0"/>
+              <a:t>.</a:t>
+            </a:r>
+          </a:p>
+          <a:p>
+            <a:pPr marL="342900" indent="-342900">
+              <a:buFont typeface="Wingdings" panose="05000000000000000000" pitchFamily="2" charset="2"/>
+              <a:buChar char="Ø"/>
+            </a:pPr>
+            <a:endParaRPr lang="en-US" sz="2000" smtClean="0"/>
+          </a:p>
+          <a:p>
+            <a:pPr marL="342900" indent="-342900">
+              <a:buFont typeface="Wingdings" panose="05000000000000000000" pitchFamily="2" charset="2"/>
+              <a:buChar char="Ø"/>
+            </a:pPr>
+            <a:r>
+              <a:rPr lang="en-US" sz="2000"/>
+              <a:t>RGB images are fed into the </a:t>
+            </a:r>
+            <a:r>
+              <a:rPr lang="en-US" sz="2000" b="1"/>
+              <a:t>Swin Transformer V2 model</a:t>
+            </a:r>
+            <a:r>
+              <a:rPr lang="en-US" sz="2000" smtClean="0"/>
+              <a:t>.</a:t>
+            </a:r>
+          </a:p>
+          <a:p>
+            <a:pPr marL="342900" indent="-342900">
+              <a:buFont typeface="Wingdings" panose="05000000000000000000" pitchFamily="2" charset="2"/>
+              <a:buChar char="Ø"/>
+            </a:pPr>
+            <a:endParaRPr lang="en-US" sz="2000" smtClean="0"/>
+          </a:p>
+          <a:p>
+            <a:pPr marL="342900" indent="-342900">
+              <a:buFont typeface="Wingdings" panose="05000000000000000000" pitchFamily="2" charset="2"/>
+              <a:buChar char="Ø"/>
+            </a:pPr>
+            <a:r>
+              <a:rPr lang="en-US" sz="2000"/>
+              <a:t>The model classifies the sample as </a:t>
+            </a:r>
+            <a:r>
+              <a:rPr lang="en-US" sz="2000" b="1"/>
+              <a:t>Microplastic or Non-Microplastic</a:t>
+            </a:r>
+            <a:r>
+              <a:rPr lang="en-US" sz="2000"/>
+              <a:t>.</a:t>
+            </a:r>
+          </a:p>
+        </p:txBody>
+      </p:sp>
+    </p:spTree>
+    <p:extLst>
+      <p:ext uri="{BB962C8B-B14F-4D97-AF65-F5344CB8AC3E}">
+        <p14:creationId xmlns:p14="http://schemas.microsoft.com/office/powerpoint/2010/main" val="962968808"/>
+      </p:ext>
+    </p:extLst>
+  </p:cSld>
+  <p:clrMapOvr>
+    <a:masterClrMapping/>
+  </p:clrMapOvr>
+</p:sld>
+</file>
+
+<file path=ppt/slides/slide16.xml><?xml version="1.0" encoding="utf-8"?>
+<p:sld xmlns:a="http://schemas.openxmlformats.org/drawingml/2006/main" xmlns:r="http://schemas.openxmlformats.org/officeDocument/2006/relationships" xmlns:p="http://schemas.openxmlformats.org/presentationml/2006/main">
+  <p:cSld>
+    <p:spTree>
+      <p:nvGrpSpPr>
+        <p:cNvPr id="1" name=""/>
+        <p:cNvGrpSpPr/>
+        <p:nvPr/>
+      </p:nvGrpSpPr>
+      <p:grpSpPr>
+        <a:xfrm>
+          <a:off x="0" y="0"/>
+          <a:ext cx="0" cy="0"/>
+          <a:chOff x="0" y="0"/>
+          <a:chExt cx="0" cy="0"/>
+        </a:xfrm>
+      </p:grpSpPr>
+      <p:sp>
+        <p:nvSpPr>
+          <p:cNvPr id="8" name="Title 7">
+            <a:extLst>
+              <a:ext uri="{FF2B5EF4-FFF2-40B4-BE49-F238E27FC236}">
+                <a16:creationId xmlns:a16="http://schemas.microsoft.com/office/drawing/2014/main" xmlns="" id="{D45DB3B1-7702-A34D-B15A-E964B95D6FB5}"/>
+              </a:ext>
+            </a:extLst>
+          </p:cNvPr>
+          <p:cNvSpPr>
+            <a:spLocks noGrp="1"/>
+          </p:cNvSpPr>
+          <p:nvPr>
+            <p:ph type="title"/>
+          </p:nvPr>
+        </p:nvSpPr>
+        <p:spPr>
+          <a:xfrm>
+            <a:off x="1180618" y="365125"/>
+            <a:ext cx="10173182" cy="1128009"/>
+          </a:xfrm>
+        </p:spPr>
+        <p:txBody>
+          <a:bodyPr/>
+          <a:lstStyle/>
+          <a:p>
+            <a:pPr algn="ctr"/>
+            <a:r>
+              <a:rPr lang="en-US" b="1">
+                <a:latin typeface="Times New Roman" panose="02020603050405020304" pitchFamily="18" charset="0"/>
+                <a:cs typeface="Times New Roman" panose="02020603050405020304" pitchFamily="18" charset="0"/>
+              </a:rPr>
+              <a:t>METHODOLOGY</a:t>
+            </a:r>
+          </a:p>
+        </p:txBody>
+      </p:sp>
+      <p:sp>
+        <p:nvSpPr>
+          <p:cNvPr id="5" name="Date Placeholder 4">
+            <a:extLst>
+              <a:ext uri="{FF2B5EF4-FFF2-40B4-BE49-F238E27FC236}">
+                <a16:creationId xmlns:a16="http://schemas.microsoft.com/office/drawing/2014/main" xmlns="" id="{BD5C2420-26C9-65B4-41BA-D5CA69721C05}"/>
+              </a:ext>
+            </a:extLst>
+          </p:cNvPr>
+          <p:cNvSpPr>
+            <a:spLocks noGrp="1"/>
+          </p:cNvSpPr>
+          <p:nvPr>
+            <p:ph type="dt" sz="half" idx="10"/>
+          </p:nvPr>
+        </p:nvSpPr>
+        <p:spPr/>
+        <p:txBody>
+          <a:bodyPr/>
+          <a:lstStyle/>
+          <a:p>
+            <a:r>
+              <a:rPr lang="en-US" dirty="0">
+                <a:latin typeface="Times New Roman" panose="02020603050405020304" pitchFamily="18" charset="0"/>
+                <a:cs typeface="Times New Roman" panose="02020603050405020304" pitchFamily="18" charset="0"/>
+              </a:rPr>
+              <a:t>06-12-2025</a:t>
+            </a:r>
+          </a:p>
+        </p:txBody>
+      </p:sp>
+      <p:sp>
+        <p:nvSpPr>
+          <p:cNvPr id="6" name="Footer Placeholder 5">
+            <a:extLst>
+              <a:ext uri="{FF2B5EF4-FFF2-40B4-BE49-F238E27FC236}">
+                <a16:creationId xmlns:a16="http://schemas.microsoft.com/office/drawing/2014/main" xmlns="" id="{AE9B4454-96E6-70D8-1440-2142487397DF}"/>
+              </a:ext>
+            </a:extLst>
+          </p:cNvPr>
+          <p:cNvSpPr>
+            <a:spLocks noGrp="1"/>
+          </p:cNvSpPr>
+          <p:nvPr>
+            <p:ph type="ftr" sz="quarter" idx="11"/>
+          </p:nvPr>
+        </p:nvSpPr>
+        <p:spPr/>
+        <p:txBody>
+          <a:bodyPr/>
+          <a:lstStyle/>
+          <a:p>
+            <a:r>
+              <a:rPr lang="en-US" dirty="0">
+                <a:latin typeface="Times New Roman" panose="02020603050405020304" pitchFamily="18" charset="0"/>
+                <a:cs typeface="Times New Roman" panose="02020603050405020304" pitchFamily="18" charset="0"/>
+              </a:rPr>
+              <a:t>Review No. 02        Batch No. BG9           Department of CSE</a:t>
+            </a:r>
+          </a:p>
+        </p:txBody>
+      </p:sp>
+      <p:sp>
+        <p:nvSpPr>
+          <p:cNvPr id="7" name="Slide Number Placeholder 6">
+            <a:extLst>
+              <a:ext uri="{FF2B5EF4-FFF2-40B4-BE49-F238E27FC236}">
+                <a16:creationId xmlns:a16="http://schemas.microsoft.com/office/drawing/2014/main" xmlns="" id="{5F827BAA-7E22-F268-D9DC-5E17D9155237}"/>
+              </a:ext>
+            </a:extLst>
+          </p:cNvPr>
+          <p:cNvSpPr>
+            <a:spLocks noGrp="1"/>
+          </p:cNvSpPr>
+          <p:nvPr>
+            <p:ph type="sldNum" sz="quarter" idx="12"/>
+          </p:nvPr>
+        </p:nvSpPr>
+        <p:spPr/>
+        <p:txBody>
+          <a:bodyPr/>
+          <a:lstStyle/>
+          <a:p>
+            <a:fld id="{B961B71F-4B40-8942-BB88-E0F5C0B46E10}" type="slidenum">
+              <a:rPr lang="en-US" smtClean="0">
+                <a:latin typeface="Times New Roman" panose="02020603050405020304" pitchFamily="18" charset="0"/>
+                <a:cs typeface="Times New Roman" panose="02020603050405020304" pitchFamily="18" charset="0"/>
+              </a:rPr>
+              <a:t>16</a:t>
             </a:fld>
             <a:endParaRPr lang="en-US">
               <a:latin typeface="Times New Roman" panose="02020603050405020304" pitchFamily="18" charset="0"/>
@@ -5890,7 +7414,7 @@
 </p:sld>
 </file>
 
-<file path=ppt/slides/slide13.xml><?xml version="1.0" encoding="utf-8"?>
+<file path=ppt/slides/slide17.xml><?xml version="1.0" encoding="utf-8"?>
 <p:sld xmlns:a="http://schemas.openxmlformats.org/drawingml/2006/main" xmlns:r="http://schemas.openxmlformats.org/officeDocument/2006/relationships" xmlns:p="http://schemas.openxmlformats.org/presentationml/2006/main">
   <p:cSld>
     <p:spTree>
@@ -6038,7 +7562,7 @@
                 <a:latin typeface="Times New Roman" panose="02020603050405020304" pitchFamily="18" charset="0"/>
                 <a:cs typeface="Times New Roman" panose="02020603050405020304" pitchFamily="18" charset="0"/>
               </a:rPr>
-              <a:t>13</a:t>
+              <a:t>17</a:t>
             </a:fld>
             <a:endParaRPr lang="en-US">
               <a:latin typeface="Times New Roman" panose="02020603050405020304" pitchFamily="18" charset="0"/>
@@ -6185,7 +7709,7 @@
 </p:sld>
 </file>
 
-<file path=ppt/slides/slide14.xml><?xml version="1.0" encoding="utf-8"?>
+<file path=ppt/slides/slide18.xml><?xml version="1.0" encoding="utf-8"?>
 <p:sld xmlns:a="http://schemas.openxmlformats.org/drawingml/2006/main" xmlns:r="http://schemas.openxmlformats.org/officeDocument/2006/relationships" xmlns:p="http://schemas.openxmlformats.org/presentationml/2006/main">
   <p:cSld>
     <p:spTree>
@@ -6290,7 +7814,7 @@
                 <a:latin typeface="Times New Roman" panose="02020603050405020304" pitchFamily="18" charset="0"/>
                 <a:cs typeface="Times New Roman" panose="02020603050405020304" pitchFamily="18" charset="0"/>
               </a:rPr>
-              <a:t>14</a:t>
+              <a:t>18</a:t>
             </a:fld>
             <a:endParaRPr lang="en-US">
               <a:latin typeface="Times New Roman" panose="02020603050405020304" pitchFamily="18" charset="0"/>
@@ -6526,7 +8050,7 @@
 </p:sld>
 </file>
 
-<file path=ppt/slides/slide15.xml><?xml version="1.0" encoding="utf-8"?>
+<file path=ppt/slides/slide19.xml><?xml version="1.0" encoding="utf-8"?>
 <p:sld xmlns:a="http://schemas.openxmlformats.org/drawingml/2006/main" xmlns:r="http://schemas.openxmlformats.org/officeDocument/2006/relationships" xmlns:p="http://schemas.openxmlformats.org/presentationml/2006/main">
   <p:cSld>
     <p:spTree>
@@ -6643,7 +8167,7 @@
           <a:p>
             <a:fld id="{65DCBD69-296B-4D7C-AF62-9B588FC78772}" type="slidenum">
               <a:rPr lang="en-IN" smtClean="0"/>
-              <a:t>15</a:t>
+              <a:t>19</a:t>
             </a:fld>
             <a:endParaRPr lang="en-IN"/>
           </a:p>
@@ -6847,7 +8371,7 @@
 </p:sld>
 </file>
 
-<file path=ppt/slides/slide16.xml><?xml version="1.0" encoding="utf-8"?>
+<file path=ppt/slides/slide2.xml><?xml version="1.0" encoding="utf-8"?>
 <p:sld xmlns:a="http://schemas.openxmlformats.org/drawingml/2006/main" xmlns:r="http://schemas.openxmlformats.org/officeDocument/2006/relationships" xmlns:p="http://schemas.openxmlformats.org/presentationml/2006/main">
   <p:cSld>
     <p:spTree>
@@ -6866,6 +8390,381 @@
       </p:grpSpPr>
       <p:sp>
         <p:nvSpPr>
+          <p:cNvPr id="8" name="Title 7">
+            <a:extLst>
+              <a:ext uri="{FF2B5EF4-FFF2-40B4-BE49-F238E27FC236}">
+                <a16:creationId xmlns:a16="http://schemas.microsoft.com/office/drawing/2014/main" xmlns="" id="{D45DB3B1-7702-A34D-B15A-E964B95D6FB5}"/>
+              </a:ext>
+            </a:extLst>
+          </p:cNvPr>
+          <p:cNvSpPr>
+            <a:spLocks noGrp="1"/>
+          </p:cNvSpPr>
+          <p:nvPr>
+            <p:ph type="title"/>
+          </p:nvPr>
+        </p:nvSpPr>
+        <p:spPr>
+          <a:xfrm>
+            <a:off x="1180618" y="373486"/>
+            <a:ext cx="10173182" cy="810555"/>
+          </a:xfrm>
+        </p:spPr>
+        <p:txBody>
+          <a:bodyPr/>
+          <a:lstStyle/>
+          <a:p>
+            <a:pPr algn="ctr"/>
+            <a:r>
+              <a:rPr lang="en-US" b="1">
+                <a:latin typeface="Times New Roman" panose="02020603050405020304" pitchFamily="18" charset="0"/>
+                <a:cs typeface="Times New Roman" panose="02020603050405020304" pitchFamily="18" charset="0"/>
+              </a:rPr>
+              <a:t>OUTLINE</a:t>
+            </a:r>
+          </a:p>
+        </p:txBody>
+      </p:sp>
+      <p:sp>
+        <p:nvSpPr>
+          <p:cNvPr id="9" name="Content Placeholder 8">
+            <a:extLst>
+              <a:ext uri="{FF2B5EF4-FFF2-40B4-BE49-F238E27FC236}">
+                <a16:creationId xmlns:a16="http://schemas.microsoft.com/office/drawing/2014/main" xmlns="" id="{0BAA4F36-AB00-F2C4-B47F-6381355DE604}"/>
+              </a:ext>
+            </a:extLst>
+          </p:cNvPr>
+          <p:cNvSpPr>
+            <a:spLocks noGrp="1"/>
+          </p:cNvSpPr>
+          <p:nvPr>
+            <p:ph idx="1"/>
+          </p:nvPr>
+        </p:nvSpPr>
+        <p:spPr>
+          <a:xfrm>
+            <a:off x="940158" y="1274193"/>
+            <a:ext cx="10534917" cy="5082157"/>
+          </a:xfrm>
+        </p:spPr>
+        <p:txBody>
+          <a:bodyPr>
+            <a:normAutofit lnSpcReduction="10000"/>
+          </a:bodyPr>
+          <a:lstStyle/>
+          <a:p>
+            <a:pPr marL="342900" indent="-342900">
+              <a:buFont typeface="+mj-lt"/>
+              <a:buAutoNum type="arabicPeriod"/>
+            </a:pPr>
+            <a:r>
+              <a:rPr lang="en-US" sz="1800" dirty="0">
+                <a:latin typeface="Times New Roman" panose="02020603050405020304" pitchFamily="18" charset="0"/>
+                <a:cs typeface="Times New Roman" panose="02020603050405020304" pitchFamily="18" charset="0"/>
+              </a:rPr>
+              <a:t>Abstract</a:t>
+            </a:r>
+          </a:p>
+          <a:p>
+            <a:pPr marL="342900" indent="-342900">
+              <a:buFont typeface="+mj-lt"/>
+              <a:buAutoNum type="arabicPeriod"/>
+            </a:pPr>
+            <a:r>
+              <a:rPr lang="en-US" sz="1800" dirty="0">
+                <a:latin typeface="Times New Roman" panose="02020603050405020304" pitchFamily="18" charset="0"/>
+                <a:cs typeface="Times New Roman" panose="02020603050405020304" pitchFamily="18" charset="0"/>
+              </a:rPr>
+              <a:t>Introduction</a:t>
+            </a:r>
+          </a:p>
+          <a:p>
+            <a:pPr marL="342900" indent="-342900">
+              <a:buFont typeface="+mj-lt"/>
+              <a:buAutoNum type="arabicPeriod"/>
+            </a:pPr>
+            <a:r>
+              <a:rPr lang="en-US" sz="1800" dirty="0">
+                <a:latin typeface="Times New Roman" panose="02020603050405020304" pitchFamily="18" charset="0"/>
+                <a:cs typeface="Times New Roman" panose="02020603050405020304" pitchFamily="18" charset="0"/>
+              </a:rPr>
+              <a:t>Literature Survey </a:t>
+            </a:r>
+          </a:p>
+          <a:p>
+            <a:pPr marL="342900" indent="-342900">
+              <a:buFont typeface="+mj-lt"/>
+              <a:buAutoNum type="arabicPeriod"/>
+            </a:pPr>
+            <a:r>
+              <a:rPr lang="en-US" sz="1800" dirty="0">
+                <a:latin typeface="Times New Roman" panose="02020603050405020304" pitchFamily="18" charset="0"/>
+                <a:cs typeface="Times New Roman" panose="02020603050405020304" pitchFamily="18" charset="0"/>
+              </a:rPr>
+              <a:t>Research Gaps</a:t>
+            </a:r>
+          </a:p>
+          <a:p>
+            <a:pPr marL="342900" indent="-342900">
+              <a:buFont typeface="+mj-lt"/>
+              <a:buAutoNum type="arabicPeriod"/>
+            </a:pPr>
+            <a:r>
+              <a:rPr lang="en-US" sz="1800" dirty="0">
+                <a:latin typeface="Times New Roman" panose="02020603050405020304" pitchFamily="18" charset="0"/>
+                <a:cs typeface="Times New Roman" panose="02020603050405020304" pitchFamily="18" charset="0"/>
+              </a:rPr>
+              <a:t>Problem Statement </a:t>
+            </a:r>
+          </a:p>
+          <a:p>
+            <a:pPr marL="342900" indent="-342900">
+              <a:buFont typeface="+mj-lt"/>
+              <a:buAutoNum type="arabicPeriod"/>
+            </a:pPr>
+            <a:r>
+              <a:rPr lang="en-US" sz="1800" dirty="0">
+                <a:latin typeface="Times New Roman" panose="02020603050405020304" pitchFamily="18" charset="0"/>
+                <a:cs typeface="Times New Roman" panose="02020603050405020304" pitchFamily="18" charset="0"/>
+              </a:rPr>
+              <a:t>Objectives </a:t>
+            </a:r>
+          </a:p>
+          <a:p>
+            <a:pPr marL="342900" indent="-342900">
+              <a:buFont typeface="+mj-lt"/>
+              <a:buAutoNum type="arabicPeriod"/>
+            </a:pPr>
+            <a:r>
+              <a:rPr lang="en-US" sz="1800" dirty="0">
+                <a:latin typeface="Times New Roman" panose="02020603050405020304" pitchFamily="18" charset="0"/>
+                <a:cs typeface="Times New Roman" panose="02020603050405020304" pitchFamily="18" charset="0"/>
+              </a:rPr>
+              <a:t>Block Diagram / Flow Diagram</a:t>
+            </a:r>
+          </a:p>
+          <a:p>
+            <a:pPr marL="342900" indent="-342900">
+              <a:buFont typeface="+mj-lt"/>
+              <a:buAutoNum type="arabicPeriod"/>
+            </a:pPr>
+            <a:r>
+              <a:rPr lang="en-US" sz="1800" dirty="0">
+                <a:latin typeface="Times New Roman" panose="02020603050405020304" pitchFamily="18" charset="0"/>
+                <a:cs typeface="Times New Roman" panose="02020603050405020304" pitchFamily="18" charset="0"/>
+              </a:rPr>
+              <a:t>Methodology </a:t>
+            </a:r>
+          </a:p>
+          <a:p>
+            <a:pPr marL="342900" indent="-342900">
+              <a:buFont typeface="+mj-lt"/>
+              <a:buAutoNum type="arabicPeriod"/>
+            </a:pPr>
+            <a:r>
+              <a:rPr lang="en-US" sz="1800" dirty="0">
+                <a:latin typeface="Times New Roman" panose="02020603050405020304" pitchFamily="18" charset="0"/>
+                <a:cs typeface="Times New Roman" panose="02020603050405020304" pitchFamily="18" charset="0"/>
+              </a:rPr>
+              <a:t>Implementation</a:t>
+            </a:r>
+          </a:p>
+          <a:p>
+            <a:pPr marL="342900" indent="-342900">
+              <a:buFont typeface="+mj-lt"/>
+              <a:buAutoNum type="arabicPeriod"/>
+            </a:pPr>
+            <a:r>
+              <a:rPr lang="en-US" sz="1800" dirty="0">
+                <a:latin typeface="Times New Roman" panose="02020603050405020304" pitchFamily="18" charset="0"/>
+                <a:cs typeface="Times New Roman" panose="02020603050405020304" pitchFamily="18" charset="0"/>
+              </a:rPr>
+              <a:t>Results and Analysis </a:t>
+            </a:r>
+          </a:p>
+          <a:p>
+            <a:pPr marL="342900" indent="-342900">
+              <a:buFont typeface="+mj-lt"/>
+              <a:buAutoNum type="arabicPeriod"/>
+            </a:pPr>
+            <a:r>
+              <a:rPr lang="en-US" sz="1800" dirty="0">
+                <a:latin typeface="Times New Roman" panose="02020603050405020304" pitchFamily="18" charset="0"/>
+                <a:cs typeface="Times New Roman" panose="02020603050405020304" pitchFamily="18" charset="0"/>
+              </a:rPr>
+              <a:t>Conclusion &amp; Future Scope</a:t>
+            </a:r>
+          </a:p>
+          <a:p>
+            <a:pPr marL="342900" indent="-342900">
+              <a:buFont typeface="+mj-lt"/>
+              <a:buAutoNum type="arabicPeriod"/>
+            </a:pPr>
+            <a:r>
+              <a:rPr lang="en-US" sz="1800" dirty="0">
+                <a:latin typeface="Times New Roman" panose="02020603050405020304" pitchFamily="18" charset="0"/>
+                <a:cs typeface="Times New Roman" panose="02020603050405020304" pitchFamily="18" charset="0"/>
+              </a:rPr>
+              <a:t>References</a:t>
+            </a:r>
+          </a:p>
+          <a:p>
+            <a:pPr marL="342900" indent="-342900">
+              <a:buFont typeface="+mj-lt"/>
+              <a:buAutoNum type="arabicPeriod"/>
+            </a:pPr>
+            <a:r>
+              <a:rPr lang="en-US" sz="1800" dirty="0">
+                <a:latin typeface="Times New Roman" panose="02020603050405020304" pitchFamily="18" charset="0"/>
+                <a:cs typeface="Times New Roman" panose="02020603050405020304" pitchFamily="18" charset="0"/>
+              </a:rPr>
+              <a:t>Acknowledgements</a:t>
+            </a:r>
+          </a:p>
+          <a:p>
+            <a:pPr marL="342900" indent="-342900">
+              <a:buFont typeface="+mj-lt"/>
+              <a:buAutoNum type="arabicPeriod"/>
+            </a:pPr>
+            <a:r>
+              <a:rPr lang="en-US" sz="1800" dirty="0">
+                <a:latin typeface="Times New Roman" panose="02020603050405020304" pitchFamily="18" charset="0"/>
+                <a:cs typeface="Times New Roman" panose="02020603050405020304" pitchFamily="18" charset="0"/>
+              </a:rPr>
+              <a:t>Question and Answers </a:t>
+            </a:r>
+          </a:p>
+        </p:txBody>
+      </p:sp>
+      <p:sp>
+        <p:nvSpPr>
+          <p:cNvPr id="5" name="Date Placeholder 4">
+            <a:extLst>
+              <a:ext uri="{FF2B5EF4-FFF2-40B4-BE49-F238E27FC236}">
+                <a16:creationId xmlns:a16="http://schemas.microsoft.com/office/drawing/2014/main" xmlns="" id="{BD5C2420-26C9-65B4-41BA-D5CA69721C05}"/>
+              </a:ext>
+            </a:extLst>
+          </p:cNvPr>
+          <p:cNvSpPr>
+            <a:spLocks noGrp="1"/>
+          </p:cNvSpPr>
+          <p:nvPr>
+            <p:ph type="dt" sz="half" idx="10"/>
+          </p:nvPr>
+        </p:nvSpPr>
+        <p:spPr/>
+        <p:txBody>
+          <a:bodyPr/>
+          <a:lstStyle/>
+          <a:p>
+            <a:r>
+              <a:rPr lang="en-US" dirty="0">
+                <a:latin typeface="Times New Roman" panose="02020603050405020304" pitchFamily="18" charset="0"/>
+                <a:cs typeface="Times New Roman" panose="02020603050405020304" pitchFamily="18" charset="0"/>
+              </a:rPr>
+              <a:t>06-12-2025</a:t>
+            </a:r>
+          </a:p>
+        </p:txBody>
+      </p:sp>
+      <p:sp>
+        <p:nvSpPr>
+          <p:cNvPr id="6" name="Footer Placeholder 5">
+            <a:extLst>
+              <a:ext uri="{FF2B5EF4-FFF2-40B4-BE49-F238E27FC236}">
+                <a16:creationId xmlns:a16="http://schemas.microsoft.com/office/drawing/2014/main" xmlns="" id="{AE9B4454-96E6-70D8-1440-2142487397DF}"/>
+              </a:ext>
+            </a:extLst>
+          </p:cNvPr>
+          <p:cNvSpPr>
+            <a:spLocks noGrp="1"/>
+          </p:cNvSpPr>
+          <p:nvPr>
+            <p:ph type="ftr" sz="quarter" idx="11"/>
+          </p:nvPr>
+        </p:nvSpPr>
+        <p:spPr/>
+        <p:txBody>
+          <a:bodyPr/>
+          <a:lstStyle/>
+          <a:p>
+            <a:r>
+              <a:rPr lang="en-US" dirty="0">
+                <a:latin typeface="Times New Roman" panose="02020603050405020304" pitchFamily="18" charset="0"/>
+                <a:cs typeface="Times New Roman" panose="02020603050405020304" pitchFamily="18" charset="0"/>
+              </a:rPr>
+              <a:t>Review No. 02        Batch No. BG9           Department of CSE</a:t>
+            </a:r>
+          </a:p>
+        </p:txBody>
+      </p:sp>
+      <p:sp>
+        <p:nvSpPr>
+          <p:cNvPr id="7" name="Slide Number Placeholder 6">
+            <a:extLst>
+              <a:ext uri="{FF2B5EF4-FFF2-40B4-BE49-F238E27FC236}">
+                <a16:creationId xmlns:a16="http://schemas.microsoft.com/office/drawing/2014/main" xmlns="" id="{5F827BAA-7E22-F268-D9DC-5E17D9155237}"/>
+              </a:ext>
+            </a:extLst>
+          </p:cNvPr>
+          <p:cNvSpPr>
+            <a:spLocks noGrp="1"/>
+          </p:cNvSpPr>
+          <p:nvPr>
+            <p:ph type="sldNum" sz="quarter" idx="12"/>
+          </p:nvPr>
+        </p:nvSpPr>
+        <p:spPr/>
+        <p:txBody>
+          <a:bodyPr/>
+          <a:lstStyle/>
+          <a:p>
+            <a:fld id="{B961B71F-4B40-8942-BB88-E0F5C0B46E10}" type="slidenum">
+              <a:rPr lang="en-US" smtClean="0">
+                <a:latin typeface="Times New Roman" panose="02020603050405020304" pitchFamily="18" charset="0"/>
+                <a:cs typeface="Times New Roman" panose="02020603050405020304" pitchFamily="18" charset="0"/>
+              </a:rPr>
+              <a:t>2</a:t>
+            </a:fld>
+            <a:endParaRPr lang="en-US">
+              <a:latin typeface="Times New Roman" panose="02020603050405020304" pitchFamily="18" charset="0"/>
+              <a:cs typeface="Times New Roman" panose="02020603050405020304" pitchFamily="18" charset="0"/>
+            </a:endParaRPr>
+          </a:p>
+        </p:txBody>
+      </p:sp>
+    </p:spTree>
+    <p:extLst>
+      <p:ext uri="{BB962C8B-B14F-4D97-AF65-F5344CB8AC3E}">
+        <p14:creationId xmlns:p14="http://schemas.microsoft.com/office/powerpoint/2010/main" val="3006752629"/>
+      </p:ext>
+    </p:extLst>
+  </p:cSld>
+  <p:clrMapOvr>
+    <a:masterClrMapping/>
+  </p:clrMapOvr>
+</p:sld>
+</file>
+
+<file path=ppt/slides/slide20.xml><?xml version="1.0" encoding="utf-8"?>
+<p:sld xmlns:a="http://schemas.openxmlformats.org/drawingml/2006/main" xmlns:r="http://schemas.openxmlformats.org/officeDocument/2006/relationships" xmlns:p="http://schemas.openxmlformats.org/presentationml/2006/main">
+  <p:cSld>
+    <p:spTree>
+      <p:nvGrpSpPr>
+        <p:cNvPr id="1" name=""/>
+        <p:cNvGrpSpPr/>
+        <p:nvPr/>
+      </p:nvGrpSpPr>
+      <p:grpSpPr>
+        <a:xfrm>
+          <a:off x="0" y="0"/>
+          <a:ext cx="0" cy="0"/>
+          <a:chOff x="0" y="0"/>
+          <a:chExt cx="0" cy="0"/>
+        </a:xfrm>
+      </p:grpSpPr>
+      <p:sp>
+        <p:nvSpPr>
           <p:cNvPr id="2" name="Title 1"/>
           <p:cNvSpPr>
             <a:spLocks noGrp="1"/>
@@ -7288,7 +9187,7 @@
           <a:p>
             <a:fld id="{65DCBD69-296B-4D7C-AF62-9B588FC78772}" type="slidenum">
               <a:rPr lang="en-IN" smtClean="0"/>
-              <a:t>16</a:t>
+              <a:t>20</a:t>
             </a:fld>
             <a:endParaRPr lang="en-IN"/>
           </a:p>
@@ -7307,7 +9206,7 @@
 </p:sld>
 </file>
 
-<file path=ppt/slides/slide17.xml><?xml version="1.0" encoding="utf-8"?>
+<file path=ppt/slides/slide21.xml><?xml version="1.0" encoding="utf-8"?>
 <p:sld xmlns:a="http://schemas.openxmlformats.org/drawingml/2006/main" xmlns:r="http://schemas.openxmlformats.org/officeDocument/2006/relationships" xmlns:p="http://schemas.openxmlformats.org/presentationml/2006/main">
   <p:cSld>
     <p:spTree>
@@ -7845,7 +9744,7 @@
           <a:p>
             <a:fld id="{65DCBD69-296B-4D7C-AF62-9B588FC78772}" type="slidenum">
               <a:rPr lang="en-IN" smtClean="0"/>
-              <a:t>17</a:t>
+              <a:t>21</a:t>
             </a:fld>
             <a:endParaRPr lang="en-IN"/>
           </a:p>
@@ -7864,7 +9763,7 @@
 </p:sld>
 </file>
 
-<file path=ppt/slides/slide18.xml><?xml version="1.0" encoding="utf-8"?>
+<file path=ppt/slides/slide22.xml><?xml version="1.0" encoding="utf-8"?>
 <p:sld xmlns:a="http://schemas.openxmlformats.org/drawingml/2006/main" xmlns:r="http://schemas.openxmlformats.org/officeDocument/2006/relationships" xmlns:p="http://schemas.openxmlformats.org/presentationml/2006/main">
   <p:cSld>
     <p:spTree>
@@ -7976,7 +9875,7 @@
           <a:p>
             <a:fld id="{65DCBD69-296B-4D7C-AF62-9B588FC78772}" type="slidenum">
               <a:rPr lang="en-IN" smtClean="0"/>
-              <a:t>18</a:t>
+              <a:t>22</a:t>
             </a:fld>
             <a:endParaRPr lang="en-IN"/>
           </a:p>
@@ -8030,7 +9929,7 @@
 </p:sld>
 </file>
 
-<file path=ppt/slides/slide19.xml><?xml version="1.0" encoding="utf-8"?>
+<file path=ppt/slides/slide23.xml><?xml version="1.0" encoding="utf-8"?>
 <p:sld xmlns:a="http://schemas.openxmlformats.org/drawingml/2006/main" xmlns:r="http://schemas.openxmlformats.org/officeDocument/2006/relationships" xmlns:p="http://schemas.openxmlformats.org/presentationml/2006/main">
   <p:cSld>
     <p:spTree>
@@ -8128,7 +10027,7 @@
           <a:p>
             <a:fld id="{65DCBD69-296B-4D7C-AF62-9B588FC78772}" type="slidenum">
               <a:rPr lang="en-IN" smtClean="0"/>
-              <a:t>19</a:t>
+              <a:t>23</a:t>
             </a:fld>
             <a:endParaRPr lang="en-IN"/>
           </a:p>
@@ -8231,44 +10130,8 @@
         </p:blipFill>
         <p:spPr>
           <a:xfrm>
-            <a:off x="614266" y="1357074"/>
-            <a:ext cx="5481734" cy="4651839"/>
-          </a:xfrm>
-          <a:prstGeom prst="rect">
-            <a:avLst/>
-          </a:prstGeom>
-        </p:spPr>
-      </p:pic>
-      <p:pic>
-        <p:nvPicPr>
-          <p:cNvPr id="9" name="Picture 8">
-            <a:extLst>
-              <a:ext uri="{FF2B5EF4-FFF2-40B4-BE49-F238E27FC236}">
-                <a16:creationId xmlns:a16="http://schemas.microsoft.com/office/drawing/2014/main" xmlns="" id="{3E8CAD3F-9252-079F-4B78-DBEB57D04864}"/>
-              </a:ext>
-            </a:extLst>
-          </p:cNvPr>
-          <p:cNvPicPr>
-            <a:picLocks noChangeAspect="1"/>
-          </p:cNvPicPr>
-          <p:nvPr/>
-        </p:nvPicPr>
-        <p:blipFill>
-          <a:blip r:embed="rId4">
-            <a:extLst>
-              <a:ext uri="{28A0092B-C50C-407E-A947-70E740481C1C}">
-                <a14:useLocalDpi xmlns:a14="http://schemas.microsoft.com/office/drawing/2010/main" val="0"/>
-              </a:ext>
-            </a:extLst>
-          </a:blip>
-          <a:stretch>
-            <a:fillRect/>
-          </a:stretch>
-        </p:blipFill>
-        <p:spPr>
-          <a:xfrm>
-            <a:off x="5197151" y="1586204"/>
-            <a:ext cx="6757236" cy="4189445"/>
+            <a:off x="614265" y="1357074"/>
+            <a:ext cx="10848061" cy="4651839"/>
           </a:xfrm>
           <a:prstGeom prst="rect">
             <a:avLst/>
@@ -8288,7 +10151,7 @@
 </p:sld>
 </file>
 
-<file path=ppt/slides/slide2.xml><?xml version="1.0" encoding="utf-8"?>
+<file path=ppt/slides/slide24.xml><?xml version="1.0" encoding="utf-8"?>
 <p:sld xmlns:a="http://schemas.openxmlformats.org/drawingml/2006/main" xmlns:r="http://schemas.openxmlformats.org/officeDocument/2006/relationships" xmlns:p="http://schemas.openxmlformats.org/presentationml/2006/main">
   <p:cSld>
     <p:spTree>
@@ -8307,10 +10170,10 @@
       </p:grpSpPr>
       <p:sp>
         <p:nvSpPr>
-          <p:cNvPr id="8" name="Title 7">
+          <p:cNvPr id="2" name="Date Placeholder 1">
             <a:extLst>
               <a:ext uri="{FF2B5EF4-FFF2-40B4-BE49-F238E27FC236}">
-                <a16:creationId xmlns:a16="http://schemas.microsoft.com/office/drawing/2014/main" xmlns="" id="{D45DB3B1-7702-A34D-B15A-E964B95D6FB5}"/>
+                <a16:creationId xmlns:a16="http://schemas.microsoft.com/office/drawing/2014/main" xmlns="" id="{7C108B5B-8009-EBCC-5307-7EF620497B40}"/>
               </a:ext>
             </a:extLst>
           </p:cNvPr>
@@ -8318,36 +10181,28 @@
             <a:spLocks noGrp="1"/>
           </p:cNvSpPr>
           <p:nvPr>
-            <p:ph type="title"/>
-          </p:nvPr>
-        </p:nvSpPr>
-        <p:spPr>
-          <a:xfrm>
-            <a:off x="1180618" y="373486"/>
-            <a:ext cx="10173182" cy="810555"/>
-          </a:xfrm>
-        </p:spPr>
+            <p:ph type="dt" sz="half" idx="10"/>
+          </p:nvPr>
+        </p:nvSpPr>
+        <p:spPr/>
         <p:txBody>
           <a:bodyPr/>
           <a:lstStyle/>
           <a:p>
-            <a:pPr algn="ctr"/>
-            <a:r>
-              <a:rPr lang="en-US" b="1">
-                <a:latin typeface="Times New Roman" panose="02020603050405020304" pitchFamily="18" charset="0"/>
-                <a:cs typeface="Times New Roman" panose="02020603050405020304" pitchFamily="18" charset="0"/>
-              </a:rPr>
-              <a:t>OUTLINE</a:t>
-            </a:r>
-          </a:p>
-        </p:txBody>
-      </p:sp>
-      <p:sp>
-        <p:nvSpPr>
-          <p:cNvPr id="9" name="Content Placeholder 8">
+            <a:r>
+              <a:rPr lang="en-US" dirty="0"/>
+              <a:t>06-12-2025</a:t>
+            </a:r>
+            <a:endParaRPr lang="en-IN" dirty="0"/>
+          </a:p>
+        </p:txBody>
+      </p:sp>
+      <p:sp>
+        <p:nvSpPr>
+          <p:cNvPr id="3" name="Footer Placeholder 2">
             <a:extLst>
               <a:ext uri="{FF2B5EF4-FFF2-40B4-BE49-F238E27FC236}">
-                <a16:creationId xmlns:a16="http://schemas.microsoft.com/office/drawing/2014/main" xmlns="" id="{0BAA4F36-AB00-F2C4-B47F-6381355DE604}"/>
+                <a16:creationId xmlns:a16="http://schemas.microsoft.com/office/drawing/2014/main" xmlns="" id="{E127E7CF-A531-7104-9A22-CD6618215D58}"/>
               </a:ext>
             </a:extLst>
           </p:cNvPr>
@@ -8355,210 +10210,28 @@
             <a:spLocks noGrp="1"/>
           </p:cNvSpPr>
           <p:nvPr>
-            <p:ph idx="1"/>
-          </p:nvPr>
-        </p:nvSpPr>
-        <p:spPr>
-          <a:xfrm>
-            <a:off x="940158" y="1274193"/>
-            <a:ext cx="10534917" cy="5082157"/>
-          </a:xfrm>
-        </p:spPr>
-        <p:txBody>
-          <a:bodyPr>
-            <a:normAutofit lnSpcReduction="10000"/>
-          </a:bodyPr>
-          <a:lstStyle/>
-          <a:p>
-            <a:pPr marL="342900" indent="-342900">
-              <a:buFont typeface="+mj-lt"/>
-              <a:buAutoNum type="arabicPeriod"/>
-            </a:pPr>
-            <a:r>
-              <a:rPr lang="en-US" sz="1800" dirty="0">
-                <a:latin typeface="Times New Roman" panose="02020603050405020304" pitchFamily="18" charset="0"/>
-                <a:cs typeface="Times New Roman" panose="02020603050405020304" pitchFamily="18" charset="0"/>
-              </a:rPr>
-              <a:t>Abstract</a:t>
-            </a:r>
-          </a:p>
-          <a:p>
-            <a:pPr marL="342900" indent="-342900">
-              <a:buFont typeface="+mj-lt"/>
-              <a:buAutoNum type="arabicPeriod"/>
-            </a:pPr>
-            <a:r>
-              <a:rPr lang="en-US" sz="1800" dirty="0">
-                <a:latin typeface="Times New Roman" panose="02020603050405020304" pitchFamily="18" charset="0"/>
-                <a:cs typeface="Times New Roman" panose="02020603050405020304" pitchFamily="18" charset="0"/>
-              </a:rPr>
-              <a:t>Introduction</a:t>
-            </a:r>
-          </a:p>
-          <a:p>
-            <a:pPr marL="342900" indent="-342900">
-              <a:buFont typeface="+mj-lt"/>
-              <a:buAutoNum type="arabicPeriod"/>
-            </a:pPr>
-            <a:r>
-              <a:rPr lang="en-US" sz="1800" dirty="0">
-                <a:latin typeface="Times New Roman" panose="02020603050405020304" pitchFamily="18" charset="0"/>
-                <a:cs typeface="Times New Roman" panose="02020603050405020304" pitchFamily="18" charset="0"/>
-              </a:rPr>
-              <a:t>Literature Survey </a:t>
-            </a:r>
-          </a:p>
-          <a:p>
-            <a:pPr marL="342900" indent="-342900">
-              <a:buFont typeface="+mj-lt"/>
-              <a:buAutoNum type="arabicPeriod"/>
-            </a:pPr>
-            <a:r>
-              <a:rPr lang="en-US" sz="1800" dirty="0">
-                <a:latin typeface="Times New Roman" panose="02020603050405020304" pitchFamily="18" charset="0"/>
-                <a:cs typeface="Times New Roman" panose="02020603050405020304" pitchFamily="18" charset="0"/>
-              </a:rPr>
-              <a:t>Research Gaps</a:t>
-            </a:r>
-          </a:p>
-          <a:p>
-            <a:pPr marL="342900" indent="-342900">
-              <a:buFont typeface="+mj-lt"/>
-              <a:buAutoNum type="arabicPeriod"/>
-            </a:pPr>
-            <a:r>
-              <a:rPr lang="en-US" sz="1800" dirty="0">
-                <a:latin typeface="Times New Roman" panose="02020603050405020304" pitchFamily="18" charset="0"/>
-                <a:cs typeface="Times New Roman" panose="02020603050405020304" pitchFamily="18" charset="0"/>
-              </a:rPr>
-              <a:t>Problem Statement </a:t>
-            </a:r>
-          </a:p>
-          <a:p>
-            <a:pPr marL="342900" indent="-342900">
-              <a:buFont typeface="+mj-lt"/>
-              <a:buAutoNum type="arabicPeriod"/>
-            </a:pPr>
-            <a:r>
-              <a:rPr lang="en-US" sz="1800" dirty="0">
-                <a:latin typeface="Times New Roman" panose="02020603050405020304" pitchFamily="18" charset="0"/>
-                <a:cs typeface="Times New Roman" panose="02020603050405020304" pitchFamily="18" charset="0"/>
-              </a:rPr>
-              <a:t>Objectives </a:t>
-            </a:r>
-          </a:p>
-          <a:p>
-            <a:pPr marL="342900" indent="-342900">
-              <a:buFont typeface="+mj-lt"/>
-              <a:buAutoNum type="arabicPeriod"/>
-            </a:pPr>
-            <a:r>
-              <a:rPr lang="en-US" sz="1800" dirty="0">
-                <a:latin typeface="Times New Roman" panose="02020603050405020304" pitchFamily="18" charset="0"/>
-                <a:cs typeface="Times New Roman" panose="02020603050405020304" pitchFamily="18" charset="0"/>
-              </a:rPr>
-              <a:t>Block Diagram / Flow Diagram</a:t>
-            </a:r>
-          </a:p>
-          <a:p>
-            <a:pPr marL="342900" indent="-342900">
-              <a:buFont typeface="+mj-lt"/>
-              <a:buAutoNum type="arabicPeriod"/>
-            </a:pPr>
-            <a:r>
-              <a:rPr lang="en-US" sz="1800" dirty="0">
-                <a:latin typeface="Times New Roman" panose="02020603050405020304" pitchFamily="18" charset="0"/>
-                <a:cs typeface="Times New Roman" panose="02020603050405020304" pitchFamily="18" charset="0"/>
-              </a:rPr>
-              <a:t>Methodology </a:t>
-            </a:r>
-          </a:p>
-          <a:p>
-            <a:pPr marL="342900" indent="-342900">
-              <a:buFont typeface="+mj-lt"/>
-              <a:buAutoNum type="arabicPeriod"/>
-            </a:pPr>
-            <a:r>
-              <a:rPr lang="en-US" sz="1800" dirty="0">
-                <a:latin typeface="Times New Roman" panose="02020603050405020304" pitchFamily="18" charset="0"/>
-                <a:cs typeface="Times New Roman" panose="02020603050405020304" pitchFamily="18" charset="0"/>
-              </a:rPr>
-              <a:t>Implementation</a:t>
-            </a:r>
-          </a:p>
-          <a:p>
-            <a:pPr marL="342900" indent="-342900">
-              <a:buFont typeface="+mj-lt"/>
-              <a:buAutoNum type="arabicPeriod"/>
-            </a:pPr>
-            <a:r>
-              <a:rPr lang="en-US" sz="1800" dirty="0">
-                <a:latin typeface="Times New Roman" panose="02020603050405020304" pitchFamily="18" charset="0"/>
-                <a:cs typeface="Times New Roman" panose="02020603050405020304" pitchFamily="18" charset="0"/>
-              </a:rPr>
-              <a:t>Results and Analysis </a:t>
-            </a:r>
-          </a:p>
-          <a:p>
-            <a:pPr marL="342900" indent="-342900">
-              <a:buFont typeface="+mj-lt"/>
-              <a:buAutoNum type="arabicPeriod"/>
-            </a:pPr>
-            <a:r>
-              <a:rPr lang="en-US" sz="1800" dirty="0">
-                <a:latin typeface="Times New Roman" panose="02020603050405020304" pitchFamily="18" charset="0"/>
-                <a:cs typeface="Times New Roman" panose="02020603050405020304" pitchFamily="18" charset="0"/>
-              </a:rPr>
-              <a:t>Conclusion &amp; Future Scope</a:t>
-            </a:r>
-          </a:p>
-          <a:p>
-            <a:pPr marL="342900" indent="-342900">
-              <a:buFont typeface="+mj-lt"/>
-              <a:buAutoNum type="arabicPeriod"/>
-            </a:pPr>
-            <a:r>
-              <a:rPr lang="en-US" sz="1800" dirty="0">
-                <a:latin typeface="Times New Roman" panose="02020603050405020304" pitchFamily="18" charset="0"/>
-                <a:cs typeface="Times New Roman" panose="02020603050405020304" pitchFamily="18" charset="0"/>
-              </a:rPr>
-              <a:t>References</a:t>
-            </a:r>
-          </a:p>
-          <a:p>
-            <a:pPr marL="342900" indent="-342900">
-              <a:buFont typeface="+mj-lt"/>
-              <a:buAutoNum type="arabicPeriod"/>
-            </a:pPr>
-            <a:r>
-              <a:rPr lang="en-US" sz="1800" dirty="0">
-                <a:latin typeface="Times New Roman" panose="02020603050405020304" pitchFamily="18" charset="0"/>
-                <a:cs typeface="Times New Roman" panose="02020603050405020304" pitchFamily="18" charset="0"/>
-              </a:rPr>
-              <a:t>Acknowledgements</a:t>
-            </a:r>
-          </a:p>
-          <a:p>
-            <a:pPr marL="342900" indent="-342900">
-              <a:buFont typeface="+mj-lt"/>
-              <a:buAutoNum type="arabicPeriod"/>
-            </a:pPr>
-            <a:r>
-              <a:rPr lang="en-US" sz="1800" dirty="0">
-                <a:latin typeface="Times New Roman" panose="02020603050405020304" pitchFamily="18" charset="0"/>
-                <a:cs typeface="Times New Roman" panose="02020603050405020304" pitchFamily="18" charset="0"/>
-              </a:rPr>
-              <a:t>Question and Answers </a:t>
-            </a:r>
-          </a:p>
-        </p:txBody>
-      </p:sp>
-      <p:sp>
-        <p:nvSpPr>
-          <p:cNvPr id="5" name="Date Placeholder 4">
+            <p:ph type="ftr" sz="quarter" idx="11"/>
+          </p:nvPr>
+        </p:nvSpPr>
+        <p:spPr/>
+        <p:txBody>
+          <a:bodyPr/>
+          <a:lstStyle/>
+          <a:p>
+            <a:r>
+              <a:rPr lang="en-US" dirty="0"/>
+              <a:t>Review No. 02        Batch No. BG9           Department of CSE</a:t>
+            </a:r>
+            <a:endParaRPr lang="en-IN" dirty="0"/>
+          </a:p>
+        </p:txBody>
+      </p:sp>
+      <p:sp>
+        <p:nvSpPr>
+          <p:cNvPr id="4" name="Slide Number Placeholder 3">
             <a:extLst>
               <a:ext uri="{FF2B5EF4-FFF2-40B4-BE49-F238E27FC236}">
-                <a16:creationId xmlns:a16="http://schemas.microsoft.com/office/drawing/2014/main" xmlns="" id="{BD5C2420-26C9-65B4-41BA-D5CA69721C05}"/>
+                <a16:creationId xmlns:a16="http://schemas.microsoft.com/office/drawing/2014/main" xmlns="" id="{0334FF43-B1E7-2A42-B912-F6BB0BDC099D}"/>
               </a:ext>
             </a:extLst>
           </p:cNvPr>
@@ -8566,7 +10239,7 @@
             <a:spLocks noGrp="1"/>
           </p:cNvSpPr>
           <p:nvPr>
-            <p:ph type="dt" sz="half" idx="10"/>
+            <p:ph type="sldNum" sz="quarter" idx="12"/>
           </p:nvPr>
         </p:nvSpPr>
         <p:spPr/>
@@ -8574,86 +10247,123 @@
           <a:bodyPr/>
           <a:lstStyle/>
           <a:p>
-            <a:r>
-              <a:rPr lang="en-US" dirty="0">
-                <a:latin typeface="Times New Roman" panose="02020603050405020304" pitchFamily="18" charset="0"/>
-                <a:cs typeface="Times New Roman" panose="02020603050405020304" pitchFamily="18" charset="0"/>
-              </a:rPr>
-              <a:t>06-12-2025</a:t>
-            </a:r>
-          </a:p>
-        </p:txBody>
-      </p:sp>
-      <p:sp>
-        <p:nvSpPr>
-          <p:cNvPr id="6" name="Footer Placeholder 5">
+            <a:fld id="{65DCBD69-296B-4D7C-AF62-9B588FC78772}" type="slidenum">
+              <a:rPr lang="en-IN" smtClean="0"/>
+              <a:t>24</a:t>
+            </a:fld>
+            <a:endParaRPr lang="en-IN"/>
+          </a:p>
+        </p:txBody>
+      </p:sp>
+      <p:sp>
+        <p:nvSpPr>
+          <p:cNvPr id="10" name="TextBox 9">
             <a:extLst>
               <a:ext uri="{FF2B5EF4-FFF2-40B4-BE49-F238E27FC236}">
-                <a16:creationId xmlns:a16="http://schemas.microsoft.com/office/drawing/2014/main" xmlns="" id="{AE9B4454-96E6-70D8-1440-2142487397DF}"/>
+                <a16:creationId xmlns:a16="http://schemas.microsoft.com/office/drawing/2014/main" xmlns="" id="{A3F85FC2-6F4A-930B-3B64-312DAB390CD3}"/>
               </a:ext>
             </a:extLst>
           </p:cNvPr>
-          <p:cNvSpPr>
-            <a:spLocks noGrp="1"/>
-          </p:cNvSpPr>
-          <p:nvPr>
-            <p:ph type="ftr" sz="quarter" idx="11"/>
-          </p:nvPr>
-        </p:nvSpPr>
-        <p:spPr/>
-        <p:txBody>
-          <a:bodyPr/>
-          <a:lstStyle/>
-          <a:p>
-            <a:r>
-              <a:rPr lang="en-US" dirty="0">
-                <a:latin typeface="Times New Roman" panose="02020603050405020304" pitchFamily="18" charset="0"/>
-                <a:cs typeface="Times New Roman" panose="02020603050405020304" pitchFamily="18" charset="0"/>
-              </a:rPr>
-              <a:t>Review No. 02        Batch No. BG9           Department of CSE</a:t>
-            </a:r>
-          </a:p>
-        </p:txBody>
-      </p:sp>
-      <p:sp>
-        <p:nvSpPr>
-          <p:cNvPr id="7" name="Slide Number Placeholder 6">
+          <p:cNvSpPr txBox="1"/>
+          <p:nvPr/>
+        </p:nvSpPr>
+        <p:spPr>
+          <a:xfrm>
+            <a:off x="2872273" y="649188"/>
+            <a:ext cx="7760648" cy="707886"/>
+          </a:xfrm>
+          <a:prstGeom prst="rect">
+            <a:avLst/>
+          </a:prstGeom>
+          <a:noFill/>
+        </p:spPr>
+        <p:txBody>
+          <a:bodyPr wrap="square">
+            <a:spAutoFit/>
+          </a:bodyPr>
+          <a:lstStyle/>
+          <a:p>
+            <a:r>
+              <a:rPr lang="en-US" sz="4000" b="1">
+                <a:latin typeface="Times New Roman" panose="02020603050405020304" pitchFamily="18" charset="0"/>
+                <a:cs typeface="Times New Roman" panose="02020603050405020304" pitchFamily="18" charset="0"/>
+              </a:rPr>
+              <a:t>Implementation of Frontend</a:t>
+            </a:r>
+            <a:endParaRPr lang="en-IN" sz="4000"/>
+          </a:p>
+        </p:txBody>
+      </p:sp>
+      <p:pic>
+        <p:nvPicPr>
+          <p:cNvPr id="11" name="Picture 10">
             <a:extLst>
               <a:ext uri="{FF2B5EF4-FFF2-40B4-BE49-F238E27FC236}">
-                <a16:creationId xmlns:a16="http://schemas.microsoft.com/office/drawing/2014/main" xmlns="" id="{5F827BAA-7E22-F268-D9DC-5E17D9155237}"/>
+                <a16:creationId xmlns:a16="http://schemas.microsoft.com/office/drawing/2014/main" xmlns="" id="{2E602E42-0D1D-C0A3-AE95-45438EB7D334}"/>
               </a:ext>
             </a:extLst>
           </p:cNvPr>
-          <p:cNvSpPr>
-            <a:spLocks noGrp="1"/>
-          </p:cNvSpPr>
-          <p:nvPr>
-            <p:ph type="sldNum" sz="quarter" idx="12"/>
-          </p:nvPr>
-        </p:nvSpPr>
-        <p:spPr/>
-        <p:txBody>
-          <a:bodyPr/>
-          <a:lstStyle/>
-          <a:p>
-            <a:fld id="{B961B71F-4B40-8942-BB88-E0F5C0B46E10}" type="slidenum">
-              <a:rPr lang="en-US" smtClean="0">
-                <a:latin typeface="Times New Roman" panose="02020603050405020304" pitchFamily="18" charset="0"/>
-                <a:cs typeface="Times New Roman" panose="02020603050405020304" pitchFamily="18" charset="0"/>
-              </a:rPr>
-              <a:t>2</a:t>
-            </a:fld>
-            <a:endParaRPr lang="en-US">
-              <a:latin typeface="Times New Roman" panose="02020603050405020304" pitchFamily="18" charset="0"/>
-              <a:cs typeface="Times New Roman" panose="02020603050405020304" pitchFamily="18" charset="0"/>
-            </a:endParaRPr>
-          </a:p>
-        </p:txBody>
-      </p:sp>
+          <p:cNvPicPr>
+            <a:picLocks noChangeAspect="1"/>
+          </p:cNvPicPr>
+          <p:nvPr/>
+        </p:nvPicPr>
+        <p:blipFill>
+          <a:blip r:embed="rId2"/>
+          <a:stretch>
+            <a:fillRect/>
+          </a:stretch>
+        </p:blipFill>
+        <p:spPr>
+          <a:xfrm>
+            <a:off x="0" y="63780"/>
+            <a:ext cx="3905416" cy="600957"/>
+          </a:xfrm>
+          <a:prstGeom prst="rect">
+            <a:avLst/>
+          </a:prstGeom>
+        </p:spPr>
+      </p:pic>
+      <p:pic>
+        <p:nvPicPr>
+          <p:cNvPr id="8" name="Picture 7">
+            <a:extLst>
+              <a:ext uri="{FF2B5EF4-FFF2-40B4-BE49-F238E27FC236}">
+                <a16:creationId xmlns:a16="http://schemas.microsoft.com/office/drawing/2014/main" xmlns="" id="{3E8CAD3F-9252-079F-4B78-DBEB57D04864}"/>
+              </a:ext>
+            </a:extLst>
+          </p:cNvPr>
+          <p:cNvPicPr>
+            <a:picLocks noChangeAspect="1"/>
+          </p:cNvPicPr>
+          <p:nvPr/>
+        </p:nvPicPr>
+        <p:blipFill>
+          <a:blip r:embed="rId3">
+            <a:extLst>
+              <a:ext uri="{28A0092B-C50C-407E-A947-70E740481C1C}">
+                <a14:useLocalDpi xmlns:a14="http://schemas.microsoft.com/office/drawing/2010/main" val="0"/>
+              </a:ext>
+            </a:extLst>
+          </a:blip>
+          <a:stretch>
+            <a:fillRect/>
+          </a:stretch>
+        </p:blipFill>
+        <p:spPr>
+          <a:xfrm>
+            <a:off x="424873" y="1586204"/>
+            <a:ext cx="11231418" cy="4189445"/>
+          </a:xfrm>
+          <a:prstGeom prst="rect">
+            <a:avLst/>
+          </a:prstGeom>
+        </p:spPr>
+      </p:pic>
     </p:spTree>
     <p:extLst>
       <p:ext uri="{BB962C8B-B14F-4D97-AF65-F5344CB8AC3E}">
-        <p14:creationId xmlns:p14="http://schemas.microsoft.com/office/powerpoint/2010/main" val="3006752629"/>
+        <p14:creationId xmlns:p14="http://schemas.microsoft.com/office/powerpoint/2010/main" val="854658807"/>
       </p:ext>
     </p:extLst>
   </p:cSld>
@@ -8663,7 +10373,7 @@
 </p:sld>
 </file>
 
-<file path=ppt/slides/slide20.xml><?xml version="1.0" encoding="utf-8"?>
+<file path=ppt/slides/slide25.xml><?xml version="1.0" encoding="utf-8"?>
 <p:sld xmlns:a="http://schemas.openxmlformats.org/drawingml/2006/main" xmlns:r="http://schemas.openxmlformats.org/officeDocument/2006/relationships" xmlns:p="http://schemas.openxmlformats.org/presentationml/2006/main">
   <p:cSld>
     <p:spTree>
@@ -8761,7 +10471,7 @@
           <a:p>
             <a:fld id="{65DCBD69-296B-4D7C-AF62-9B588FC78772}" type="slidenum">
               <a:rPr lang="en-IN" smtClean="0"/>
-              <a:t>20</a:t>
+              <a:t>25</a:t>
             </a:fld>
             <a:endParaRPr lang="en-IN"/>
           </a:p>
@@ -8885,7 +10595,7 @@
 </p:sld>
 </file>
 
-<file path=ppt/slides/slide21.xml><?xml version="1.0" encoding="utf-8"?>
+<file path=ppt/slides/slide26.xml><?xml version="1.0" encoding="utf-8"?>
 <p:sld xmlns:a="http://schemas.openxmlformats.org/drawingml/2006/main" xmlns:r="http://schemas.openxmlformats.org/officeDocument/2006/relationships" xmlns:p="http://schemas.openxmlformats.org/presentationml/2006/main">
   <p:cSld>
     <p:spTree>
@@ -8983,7 +10693,7 @@
           <a:p>
             <a:fld id="{65DCBD69-296B-4D7C-AF62-9B588FC78772}" type="slidenum">
               <a:rPr lang="en-IN" smtClean="0"/>
-              <a:t>21</a:t>
+              <a:t>26</a:t>
             </a:fld>
             <a:endParaRPr lang="en-IN"/>
           </a:p>
@@ -9117,7 +10827,7 @@
 </p:sld>
 </file>
 
-<file path=ppt/slides/slide22.xml><?xml version="1.0" encoding="utf-8"?>
+<file path=ppt/slides/slide27.xml><?xml version="1.0" encoding="utf-8"?>
 <p:sld xmlns:a="http://schemas.openxmlformats.org/drawingml/2006/main" xmlns:r="http://schemas.openxmlformats.org/officeDocument/2006/relationships" xmlns:p="http://schemas.openxmlformats.org/presentationml/2006/main">
   <p:cSld>
     <p:spTree>
@@ -9221,7 +10931,7 @@
           <a:p>
             <a:fld id="{65DCBD69-296B-4D7C-AF62-9B588FC78772}" type="slidenum">
               <a:rPr lang="en-IN" smtClean="0"/>
-              <a:t>22</a:t>
+              <a:t>27</a:t>
             </a:fld>
             <a:endParaRPr lang="en-IN"/>
           </a:p>
@@ -9355,7 +11065,7 @@
 </p:sld>
 </file>
 
-<file path=ppt/slides/slide23.xml><?xml version="1.0" encoding="utf-8"?>
+<file path=ppt/slides/slide28.xml><?xml version="1.0" encoding="utf-8"?>
 <p:sld xmlns:a="http://schemas.openxmlformats.org/drawingml/2006/main" xmlns:r="http://schemas.openxmlformats.org/officeDocument/2006/relationships" xmlns:p="http://schemas.openxmlformats.org/presentationml/2006/main">
   <p:cSld>
     <p:spTree>
@@ -9459,7 +11169,7 @@
           <a:p>
             <a:fld id="{65DCBD69-296B-4D7C-AF62-9B588FC78772}" type="slidenum">
               <a:rPr lang="en-IN" smtClean="0"/>
-              <a:t>23</a:t>
+              <a:t>28</a:t>
             </a:fld>
             <a:endParaRPr lang="en-IN"/>
           </a:p>
@@ -9572,8 +11282,210 @@
         </p:blipFill>
         <p:spPr>
           <a:xfrm>
-            <a:off x="778659" y="2074686"/>
-            <a:ext cx="5968482" cy="3027852"/>
+            <a:off x="778658" y="1529717"/>
+            <a:ext cx="10508177" cy="4826633"/>
+          </a:xfrm>
+          <a:prstGeom prst="rect">
+            <a:avLst/>
+          </a:prstGeom>
+        </p:spPr>
+      </p:pic>
+    </p:spTree>
+    <p:extLst>
+      <p:ext uri="{BB962C8B-B14F-4D97-AF65-F5344CB8AC3E}">
+        <p14:creationId xmlns:p14="http://schemas.microsoft.com/office/powerpoint/2010/main" val="3883111522"/>
+      </p:ext>
+    </p:extLst>
+  </p:cSld>
+  <p:clrMapOvr>
+    <a:masterClrMapping/>
+  </p:clrMapOvr>
+</p:sld>
+</file>
+
+<file path=ppt/slides/slide29.xml><?xml version="1.0" encoding="utf-8"?>
+<p:sld xmlns:a="http://schemas.openxmlformats.org/drawingml/2006/main" xmlns:r="http://schemas.openxmlformats.org/officeDocument/2006/relationships" xmlns:p="http://schemas.openxmlformats.org/presentationml/2006/main">
+  <p:cSld>
+    <p:spTree>
+      <p:nvGrpSpPr>
+        <p:cNvPr id="1" name="">
+          <a:extLst>
+            <a:ext uri="{FF2B5EF4-FFF2-40B4-BE49-F238E27FC236}">
+              <a16:creationId xmlns:a16="http://schemas.microsoft.com/office/drawing/2014/main" xmlns="" id="{ECDDA180-9E21-7926-7187-21D9846106EB}"/>
+            </a:ext>
+          </a:extLst>
+        </p:cNvPr>
+        <p:cNvGrpSpPr/>
+        <p:nvPr/>
+      </p:nvGrpSpPr>
+      <p:grpSpPr>
+        <a:xfrm>
+          <a:off x="0" y="0"/>
+          <a:ext cx="0" cy="0"/>
+          <a:chOff x="0" y="0"/>
+          <a:chExt cx="0" cy="0"/>
+        </a:xfrm>
+      </p:grpSpPr>
+      <p:sp>
+        <p:nvSpPr>
+          <p:cNvPr id="2" name="Date Placeholder 1">
+            <a:extLst>
+              <a:ext uri="{FF2B5EF4-FFF2-40B4-BE49-F238E27FC236}">
+                <a16:creationId xmlns:a16="http://schemas.microsoft.com/office/drawing/2014/main" xmlns="" id="{D3851F5C-9370-3969-9611-4F682ABCD6DE}"/>
+              </a:ext>
+            </a:extLst>
+          </p:cNvPr>
+          <p:cNvSpPr>
+            <a:spLocks noGrp="1"/>
+          </p:cNvSpPr>
+          <p:nvPr>
+            <p:ph type="dt" sz="half" idx="10"/>
+          </p:nvPr>
+        </p:nvSpPr>
+        <p:spPr/>
+        <p:txBody>
+          <a:bodyPr/>
+          <a:lstStyle/>
+          <a:p>
+            <a:r>
+              <a:rPr lang="en-US" dirty="0"/>
+              <a:t>06-12-2025</a:t>
+            </a:r>
+            <a:endParaRPr lang="en-IN" dirty="0"/>
+          </a:p>
+        </p:txBody>
+      </p:sp>
+      <p:sp>
+        <p:nvSpPr>
+          <p:cNvPr id="3" name="Footer Placeholder 2">
+            <a:extLst>
+              <a:ext uri="{FF2B5EF4-FFF2-40B4-BE49-F238E27FC236}">
+                <a16:creationId xmlns:a16="http://schemas.microsoft.com/office/drawing/2014/main" xmlns="" id="{BD69766E-B85C-30A6-26A8-71200955E984}"/>
+              </a:ext>
+            </a:extLst>
+          </p:cNvPr>
+          <p:cNvSpPr>
+            <a:spLocks noGrp="1"/>
+          </p:cNvSpPr>
+          <p:nvPr>
+            <p:ph type="ftr" sz="quarter" idx="11"/>
+          </p:nvPr>
+        </p:nvSpPr>
+        <p:spPr/>
+        <p:txBody>
+          <a:bodyPr/>
+          <a:lstStyle/>
+          <a:p>
+            <a:r>
+              <a:rPr lang="en-US" dirty="0"/>
+              <a:t>Review No. 02        Batch No. BG9           Department of CSE</a:t>
+            </a:r>
+            <a:endParaRPr lang="en-IN" dirty="0"/>
+          </a:p>
+        </p:txBody>
+      </p:sp>
+      <p:sp>
+        <p:nvSpPr>
+          <p:cNvPr id="4" name="Slide Number Placeholder 3">
+            <a:extLst>
+              <a:ext uri="{FF2B5EF4-FFF2-40B4-BE49-F238E27FC236}">
+                <a16:creationId xmlns:a16="http://schemas.microsoft.com/office/drawing/2014/main" xmlns="" id="{A416B27A-6D2C-FCFE-1194-85D70F972EFD}"/>
+              </a:ext>
+            </a:extLst>
+          </p:cNvPr>
+          <p:cNvSpPr>
+            <a:spLocks noGrp="1"/>
+          </p:cNvSpPr>
+          <p:nvPr>
+            <p:ph type="sldNum" sz="quarter" idx="12"/>
+          </p:nvPr>
+        </p:nvSpPr>
+        <p:spPr/>
+        <p:txBody>
+          <a:bodyPr/>
+          <a:lstStyle/>
+          <a:p>
+            <a:fld id="{65DCBD69-296B-4D7C-AF62-9B588FC78772}" type="slidenum">
+              <a:rPr lang="en-IN" smtClean="0"/>
+              <a:t>29</a:t>
+            </a:fld>
+            <a:endParaRPr lang="en-IN"/>
+          </a:p>
+        </p:txBody>
+      </p:sp>
+      <p:sp>
+        <p:nvSpPr>
+          <p:cNvPr id="8" name="TextBox 7">
+            <a:extLst>
+              <a:ext uri="{FF2B5EF4-FFF2-40B4-BE49-F238E27FC236}">
+                <a16:creationId xmlns:a16="http://schemas.microsoft.com/office/drawing/2014/main" xmlns="" id="{262EA448-C78F-63C1-165F-3C96EA3DD251}"/>
+              </a:ext>
+            </a:extLst>
+          </p:cNvPr>
+          <p:cNvSpPr txBox="1"/>
+          <p:nvPr/>
+        </p:nvSpPr>
+        <p:spPr>
+          <a:xfrm>
+            <a:off x="2939544" y="732319"/>
+            <a:ext cx="7809321" cy="707886"/>
+          </a:xfrm>
+          <a:prstGeom prst="rect">
+            <a:avLst/>
+          </a:prstGeom>
+          <a:noFill/>
+        </p:spPr>
+        <p:txBody>
+          <a:bodyPr wrap="square">
+            <a:spAutoFit/>
+          </a:bodyPr>
+          <a:lstStyle/>
+          <a:p>
+            <a:pPr marL="0" algn="l" rtl="0" eaLnBrk="1" latinLnBrk="0" hangingPunct="1">
+              <a:buNone/>
+            </a:pPr>
+            <a:r>
+              <a:rPr lang="en-US" sz="4000" b="1" kern="1200">
+                <a:solidFill>
+                  <a:srgbClr val="000000"/>
+                </a:solidFill>
+                <a:effectLst/>
+                <a:latin typeface="Times New Roman" panose="02020603050405020304" pitchFamily="18" charset="0"/>
+                <a:ea typeface="+mn-ea"/>
+                <a:cs typeface="Times New Roman" panose="02020603050405020304" pitchFamily="18" charset="0"/>
+              </a:rPr>
+              <a:t>Implementation of Frontend</a:t>
+            </a:r>
+            <a:endParaRPr lang="en-IN" sz="4000">
+              <a:effectLst/>
+            </a:endParaRPr>
+          </a:p>
+        </p:txBody>
+      </p:sp>
+      <p:pic>
+        <p:nvPicPr>
+          <p:cNvPr id="9" name="Picture 8">
+            <a:extLst>
+              <a:ext uri="{FF2B5EF4-FFF2-40B4-BE49-F238E27FC236}">
+                <a16:creationId xmlns:a16="http://schemas.microsoft.com/office/drawing/2014/main" xmlns="" id="{47A19A37-4219-CFBB-43B2-E66C2AAE1649}"/>
+              </a:ext>
+            </a:extLst>
+          </p:cNvPr>
+          <p:cNvPicPr>
+            <a:picLocks noChangeAspect="1"/>
+          </p:cNvPicPr>
+          <p:nvPr/>
+        </p:nvPicPr>
+        <p:blipFill>
+          <a:blip r:embed="rId2"/>
+          <a:stretch>
+            <a:fillRect/>
+          </a:stretch>
+        </p:blipFill>
+        <p:spPr>
+          <a:xfrm>
+            <a:off x="0" y="63780"/>
+            <a:ext cx="3762900" cy="579027"/>
           </a:xfrm>
           <a:prstGeom prst="rect">
             <a:avLst/>
@@ -9595,7 +11507,7 @@
           <p:nvPr/>
         </p:nvPicPr>
         <p:blipFill>
-          <a:blip r:embed="rId4" cstate="print">
+          <a:blip r:embed="rId3" cstate="print">
             <a:extLst>
               <a:ext uri="{28A0092B-C50C-407E-A947-70E740481C1C}">
                 <a14:useLocalDpi xmlns:a14="http://schemas.microsoft.com/office/drawing/2010/main" val="0"/>
@@ -9609,8 +11521,8 @@
         </p:blipFill>
         <p:spPr>
           <a:xfrm>
-            <a:off x="6747141" y="2074686"/>
-            <a:ext cx="5197748" cy="3169148"/>
+            <a:off x="618837" y="1529717"/>
+            <a:ext cx="10917382" cy="4714065"/>
           </a:xfrm>
           <a:prstGeom prst="rect">
             <a:avLst/>
@@ -9620,7 +11532,7 @@
     </p:spTree>
     <p:extLst>
       <p:ext uri="{BB962C8B-B14F-4D97-AF65-F5344CB8AC3E}">
-        <p14:creationId xmlns:p14="http://schemas.microsoft.com/office/powerpoint/2010/main" val="3883111522"/>
+        <p14:creationId xmlns:p14="http://schemas.microsoft.com/office/powerpoint/2010/main" val="1164129025"/>
       </p:ext>
     </p:extLst>
   </p:cSld>
@@ -9630,7 +11542,7 @@
 </p:sld>
 </file>
 
-<file path=ppt/slides/slide24.xml><?xml version="1.0" encoding="utf-8"?>
+<file path=ppt/slides/slide3.xml><?xml version="1.0" encoding="utf-8"?>
 <p:sld xmlns:a="http://schemas.openxmlformats.org/drawingml/2006/main" xmlns:r="http://schemas.openxmlformats.org/officeDocument/2006/relationships" xmlns:p="http://schemas.openxmlformats.org/presentationml/2006/main">
   <p:cSld>
     <p:spTree>
@@ -9649,6 +11561,246 @@
       </p:grpSpPr>
       <p:sp>
         <p:nvSpPr>
+          <p:cNvPr id="8" name="Title 7">
+            <a:extLst>
+              <a:ext uri="{FF2B5EF4-FFF2-40B4-BE49-F238E27FC236}">
+                <a16:creationId xmlns:a16="http://schemas.microsoft.com/office/drawing/2014/main" xmlns="" id="{D45DB3B1-7702-A34D-B15A-E964B95D6FB5}"/>
+              </a:ext>
+            </a:extLst>
+          </p:cNvPr>
+          <p:cNvSpPr>
+            <a:spLocks noGrp="1"/>
+          </p:cNvSpPr>
+          <p:nvPr>
+            <p:ph type="title"/>
+          </p:nvPr>
+        </p:nvSpPr>
+        <p:spPr>
+          <a:xfrm>
+            <a:off x="1180618" y="365125"/>
+            <a:ext cx="10173182" cy="763879"/>
+          </a:xfrm>
+        </p:spPr>
+        <p:txBody>
+          <a:bodyPr>
+            <a:normAutofit/>
+          </a:bodyPr>
+          <a:lstStyle/>
+          <a:p>
+            <a:pPr algn="ctr"/>
+            <a:r>
+              <a:rPr lang="en-US" b="1">
+                <a:latin typeface="Times New Roman" panose="02020603050405020304" pitchFamily="18" charset="0"/>
+                <a:cs typeface="Times New Roman" panose="02020603050405020304" pitchFamily="18" charset="0"/>
+              </a:rPr>
+              <a:t>ABSTRACT</a:t>
+            </a:r>
+          </a:p>
+        </p:txBody>
+      </p:sp>
+      <p:sp>
+        <p:nvSpPr>
+          <p:cNvPr id="5" name="Date Placeholder 4">
+            <a:extLst>
+              <a:ext uri="{FF2B5EF4-FFF2-40B4-BE49-F238E27FC236}">
+                <a16:creationId xmlns:a16="http://schemas.microsoft.com/office/drawing/2014/main" xmlns="" id="{BD5C2420-26C9-65B4-41BA-D5CA69721C05}"/>
+              </a:ext>
+            </a:extLst>
+          </p:cNvPr>
+          <p:cNvSpPr>
+            <a:spLocks noGrp="1"/>
+          </p:cNvSpPr>
+          <p:nvPr>
+            <p:ph type="dt" sz="half" idx="10"/>
+          </p:nvPr>
+        </p:nvSpPr>
+        <p:spPr/>
+        <p:txBody>
+          <a:bodyPr/>
+          <a:lstStyle/>
+          <a:p>
+            <a:r>
+              <a:rPr lang="en-US" dirty="0">
+                <a:latin typeface="Times New Roman" panose="02020603050405020304" pitchFamily="18" charset="0"/>
+                <a:cs typeface="Times New Roman" panose="02020603050405020304" pitchFamily="18" charset="0"/>
+              </a:rPr>
+              <a:t>06-12-2025</a:t>
+            </a:r>
+          </a:p>
+        </p:txBody>
+      </p:sp>
+      <p:sp>
+        <p:nvSpPr>
+          <p:cNvPr id="6" name="Footer Placeholder 5">
+            <a:extLst>
+              <a:ext uri="{FF2B5EF4-FFF2-40B4-BE49-F238E27FC236}">
+                <a16:creationId xmlns:a16="http://schemas.microsoft.com/office/drawing/2014/main" xmlns="" id="{AE9B4454-96E6-70D8-1440-2142487397DF}"/>
+              </a:ext>
+            </a:extLst>
+          </p:cNvPr>
+          <p:cNvSpPr>
+            <a:spLocks noGrp="1"/>
+          </p:cNvSpPr>
+          <p:nvPr>
+            <p:ph type="ftr" sz="quarter" idx="11"/>
+          </p:nvPr>
+        </p:nvSpPr>
+        <p:spPr/>
+        <p:txBody>
+          <a:bodyPr/>
+          <a:lstStyle/>
+          <a:p>
+            <a:r>
+              <a:rPr lang="en-US" dirty="0">
+                <a:latin typeface="Times New Roman" panose="02020603050405020304" pitchFamily="18" charset="0"/>
+                <a:cs typeface="Times New Roman" panose="02020603050405020304" pitchFamily="18" charset="0"/>
+              </a:rPr>
+              <a:t>Review No. 02        Batch No. BG9           Department of CSE</a:t>
+            </a:r>
+          </a:p>
+        </p:txBody>
+      </p:sp>
+      <p:sp>
+        <p:nvSpPr>
+          <p:cNvPr id="7" name="Slide Number Placeholder 6">
+            <a:extLst>
+              <a:ext uri="{FF2B5EF4-FFF2-40B4-BE49-F238E27FC236}">
+                <a16:creationId xmlns:a16="http://schemas.microsoft.com/office/drawing/2014/main" xmlns="" id="{5F827BAA-7E22-F268-D9DC-5E17D9155237}"/>
+              </a:ext>
+            </a:extLst>
+          </p:cNvPr>
+          <p:cNvSpPr>
+            <a:spLocks noGrp="1"/>
+          </p:cNvSpPr>
+          <p:nvPr>
+            <p:ph type="sldNum" sz="quarter" idx="12"/>
+          </p:nvPr>
+        </p:nvSpPr>
+        <p:spPr/>
+        <p:txBody>
+          <a:bodyPr/>
+          <a:lstStyle/>
+          <a:p>
+            <a:fld id="{B961B71F-4B40-8942-BB88-E0F5C0B46E10}" type="slidenum">
+              <a:rPr lang="en-US" smtClean="0">
+                <a:latin typeface="Times New Roman" panose="02020603050405020304" pitchFamily="18" charset="0"/>
+                <a:cs typeface="Times New Roman" panose="02020603050405020304" pitchFamily="18" charset="0"/>
+              </a:rPr>
+              <a:t>3</a:t>
+            </a:fld>
+            <a:endParaRPr lang="en-US">
+              <a:latin typeface="Times New Roman" panose="02020603050405020304" pitchFamily="18" charset="0"/>
+              <a:cs typeface="Times New Roman" panose="02020603050405020304" pitchFamily="18" charset="0"/>
+            </a:endParaRPr>
+          </a:p>
+        </p:txBody>
+      </p:sp>
+      <p:sp>
+        <p:nvSpPr>
+          <p:cNvPr id="3" name="TextBox 2">
+            <a:extLst>
+              <a:ext uri="{FF2B5EF4-FFF2-40B4-BE49-F238E27FC236}">
+                <a16:creationId xmlns:a16="http://schemas.microsoft.com/office/drawing/2014/main" xmlns="" id="{BFF6D0F4-0F98-9A28-3386-CCCD30F7AD43}"/>
+              </a:ext>
+            </a:extLst>
+          </p:cNvPr>
+          <p:cNvSpPr txBox="1"/>
+          <p:nvPr/>
+        </p:nvSpPr>
+        <p:spPr>
+          <a:xfrm>
+            <a:off x="933061" y="1010245"/>
+            <a:ext cx="10420739" cy="4524315"/>
+          </a:xfrm>
+          <a:prstGeom prst="rect">
+            <a:avLst/>
+          </a:prstGeom>
+          <a:noFill/>
+        </p:spPr>
+        <p:txBody>
+          <a:bodyPr wrap="square">
+            <a:spAutoFit/>
+          </a:bodyPr>
+          <a:lstStyle/>
+          <a:p>
+            <a:pPr algn="just"/>
+            <a:endParaRPr lang="en-IN" sz="2400">
+              <a:latin typeface="Times New Roman" panose="02020603050405020304" pitchFamily="18" charset="0"/>
+              <a:cs typeface="Times New Roman" panose="02020603050405020304" pitchFamily="18" charset="0"/>
+            </a:endParaRPr>
+          </a:p>
+          <a:p>
+            <a:pPr algn="just"/>
+            <a:r>
+              <a:rPr lang="en-IN" sz="2400">
+                <a:latin typeface="Times New Roman" panose="02020603050405020304" pitchFamily="18" charset="0"/>
+                <a:cs typeface="Times New Roman" panose="02020603050405020304" pitchFamily="18" charset="0"/>
+              </a:rPr>
+              <a:t>Classifying microplastics with deep learning methods on integrated holographic images is more successful. By representing the microcosm along with its hologram phase and amplitude as an HSL </a:t>
+            </a:r>
+            <a:r>
+              <a:rPr lang="en-IN" sz="2400" err="1">
+                <a:latin typeface="Times New Roman" panose="02020603050405020304" pitchFamily="18" charset="0"/>
+                <a:cs typeface="Times New Roman" panose="02020603050405020304" pitchFamily="18" charset="0"/>
+              </a:rPr>
+              <a:t>color</a:t>
+            </a:r>
+            <a:r>
+              <a:rPr lang="en-IN" sz="2400">
+                <a:latin typeface="Times New Roman" panose="02020603050405020304" pitchFamily="18" charset="0"/>
+                <a:cs typeface="Times New Roman" panose="02020603050405020304" pitchFamily="18" charset="0"/>
+              </a:rPr>
+              <a:t> space, microplastic samples become rich in both spatial and </a:t>
+            </a:r>
+            <a:r>
+              <a:rPr lang="en-IN" sz="2400" err="1">
+                <a:latin typeface="Times New Roman" panose="02020603050405020304" pitchFamily="18" charset="0"/>
+                <a:cs typeface="Times New Roman" panose="02020603050405020304" pitchFamily="18" charset="0"/>
+              </a:rPr>
+              <a:t>color</a:t>
+            </a:r>
+            <a:r>
+              <a:rPr lang="en-IN" sz="2400">
+                <a:latin typeface="Times New Roman" panose="02020603050405020304" pitchFamily="18" charset="0"/>
+                <a:cs typeface="Times New Roman" panose="02020603050405020304" pitchFamily="18" charset="0"/>
+              </a:rPr>
+              <a:t> information. The Swin Transformer V2 which is famously known for its hierarchical utilization of self-attention and its success on minute and complex images, is chosen to perform exact classification. Results show the accuracy and F1-Score of 91.65% and 91.79%, respectively, thus reflecting a high level of true positive identification and good false positive avoidance. This study highlights the potential of vision transformers for environmental monitoring tasks and provides a framework for the automated microplastics detection via digital holography.</a:t>
+            </a:r>
+          </a:p>
+        </p:txBody>
+      </p:sp>
+    </p:spTree>
+    <p:extLst>
+      <p:ext uri="{BB962C8B-B14F-4D97-AF65-F5344CB8AC3E}">
+        <p14:creationId xmlns:p14="http://schemas.microsoft.com/office/powerpoint/2010/main" val="1369108918"/>
+      </p:ext>
+    </p:extLst>
+  </p:cSld>
+  <p:clrMapOvr>
+    <a:masterClrMapping/>
+  </p:clrMapOvr>
+</p:sld>
+</file>
+
+<file path=ppt/slides/slide30.xml><?xml version="1.0" encoding="utf-8"?>
+<p:sld xmlns:a="http://schemas.openxmlformats.org/drawingml/2006/main" xmlns:r="http://schemas.openxmlformats.org/officeDocument/2006/relationships" xmlns:p="http://schemas.openxmlformats.org/presentationml/2006/main">
+  <p:cSld>
+    <p:spTree>
+      <p:nvGrpSpPr>
+        <p:cNvPr id="1" name=""/>
+        <p:cNvGrpSpPr/>
+        <p:nvPr/>
+      </p:nvGrpSpPr>
+      <p:grpSpPr>
+        <a:xfrm>
+          <a:off x="0" y="0"/>
+          <a:ext cx="0" cy="0"/>
+          <a:chOff x="0" y="0"/>
+          <a:chExt cx="0" cy="0"/>
+        </a:xfrm>
+      </p:grpSpPr>
+      <p:sp>
+        <p:nvSpPr>
           <p:cNvPr id="2" name="Title 1"/>
           <p:cNvSpPr>
             <a:spLocks noGrp="1"/>
@@ -9748,7 +11900,7 @@
           <a:p>
             <a:fld id="{65DCBD69-296B-4D7C-AF62-9B588FC78772}" type="slidenum">
               <a:rPr lang="en-IN" smtClean="0"/>
-              <a:t>24</a:t>
+              <a:t>30</a:t>
             </a:fld>
             <a:endParaRPr lang="en-IN"/>
           </a:p>
@@ -9880,7 +12032,7 @@
 </p:sld>
 </file>
 
-<file path=ppt/slides/slide25.xml><?xml version="1.0" encoding="utf-8"?>
+<file path=ppt/slides/slide31.xml><?xml version="1.0" encoding="utf-8"?>
 <p:sld xmlns:a="http://schemas.openxmlformats.org/drawingml/2006/main" xmlns:r="http://schemas.openxmlformats.org/officeDocument/2006/relationships" xmlns:p="http://schemas.openxmlformats.org/presentationml/2006/main">
   <p:cSld>
     <p:spTree>
@@ -9992,7 +12144,7 @@
           <a:p>
             <a:fld id="{65DCBD69-296B-4D7C-AF62-9B588FC78772}" type="slidenum">
               <a:rPr lang="en-IN" smtClean="0"/>
-              <a:t>25</a:t>
+              <a:t>31</a:t>
             </a:fld>
             <a:endParaRPr lang="en-IN"/>
           </a:p>
@@ -10239,7 +12391,7 @@
 </p:sld>
 </file>
 
-<file path=ppt/slides/slide26.xml><?xml version="1.0" encoding="utf-8"?>
+<file path=ppt/slides/slide32.xml><?xml version="1.0" encoding="utf-8"?>
 <p:sld xmlns:a="http://schemas.openxmlformats.org/drawingml/2006/main" xmlns:r="http://schemas.openxmlformats.org/officeDocument/2006/relationships" xmlns:p="http://schemas.openxmlformats.org/presentationml/2006/main">
   <p:cSld>
     <p:spTree>
@@ -10351,7 +12503,7 @@
           <a:p>
             <a:fld id="{65DCBD69-296B-4D7C-AF62-9B588FC78772}" type="slidenum">
               <a:rPr lang="en-IN" smtClean="0"/>
-              <a:t>26</a:t>
+              <a:t>32</a:t>
             </a:fld>
             <a:endParaRPr lang="en-IN"/>
           </a:p>
@@ -10472,7 +12624,7 @@
               <a:buChar char="Ø"/>
             </a:pPr>
             <a:r>
-              <a:rPr lang="en-US" sz="2000" b="0" i="0">
+              <a:rPr lang="en-US" sz="2000" b="0" i="0" smtClean="0">
                 <a:solidFill>
                   <a:srgbClr val="0D0D0D"/>
                 </a:solidFill>
@@ -10483,7 +12635,7 @@
               <a:t>The </a:t>
             </a:r>
             <a:r>
-              <a:rPr lang="en-US" sz="2000" b="1" i="0">
+              <a:rPr lang="en-US" sz="2000" b="1" i="0" smtClean="0">
                 <a:solidFill>
                   <a:srgbClr val="0D0D0D"/>
                 </a:solidFill>
@@ -10494,7 +12646,7 @@
               <a:t>training and validation losses</a:t>
             </a:r>
             <a:r>
-              <a:rPr lang="en-US" sz="2000" b="0" i="0">
+              <a:rPr lang="en-US" sz="2000" b="0" i="0" smtClean="0">
                 <a:solidFill>
                   <a:srgbClr val="0D0D0D"/>
                 </a:solidFill>
@@ -10505,7 +12657,7 @@
               <a:t> continuously decrease over 40 epochs, showing that the </a:t>
             </a:r>
             <a:r>
-              <a:rPr lang="en-US" sz="2000" b="1" i="0">
+              <a:rPr lang="en-US" sz="2000" b="1" i="0" smtClean="0">
                 <a:solidFill>
                   <a:srgbClr val="0D0D0D"/>
                 </a:solidFill>
@@ -10516,7 +12668,7 @@
               <a:t>Swin Transformer V2</a:t>
             </a:r>
             <a:r>
-              <a:rPr lang="en-US" sz="2000" b="0" i="0">
+              <a:rPr lang="en-US" sz="2000" b="0" i="0" smtClean="0">
                 <a:solidFill>
                   <a:srgbClr val="0D0D0D"/>
                 </a:solidFill>
@@ -10532,7 +12684,7 @@
               <a:buFont typeface="Wingdings" panose="05000000000000000000" pitchFamily="2" charset="2"/>
               <a:buChar char="Ø"/>
             </a:pPr>
-            <a:endParaRPr lang="en-US" sz="2000">
+            <a:endParaRPr lang="en-US" sz="2000" smtClean="0">
               <a:solidFill>
                 <a:srgbClr val="0D0D0D"/>
               </a:solidFill>
@@ -10546,7 +12698,7 @@
               <a:buChar char="Ø"/>
             </a:pPr>
             <a:r>
-              <a:rPr lang="en-US" sz="2000" b="0" i="0">
+              <a:rPr lang="en-US" sz="2000" b="0" i="0" smtClean="0">
                 <a:solidFill>
                   <a:srgbClr val="0D0D0D"/>
                 </a:solidFill>
@@ -10557,7 +12709,7 @@
               <a:t>Both curves converge near </a:t>
             </a:r>
             <a:r>
-              <a:rPr lang="en-US" sz="2000" b="1" i="0">
+              <a:rPr lang="en-US" sz="2000" b="1" i="0" smtClean="0">
                 <a:solidFill>
                   <a:srgbClr val="0D0D0D"/>
                 </a:solidFill>
@@ -10568,7 +12720,7 @@
               <a:t>0.1</a:t>
             </a:r>
             <a:r>
-              <a:rPr lang="en-US" sz="2000" b="0" i="0">
+              <a:rPr lang="en-US" sz="2000" b="0" i="0" smtClean="0">
                 <a:solidFill>
                   <a:srgbClr val="0D0D0D"/>
                 </a:solidFill>
@@ -10579,7 +12731,7 @@
               <a:t>, and the validation loss stays lower than the training loss — indicating </a:t>
             </a:r>
             <a:r>
-              <a:rPr lang="en-US" sz="2000" b="1" i="0">
+              <a:rPr lang="en-US" sz="2000" b="1" i="0" smtClean="0">
                 <a:solidFill>
                   <a:srgbClr val="0D0D0D"/>
                 </a:solidFill>
@@ -10590,7 +12742,7 @@
               <a:t>good generalization</a:t>
             </a:r>
             <a:r>
-              <a:rPr lang="en-US" sz="2000" b="0" i="0">
+              <a:rPr lang="en-US" sz="2000" b="0" i="0" smtClean="0">
                 <a:solidFill>
                   <a:srgbClr val="0D0D0D"/>
                 </a:solidFill>
@@ -10601,7 +12753,7 @@
               <a:t> and </a:t>
             </a:r>
             <a:r>
-              <a:rPr lang="en-US" sz="2000" b="1" i="0">
+              <a:rPr lang="en-US" sz="2000" b="1" i="0" smtClean="0">
                 <a:solidFill>
                   <a:srgbClr val="0D0D0D"/>
                 </a:solidFill>
@@ -10612,7 +12764,7 @@
               <a:t>no overfitting</a:t>
             </a:r>
             <a:r>
-              <a:rPr lang="en-US" sz="2000" b="0" i="0">
+              <a:rPr lang="en-US" sz="2000" b="0" i="0" smtClean="0">
                 <a:solidFill>
                   <a:srgbClr val="0D0D0D"/>
                 </a:solidFill>
@@ -10621,6 +12773,13 @@
               </a:rPr>
               <a:t>.</a:t>
             </a:r>
+            <a:endParaRPr lang="en-US" sz="2000" b="0" i="0">
+              <a:solidFill>
+                <a:srgbClr val="0D0D0D"/>
+              </a:solidFill>
+              <a:effectLst/>
+              <a:latin typeface="ui-sans-serif"/>
+            </a:endParaRPr>
           </a:p>
         </p:txBody>
       </p:sp>
@@ -10637,7 +12796,7 @@
 </p:sld>
 </file>
 
-<file path=ppt/slides/slide27.xml><?xml version="1.0" encoding="utf-8"?>
+<file path=ppt/slides/slide33.xml><?xml version="1.0" encoding="utf-8"?>
 <p:sld xmlns:a="http://schemas.openxmlformats.org/drawingml/2006/main" xmlns:r="http://schemas.openxmlformats.org/officeDocument/2006/relationships" xmlns:p="http://schemas.openxmlformats.org/presentationml/2006/main">
   <p:cSld>
     <p:spTree>
@@ -10749,7 +12908,7 @@
           <a:p>
             <a:fld id="{65DCBD69-296B-4D7C-AF62-9B588FC78772}" type="slidenum">
               <a:rPr lang="en-IN" smtClean="0"/>
-              <a:t>27</a:t>
+              <a:t>33</a:t>
             </a:fld>
             <a:endParaRPr lang="en-IN"/>
           </a:p>
@@ -10924,7 +13083,7 @@
 </p:sld>
 </file>
 
-<file path=ppt/slides/slide28.xml><?xml version="1.0" encoding="utf-8"?>
+<file path=ppt/slides/slide34.xml><?xml version="1.0" encoding="utf-8"?>
 <p:sld xmlns:a="http://schemas.openxmlformats.org/drawingml/2006/main" xmlns:r="http://schemas.openxmlformats.org/officeDocument/2006/relationships" xmlns:p="http://schemas.openxmlformats.org/presentationml/2006/main">
   <p:cSld>
     <p:spTree>
@@ -11066,7 +13225,7 @@
           <a:p>
             <a:fld id="{65DCBD69-296B-4D7C-AF62-9B588FC78772}" type="slidenum">
               <a:rPr lang="en-IN" smtClean="0"/>
-              <a:t>28</a:t>
+              <a:t>34</a:t>
             </a:fld>
             <a:endParaRPr lang="en-IN"/>
           </a:p>
@@ -11089,14 +13248,14 @@
           </p:nvPr>
         </p:nvSpPr>
         <p:spPr>
-          <a:xfrm>
-            <a:off x="632013" y="1847461"/>
-            <a:ext cx="5463987" cy="4416813"/>
+          <a:xfrm flipV="1">
+            <a:off x="5597236" y="4223038"/>
+            <a:ext cx="323273" cy="45719"/>
           </a:xfrm>
         </p:spPr>
         <p:txBody>
           <a:bodyPr>
-            <a:normAutofit/>
+            <a:normAutofit fontScale="25000" lnSpcReduction="20000"/>
           </a:bodyPr>
           <a:lstStyle/>
           <a:p>
@@ -11104,96 +13263,10 @@
               <a:buFont typeface="Wingdings" panose="05000000000000000000" pitchFamily="2" charset="2"/>
               <a:buChar char="Ø"/>
             </a:pPr>
-            <a:r>
-              <a:rPr lang="en-US" sz="2000">
-                <a:latin typeface="Times New Roman" panose="02020603050405020304" pitchFamily="18" charset="0"/>
-                <a:cs typeface="Times New Roman" panose="02020603050405020304" pitchFamily="18" charset="0"/>
-              </a:rPr>
-              <a:t>The Swin Transformer V2 model correctly classified </a:t>
-            </a:r>
-            <a:r>
-              <a:rPr lang="en-US" sz="2000" b="1">
-                <a:latin typeface="Times New Roman" panose="02020603050405020304" pitchFamily="18" charset="0"/>
-                <a:cs typeface="Times New Roman" panose="02020603050405020304" pitchFamily="18" charset="0"/>
-              </a:rPr>
-              <a:t>615 microplastic</a:t>
-            </a:r>
-            <a:r>
-              <a:rPr lang="en-US" sz="2000">
-                <a:latin typeface="Times New Roman" panose="02020603050405020304" pitchFamily="18" charset="0"/>
-                <a:cs typeface="Times New Roman" panose="02020603050405020304" pitchFamily="18" charset="0"/>
-              </a:rPr>
-              <a:t> and </a:t>
-            </a:r>
-            <a:r>
-              <a:rPr lang="en-US" sz="2000" b="1">
-                <a:latin typeface="Times New Roman" panose="02020603050405020304" pitchFamily="18" charset="0"/>
-                <a:cs typeface="Times New Roman" panose="02020603050405020304" pitchFamily="18" charset="0"/>
-              </a:rPr>
-              <a:t>593 non-microplastic</a:t>
-            </a:r>
-            <a:r>
-              <a:rPr lang="en-US" sz="2000">
-                <a:latin typeface="Times New Roman" panose="02020603050405020304" pitchFamily="18" charset="0"/>
-                <a:cs typeface="Times New Roman" panose="02020603050405020304" pitchFamily="18" charset="0"/>
-              </a:rPr>
-              <a:t> samples, showing strong accuracy in both categories.</a:t>
-            </a:r>
-          </a:p>
-          <a:p>
-            <a:pPr algn="just">
-              <a:buFont typeface="Wingdings" panose="05000000000000000000" pitchFamily="2" charset="2"/>
-              <a:buChar char="Ø"/>
-            </a:pPr>
-            <a:r>
-              <a:rPr lang="en-US" sz="2000">
-                <a:latin typeface="Times New Roman" panose="02020603050405020304" pitchFamily="18" charset="0"/>
-                <a:cs typeface="Times New Roman" panose="02020603050405020304" pitchFamily="18" charset="0"/>
-              </a:rPr>
-              <a:t>The small number of misclassifications (</a:t>
-            </a:r>
-            <a:r>
-              <a:rPr lang="en-US" sz="2000" b="1">
-                <a:latin typeface="Times New Roman" panose="02020603050405020304" pitchFamily="18" charset="0"/>
-                <a:cs typeface="Times New Roman" panose="02020603050405020304" pitchFamily="18" charset="0"/>
-              </a:rPr>
-              <a:t>75 false positives</a:t>
-            </a:r>
-            <a:r>
-              <a:rPr lang="en-US" sz="2000">
-                <a:latin typeface="Times New Roman" panose="02020603050405020304" pitchFamily="18" charset="0"/>
-                <a:cs typeface="Times New Roman" panose="02020603050405020304" pitchFamily="18" charset="0"/>
-              </a:rPr>
-              <a:t> and </a:t>
-            </a:r>
-            <a:r>
-              <a:rPr lang="en-US" sz="2000" b="1">
-                <a:latin typeface="Times New Roman" panose="02020603050405020304" pitchFamily="18" charset="0"/>
-                <a:cs typeface="Times New Roman" panose="02020603050405020304" pitchFamily="18" charset="0"/>
-              </a:rPr>
-              <a:t>35 false negatives</a:t>
-            </a:r>
-            <a:r>
-              <a:rPr lang="en-US" sz="2000">
-                <a:latin typeface="Times New Roman" panose="02020603050405020304" pitchFamily="18" charset="0"/>
-                <a:cs typeface="Times New Roman" panose="02020603050405020304" pitchFamily="18" charset="0"/>
-              </a:rPr>
-              <a:t>) indicates the model is </a:t>
-            </a:r>
-            <a:r>
-              <a:rPr lang="en-US" sz="2000" b="1">
-                <a:latin typeface="Times New Roman" panose="02020603050405020304" pitchFamily="18" charset="0"/>
-                <a:cs typeface="Times New Roman" panose="02020603050405020304" pitchFamily="18" charset="0"/>
-              </a:rPr>
-              <a:t>highly reliable and consistent</a:t>
-            </a:r>
-            <a:r>
-              <a:rPr lang="en-US" sz="2000">
-                <a:latin typeface="Times New Roman" panose="02020603050405020304" pitchFamily="18" charset="0"/>
-                <a:cs typeface="Times New Roman" panose="02020603050405020304" pitchFamily="18" charset="0"/>
-              </a:rPr>
-              <a:t>.</a:t>
-            </a:r>
+            <a:endParaRPr lang="en-US" sz="2000">
+              <a:latin typeface="Times New Roman" panose="02020603050405020304" pitchFamily="18" charset="0"/>
+              <a:cs typeface="Times New Roman" panose="02020603050405020304" pitchFamily="18" charset="0"/>
+            </a:endParaRPr>
           </a:p>
         </p:txBody>
       </p:sp>
@@ -11225,8 +13298,8 @@
         </p:blipFill>
         <p:spPr>
           <a:xfrm>
-            <a:off x="6798806" y="1847461"/>
-            <a:ext cx="4481904" cy="3769567"/>
+            <a:off x="2931995" y="1238895"/>
+            <a:ext cx="5810181" cy="4886733"/>
           </a:xfrm>
           <a:prstGeom prst="rect">
             <a:avLst/>
@@ -11246,7 +13319,384 @@
 </p:sld>
 </file>
 
-<file path=ppt/slides/slide29.xml><?xml version="1.0" encoding="utf-8"?>
+<file path=ppt/slides/slide35.xml><?xml version="1.0" encoding="utf-8"?>
+<p:sld xmlns:a="http://schemas.openxmlformats.org/drawingml/2006/main" xmlns:r="http://schemas.openxmlformats.org/officeDocument/2006/relationships" xmlns:p="http://schemas.openxmlformats.org/presentationml/2006/main">
+  <p:cSld>
+    <p:spTree>
+      <p:nvGrpSpPr>
+        <p:cNvPr id="1" name="">
+          <a:extLst>
+            <a:ext uri="{FF2B5EF4-FFF2-40B4-BE49-F238E27FC236}">
+              <a16:creationId xmlns:a16="http://schemas.microsoft.com/office/drawing/2014/main" xmlns="" id="{7F2FF8D7-6453-1D93-D07E-6C90B8F60436}"/>
+            </a:ext>
+          </a:extLst>
+        </p:cNvPr>
+        <p:cNvGrpSpPr/>
+        <p:nvPr/>
+      </p:nvGrpSpPr>
+      <p:grpSpPr>
+        <a:xfrm>
+          <a:off x="0" y="0"/>
+          <a:ext cx="0" cy="0"/>
+          <a:chOff x="0" y="0"/>
+          <a:chExt cx="0" cy="0"/>
+        </a:xfrm>
+      </p:grpSpPr>
+      <p:sp>
+        <p:nvSpPr>
+          <p:cNvPr id="2" name="Title 1">
+            <a:extLst>
+              <a:ext uri="{FF2B5EF4-FFF2-40B4-BE49-F238E27FC236}">
+                <a16:creationId xmlns:a16="http://schemas.microsoft.com/office/drawing/2014/main" xmlns="" id="{C6F27B72-0136-9172-90F2-691F2DB315CF}"/>
+              </a:ext>
+            </a:extLst>
+          </p:cNvPr>
+          <p:cNvSpPr>
+            <a:spLocks noGrp="1"/>
+          </p:cNvSpPr>
+          <p:nvPr>
+            <p:ph type="title"/>
+          </p:nvPr>
+        </p:nvSpPr>
+        <p:spPr>
+          <a:xfrm>
+            <a:off x="838200" y="430306"/>
+            <a:ext cx="10515600" cy="900953"/>
+          </a:xfrm>
+        </p:spPr>
+        <p:txBody>
+          <a:bodyPr/>
+          <a:lstStyle/>
+          <a:p>
+            <a:pPr algn="ctr"/>
+            <a:r>
+              <a:rPr lang="en-IN" b="1">
+                <a:latin typeface="Times New Roman" panose="02020603050405020304" pitchFamily="18" charset="0"/>
+                <a:cs typeface="Times New Roman" panose="02020603050405020304" pitchFamily="18" charset="0"/>
+              </a:rPr>
+              <a:t>RESULTS &amp; ANALYSIS</a:t>
+            </a:r>
+            <a:endParaRPr lang="en-IN"/>
+          </a:p>
+        </p:txBody>
+      </p:sp>
+      <p:sp>
+        <p:nvSpPr>
+          <p:cNvPr id="4" name="Date Placeholder 3">
+            <a:extLst>
+              <a:ext uri="{FF2B5EF4-FFF2-40B4-BE49-F238E27FC236}">
+                <a16:creationId xmlns:a16="http://schemas.microsoft.com/office/drawing/2014/main" xmlns="" id="{D68017AC-97B6-4979-376B-5567FC735896}"/>
+              </a:ext>
+            </a:extLst>
+          </p:cNvPr>
+          <p:cNvSpPr>
+            <a:spLocks noGrp="1"/>
+          </p:cNvSpPr>
+          <p:nvPr>
+            <p:ph type="dt" sz="half" idx="10"/>
+          </p:nvPr>
+        </p:nvSpPr>
+        <p:spPr/>
+        <p:txBody>
+          <a:bodyPr/>
+          <a:lstStyle/>
+          <a:p>
+            <a:r>
+              <a:rPr lang="en-US" dirty="0"/>
+              <a:t>06-12-2025</a:t>
+            </a:r>
+            <a:endParaRPr lang="en-IN" dirty="0"/>
+          </a:p>
+        </p:txBody>
+      </p:sp>
+      <p:sp>
+        <p:nvSpPr>
+          <p:cNvPr id="5" name="Footer Placeholder 4">
+            <a:extLst>
+              <a:ext uri="{FF2B5EF4-FFF2-40B4-BE49-F238E27FC236}">
+                <a16:creationId xmlns:a16="http://schemas.microsoft.com/office/drawing/2014/main" xmlns="" id="{240869FB-6069-F0BA-9DC0-17C98CC2C190}"/>
+              </a:ext>
+            </a:extLst>
+          </p:cNvPr>
+          <p:cNvSpPr>
+            <a:spLocks noGrp="1"/>
+          </p:cNvSpPr>
+          <p:nvPr>
+            <p:ph type="ftr" sz="quarter" idx="11"/>
+          </p:nvPr>
+        </p:nvSpPr>
+        <p:spPr/>
+        <p:txBody>
+          <a:bodyPr/>
+          <a:lstStyle/>
+          <a:p>
+            <a:r>
+              <a:rPr lang="en-US" dirty="0"/>
+              <a:t>Review No. 02        Batch No. BG9           Department of CSE</a:t>
+            </a:r>
+            <a:endParaRPr lang="en-IN" dirty="0"/>
+          </a:p>
+        </p:txBody>
+      </p:sp>
+      <p:sp>
+        <p:nvSpPr>
+          <p:cNvPr id="6" name="Slide Number Placeholder 5">
+            <a:extLst>
+              <a:ext uri="{FF2B5EF4-FFF2-40B4-BE49-F238E27FC236}">
+                <a16:creationId xmlns:a16="http://schemas.microsoft.com/office/drawing/2014/main" xmlns="" id="{56C7B1D7-5B17-24DD-6E04-995469F44CB8}"/>
+              </a:ext>
+            </a:extLst>
+          </p:cNvPr>
+          <p:cNvSpPr>
+            <a:spLocks noGrp="1"/>
+          </p:cNvSpPr>
+          <p:nvPr>
+            <p:ph type="sldNum" sz="quarter" idx="12"/>
+          </p:nvPr>
+        </p:nvSpPr>
+        <p:spPr/>
+        <p:txBody>
+          <a:bodyPr/>
+          <a:lstStyle/>
+          <a:p>
+            <a:fld id="{65DCBD69-296B-4D7C-AF62-9B588FC78772}" type="slidenum">
+              <a:rPr lang="en-IN" smtClean="0"/>
+              <a:t>35</a:t>
+            </a:fld>
+            <a:endParaRPr lang="en-IN"/>
+          </a:p>
+        </p:txBody>
+      </p:sp>
+      <p:sp>
+        <p:nvSpPr>
+          <p:cNvPr id="3" name="Content Placeholder 2">
+            <a:extLst>
+              <a:ext uri="{FF2B5EF4-FFF2-40B4-BE49-F238E27FC236}">
+                <a16:creationId xmlns:a16="http://schemas.microsoft.com/office/drawing/2014/main" xmlns="" id="{56855EC9-3D4F-D291-8C13-A2EA91533FD0}"/>
+              </a:ext>
+            </a:extLst>
+          </p:cNvPr>
+          <p:cNvSpPr>
+            <a:spLocks noGrp="1"/>
+          </p:cNvSpPr>
+          <p:nvPr>
+            <p:ph idx="1"/>
+          </p:nvPr>
+        </p:nvSpPr>
+        <p:spPr>
+          <a:xfrm>
+            <a:off x="632013" y="1847461"/>
+            <a:ext cx="10721787" cy="4416813"/>
+          </a:xfrm>
+        </p:spPr>
+        <p:txBody>
+          <a:bodyPr>
+            <a:normAutofit/>
+          </a:bodyPr>
+          <a:lstStyle/>
+          <a:p>
+            <a:pPr algn="just">
+              <a:buFont typeface="Wingdings" panose="05000000000000000000" pitchFamily="2" charset="2"/>
+              <a:buChar char="§"/>
+            </a:pPr>
+            <a:r>
+              <a:rPr lang="en-US" sz="2000">
+                <a:latin typeface="Times New Roman" panose="02020603050405020304" pitchFamily="18" charset="0"/>
+                <a:cs typeface="Times New Roman" panose="02020603050405020304" pitchFamily="18" charset="0"/>
+              </a:rPr>
+              <a:t>The Swin Transformer V2 model correctly classified </a:t>
+            </a:r>
+            <a:r>
+              <a:rPr lang="en-US" sz="2000" b="1">
+                <a:latin typeface="Times New Roman" panose="02020603050405020304" pitchFamily="18" charset="0"/>
+                <a:cs typeface="Times New Roman" panose="02020603050405020304" pitchFamily="18" charset="0"/>
+              </a:rPr>
+              <a:t>615 microplastic</a:t>
+            </a:r>
+            <a:r>
+              <a:rPr lang="en-US" sz="2000">
+                <a:latin typeface="Times New Roman" panose="02020603050405020304" pitchFamily="18" charset="0"/>
+                <a:cs typeface="Times New Roman" panose="02020603050405020304" pitchFamily="18" charset="0"/>
+              </a:rPr>
+              <a:t> and </a:t>
+            </a:r>
+            <a:r>
+              <a:rPr lang="en-US" sz="2000" b="1">
+                <a:latin typeface="Times New Roman" panose="02020603050405020304" pitchFamily="18" charset="0"/>
+                <a:cs typeface="Times New Roman" panose="02020603050405020304" pitchFamily="18" charset="0"/>
+              </a:rPr>
+              <a:t>593 non-microplastic</a:t>
+            </a:r>
+            <a:r>
+              <a:rPr lang="en-US" sz="2000">
+                <a:latin typeface="Times New Roman" panose="02020603050405020304" pitchFamily="18" charset="0"/>
+                <a:cs typeface="Times New Roman" panose="02020603050405020304" pitchFamily="18" charset="0"/>
+              </a:rPr>
+              <a:t> samples, demonstrating strong performance across both </a:t>
+            </a:r>
+            <a:r>
+              <a:rPr lang="en-US" sz="2000" smtClean="0">
+                <a:latin typeface="Times New Roman" panose="02020603050405020304" pitchFamily="18" charset="0"/>
+                <a:cs typeface="Times New Roman" panose="02020603050405020304" pitchFamily="18" charset="0"/>
+              </a:rPr>
+              <a:t>classes</a:t>
+            </a:r>
+          </a:p>
+          <a:p>
+            <a:pPr algn="just">
+              <a:buFont typeface="Wingdings" panose="05000000000000000000" pitchFamily="2" charset="2"/>
+              <a:buChar char="§"/>
+            </a:pPr>
+            <a:endParaRPr lang="en-US" sz="2000" smtClean="0">
+              <a:latin typeface="Times New Roman" panose="02020603050405020304" pitchFamily="18" charset="0"/>
+              <a:cs typeface="Times New Roman" panose="02020603050405020304" pitchFamily="18" charset="0"/>
+            </a:endParaRPr>
+          </a:p>
+          <a:p>
+            <a:pPr algn="just">
+              <a:buFont typeface="Wingdings" panose="05000000000000000000" pitchFamily="2" charset="2"/>
+              <a:buChar char="§"/>
+            </a:pPr>
+            <a:r>
+              <a:rPr lang="en-US" sz="2000">
+                <a:latin typeface="Times New Roman" panose="02020603050405020304" pitchFamily="18" charset="0"/>
+                <a:cs typeface="Times New Roman" panose="02020603050405020304" pitchFamily="18" charset="0"/>
+              </a:rPr>
+              <a:t>The high number of correct predictions indicates the model’s </a:t>
+            </a:r>
+            <a:r>
+              <a:rPr lang="en-US" sz="2000" b="1">
+                <a:latin typeface="Times New Roman" panose="02020603050405020304" pitchFamily="18" charset="0"/>
+                <a:cs typeface="Times New Roman" panose="02020603050405020304" pitchFamily="18" charset="0"/>
+              </a:rPr>
+              <a:t>balanced learning</a:t>
+            </a:r>
+            <a:r>
+              <a:rPr lang="en-US" sz="2000">
+                <a:latin typeface="Times New Roman" panose="02020603050405020304" pitchFamily="18" charset="0"/>
+                <a:cs typeface="Times New Roman" panose="02020603050405020304" pitchFamily="18" charset="0"/>
+              </a:rPr>
+              <a:t> without bias toward any single class</a:t>
+            </a:r>
+            <a:r>
+              <a:rPr lang="en-US" sz="2000" smtClean="0">
+                <a:latin typeface="Times New Roman" panose="02020603050405020304" pitchFamily="18" charset="0"/>
+                <a:cs typeface="Times New Roman" panose="02020603050405020304" pitchFamily="18" charset="0"/>
+              </a:rPr>
+              <a:t>.</a:t>
+            </a:r>
+          </a:p>
+          <a:p>
+            <a:pPr algn="just">
+              <a:buFont typeface="Wingdings" panose="05000000000000000000" pitchFamily="2" charset="2"/>
+              <a:buChar char="§"/>
+            </a:pPr>
+            <a:endParaRPr lang="en-US" sz="2000" smtClean="0">
+              <a:latin typeface="Times New Roman" panose="02020603050405020304" pitchFamily="18" charset="0"/>
+              <a:cs typeface="Times New Roman" panose="02020603050405020304" pitchFamily="18" charset="0"/>
+            </a:endParaRPr>
+          </a:p>
+          <a:p>
+            <a:pPr algn="just">
+              <a:buFont typeface="Wingdings" panose="05000000000000000000" pitchFamily="2" charset="2"/>
+              <a:buChar char="§"/>
+            </a:pPr>
+            <a:r>
+              <a:rPr lang="en-US" sz="2000">
+                <a:latin typeface="Times New Roman" panose="02020603050405020304" pitchFamily="18" charset="0"/>
+                <a:cs typeface="Times New Roman" panose="02020603050405020304" pitchFamily="18" charset="0"/>
+              </a:rPr>
+              <a:t>Only </a:t>
+            </a:r>
+            <a:r>
+              <a:rPr lang="en-US" sz="2000" b="1">
+                <a:latin typeface="Times New Roman" panose="02020603050405020304" pitchFamily="18" charset="0"/>
+                <a:cs typeface="Times New Roman" panose="02020603050405020304" pitchFamily="18" charset="0"/>
+              </a:rPr>
+              <a:t>75 false positives</a:t>
+            </a:r>
+            <a:r>
+              <a:rPr lang="en-US" sz="2000">
+                <a:latin typeface="Times New Roman" panose="02020603050405020304" pitchFamily="18" charset="0"/>
+                <a:cs typeface="Times New Roman" panose="02020603050405020304" pitchFamily="18" charset="0"/>
+              </a:rPr>
+              <a:t> and </a:t>
+            </a:r>
+            <a:r>
+              <a:rPr lang="en-US" sz="2000" b="1">
+                <a:latin typeface="Times New Roman" panose="02020603050405020304" pitchFamily="18" charset="0"/>
+                <a:cs typeface="Times New Roman" panose="02020603050405020304" pitchFamily="18" charset="0"/>
+              </a:rPr>
+              <a:t>35 false negatives</a:t>
+            </a:r>
+            <a:r>
+              <a:rPr lang="en-US" sz="2000">
+                <a:latin typeface="Times New Roman" panose="02020603050405020304" pitchFamily="18" charset="0"/>
+                <a:cs typeface="Times New Roman" panose="02020603050405020304" pitchFamily="18" charset="0"/>
+              </a:rPr>
+              <a:t> were observed, showing minimal classification errors</a:t>
+            </a:r>
+            <a:r>
+              <a:rPr lang="en-US" sz="2000" smtClean="0">
+                <a:latin typeface="Times New Roman" panose="02020603050405020304" pitchFamily="18" charset="0"/>
+                <a:cs typeface="Times New Roman" panose="02020603050405020304" pitchFamily="18" charset="0"/>
+              </a:rPr>
+              <a:t>.</a:t>
+            </a:r>
+          </a:p>
+          <a:p>
+            <a:pPr algn="just">
+              <a:buFont typeface="Wingdings" panose="05000000000000000000" pitchFamily="2" charset="2"/>
+              <a:buChar char="§"/>
+            </a:pPr>
+            <a:endParaRPr lang="en-US" sz="2000" smtClean="0">
+              <a:latin typeface="Times New Roman" panose="02020603050405020304" pitchFamily="18" charset="0"/>
+              <a:cs typeface="Times New Roman" panose="02020603050405020304" pitchFamily="18" charset="0"/>
+            </a:endParaRPr>
+          </a:p>
+          <a:p>
+            <a:pPr algn="just">
+              <a:buFont typeface="Wingdings" panose="05000000000000000000" pitchFamily="2" charset="2"/>
+              <a:buChar char="§"/>
+            </a:pPr>
+            <a:r>
+              <a:rPr lang="en-US" sz="2000">
+                <a:latin typeface="Times New Roman" panose="02020603050405020304" pitchFamily="18" charset="0"/>
+                <a:cs typeface="Times New Roman" panose="02020603050405020304" pitchFamily="18" charset="0"/>
+              </a:rPr>
+              <a:t>These results confirm the model’s </a:t>
+            </a:r>
+            <a:r>
+              <a:rPr lang="en-US" sz="2000" b="1">
+                <a:latin typeface="Times New Roman" panose="02020603050405020304" pitchFamily="18" charset="0"/>
+                <a:cs typeface="Times New Roman" panose="02020603050405020304" pitchFamily="18" charset="0"/>
+              </a:rPr>
+              <a:t>high reliability, consistency, and robustness</a:t>
+            </a:r>
+            <a:r>
+              <a:rPr lang="en-US" sz="2000">
+                <a:latin typeface="Times New Roman" panose="02020603050405020304" pitchFamily="18" charset="0"/>
+                <a:cs typeface="Times New Roman" panose="02020603050405020304" pitchFamily="18" charset="0"/>
+              </a:rPr>
+              <a:t> in microplastic detection.</a:t>
+            </a:r>
+          </a:p>
+        </p:txBody>
+      </p:sp>
+    </p:spTree>
+    <p:extLst>
+      <p:ext uri="{BB962C8B-B14F-4D97-AF65-F5344CB8AC3E}">
+        <p14:creationId xmlns:p14="http://schemas.microsoft.com/office/powerpoint/2010/main" val="3672309743"/>
+      </p:ext>
+    </p:extLst>
+  </p:cSld>
+  <p:clrMapOvr>
+    <a:masterClrMapping/>
+  </p:clrMapOvr>
+</p:sld>
+</file>
+
+<file path=ppt/slides/slide36.xml><?xml version="1.0" encoding="utf-8"?>
 <p:sld xmlns:a="http://schemas.openxmlformats.org/drawingml/2006/main" xmlns:r="http://schemas.openxmlformats.org/officeDocument/2006/relationships" xmlns:p="http://schemas.openxmlformats.org/presentationml/2006/main">
   <p:cSld>
     <p:spTree>
@@ -11358,7 +13808,7 @@
           <a:p>
             <a:fld id="{65DCBD69-296B-4D7C-AF62-9B588FC78772}" type="slidenum">
               <a:rPr lang="en-IN" smtClean="0"/>
-              <a:t>29</a:t>
+              <a:t>36</a:t>
             </a:fld>
             <a:endParaRPr lang="en-IN"/>
           </a:p>
@@ -11376,8 +13826,8 @@
         </p:nvSpPr>
         <p:spPr bwMode="auto">
           <a:xfrm>
-            <a:off x="466531" y="1774891"/>
-            <a:ext cx="11010123" cy="4016484"/>
+            <a:off x="590938" y="1625054"/>
+            <a:ext cx="11010123" cy="3226524"/>
           </a:xfrm>
           <a:prstGeom prst="rect">
             <a:avLst/>
@@ -11428,175 +13878,126 @@
             <a:pPr marL="0" indent="0">
               <a:buNone/>
             </a:pPr>
+            <a:endParaRPr lang="en-IN" sz="2000" b="1" smtClean="0">
+              <a:latin typeface="Times New Roman" panose="02020603050405020304" pitchFamily="18" charset="0"/>
+              <a:cs typeface="Times New Roman" panose="02020603050405020304" pitchFamily="18" charset="0"/>
+            </a:endParaRPr>
+          </a:p>
+          <a:p>
+            <a:pPr marL="0" indent="0">
+              <a:buNone/>
+            </a:pPr>
+            <a:r>
+              <a:rPr lang="en-IN" sz="2000" b="1" smtClean="0">
+                <a:latin typeface="Times New Roman" panose="02020603050405020304" pitchFamily="18" charset="0"/>
+                <a:cs typeface="Times New Roman" panose="02020603050405020304" pitchFamily="18" charset="0"/>
+              </a:rPr>
+              <a:t>CONCLUSION:</a:t>
+            </a:r>
+            <a:endParaRPr lang="en-IN" sz="2000" smtClean="0">
+              <a:latin typeface="Times New Roman" panose="02020603050405020304" pitchFamily="18" charset="0"/>
+              <a:cs typeface="Times New Roman" panose="02020603050405020304" pitchFamily="18" charset="0"/>
+            </a:endParaRPr>
+          </a:p>
+          <a:p>
+            <a:pPr>
+              <a:buFont typeface="Wingdings" panose="05000000000000000000" pitchFamily="2" charset="2"/>
+              <a:buChar char="§"/>
+            </a:pPr>
+            <a:r>
+              <a:rPr lang="en-IN" sz="2000" smtClean="0">
+                <a:latin typeface="Times New Roman" panose="02020603050405020304" pitchFamily="18" charset="0"/>
+                <a:cs typeface="Times New Roman" panose="02020603050405020304" pitchFamily="18" charset="0"/>
+              </a:rPr>
+              <a:t>Swin </a:t>
+            </a:r>
+            <a:r>
+              <a:rPr lang="en-IN" sz="2000" dirty="0">
+                <a:latin typeface="Times New Roman" panose="02020603050405020304" pitchFamily="18" charset="0"/>
+                <a:cs typeface="Times New Roman" panose="02020603050405020304" pitchFamily="18" charset="0"/>
+              </a:rPr>
+              <a:t>Transformer V2 successfully classifies holographic microplastics with </a:t>
+            </a:r>
             <a:r>
               <a:rPr lang="en-IN" sz="2000" b="1" dirty="0">
                 <a:latin typeface="Times New Roman" panose="02020603050405020304" pitchFamily="18" charset="0"/>
                 <a:cs typeface="Times New Roman" panose="02020603050405020304" pitchFamily="18" charset="0"/>
               </a:rPr>
-              <a:t>Conclusion:</a:t>
+              <a:t>91.65% accuracy</a:t>
+            </a:r>
+            <a:r>
+              <a:rPr lang="en-IN" sz="2000" dirty="0">
+                <a:latin typeface="Times New Roman" panose="02020603050405020304" pitchFamily="18" charset="0"/>
+                <a:cs typeface="Times New Roman" panose="02020603050405020304" pitchFamily="18" charset="0"/>
+              </a:rPr>
+              <a:t>.</a:t>
+            </a:r>
+          </a:p>
+          <a:p>
+            <a:pPr>
+              <a:buFont typeface="Wingdings" panose="05000000000000000000" pitchFamily="2" charset="2"/>
+              <a:buChar char="§"/>
+            </a:pPr>
+            <a:r>
+              <a:rPr lang="en-US" sz="2000"/>
+              <a:t>It outperforms traditional CNN-based models by approximately </a:t>
+            </a:r>
+            <a:r>
+              <a:rPr lang="en-US" sz="2000" b="1"/>
+              <a:t>6%</a:t>
+            </a:r>
+            <a:r>
+              <a:rPr lang="en-US" sz="2000"/>
+              <a:t>, highlighting the advantage of transformer-based architectures</a:t>
+            </a:r>
+            <a:r>
+              <a:rPr lang="en-US" sz="2000" smtClean="0"/>
+              <a:t>.</a:t>
+            </a:r>
+          </a:p>
+          <a:p>
+            <a:pPr>
+              <a:buFont typeface="Wingdings" panose="05000000000000000000" pitchFamily="2" charset="2"/>
+              <a:buChar char="§"/>
+            </a:pPr>
+            <a:r>
+              <a:rPr lang="en-US" sz="2000"/>
+              <a:t>Fusion of amplitude and phase images in </a:t>
+            </a:r>
+            <a:r>
+              <a:rPr lang="en-US" sz="2000" b="1"/>
+              <a:t>HSL color space</a:t>
+            </a:r>
+            <a:r>
+              <a:rPr lang="en-US" sz="2000"/>
+              <a:t> improves spatial and color feature representation</a:t>
+            </a:r>
+            <a:r>
+              <a:rPr lang="en-US" sz="2000" smtClean="0"/>
+              <a:t>.</a:t>
+            </a:r>
+          </a:p>
+          <a:p>
+            <a:pPr>
+              <a:buFont typeface="Wingdings" panose="05000000000000000000" pitchFamily="2" charset="2"/>
+              <a:buChar char="§"/>
+            </a:pPr>
+            <a:r>
+              <a:rPr lang="en-US" sz="2000"/>
+              <a:t>The results validate the </a:t>
+            </a:r>
+            <a:r>
+              <a:rPr lang="en-US" sz="2000" b="1"/>
+              <a:t>effectiveness and suitability of Vision Transformers</a:t>
+            </a:r>
+            <a:r>
+              <a:rPr lang="en-US" sz="2000"/>
+              <a:t> for automated and reliable environmental monitoring applications.</a:t>
             </a:r>
             <a:endParaRPr lang="en-IN" sz="2000" dirty="0">
               <a:latin typeface="Times New Roman" panose="02020603050405020304" pitchFamily="18" charset="0"/>
               <a:cs typeface="Times New Roman" panose="02020603050405020304" pitchFamily="18" charset="0"/>
             </a:endParaRPr>
-          </a:p>
-          <a:p>
-            <a:r>
-              <a:rPr lang="en-IN" sz="2000" dirty="0">
-                <a:latin typeface="Times New Roman" panose="02020603050405020304" pitchFamily="18" charset="0"/>
-                <a:cs typeface="Times New Roman" panose="02020603050405020304" pitchFamily="18" charset="0"/>
-              </a:rPr>
-              <a:t>Swin Transformer V2 successfully classifies holographic microplastics with </a:t>
-            </a:r>
-            <a:r>
-              <a:rPr lang="en-IN" sz="2000" b="1" dirty="0">
-                <a:latin typeface="Times New Roman" panose="02020603050405020304" pitchFamily="18" charset="0"/>
-                <a:cs typeface="Times New Roman" panose="02020603050405020304" pitchFamily="18" charset="0"/>
-              </a:rPr>
-              <a:t>91.65% accuracy</a:t>
-            </a:r>
-            <a:r>
-              <a:rPr lang="en-IN" sz="2000" dirty="0">
-                <a:latin typeface="Times New Roman" panose="02020603050405020304" pitchFamily="18" charset="0"/>
-                <a:cs typeface="Times New Roman" panose="02020603050405020304" pitchFamily="18" charset="0"/>
-              </a:rPr>
-              <a:t>.</a:t>
-            </a:r>
-          </a:p>
-          <a:p>
-            <a:r>
-              <a:rPr lang="en-IN" sz="2000" dirty="0">
-                <a:latin typeface="Times New Roman" panose="02020603050405020304" pitchFamily="18" charset="0"/>
-                <a:cs typeface="Times New Roman" panose="02020603050405020304" pitchFamily="18" charset="0"/>
-              </a:rPr>
-              <a:t>Outperforms traditional CNNs by ~6%.</a:t>
-            </a:r>
-          </a:p>
-          <a:p>
-            <a:r>
-              <a:rPr lang="en-IN" sz="2000" dirty="0">
-                <a:latin typeface="Times New Roman" panose="02020603050405020304" pitchFamily="18" charset="0"/>
-                <a:cs typeface="Times New Roman" panose="02020603050405020304" pitchFamily="18" charset="0"/>
-              </a:rPr>
-              <a:t>HSL fusion enhances spatial and </a:t>
-            </a:r>
-            <a:r>
-              <a:rPr lang="en-IN" sz="2000" dirty="0" err="1">
-                <a:latin typeface="Times New Roman" panose="02020603050405020304" pitchFamily="18" charset="0"/>
-                <a:cs typeface="Times New Roman" panose="02020603050405020304" pitchFamily="18" charset="0"/>
-              </a:rPr>
-              <a:t>color</a:t>
-            </a:r>
-            <a:r>
-              <a:rPr lang="en-IN" sz="2000" dirty="0">
-                <a:latin typeface="Times New Roman" panose="02020603050405020304" pitchFamily="18" charset="0"/>
-                <a:cs typeface="Times New Roman" panose="02020603050405020304" pitchFamily="18" charset="0"/>
-              </a:rPr>
-              <a:t> details.</a:t>
-            </a:r>
-          </a:p>
-          <a:p>
-            <a:r>
-              <a:rPr lang="en-IN" sz="2000" dirty="0">
-                <a:latin typeface="Times New Roman" panose="02020603050405020304" pitchFamily="18" charset="0"/>
-                <a:cs typeface="Times New Roman" panose="02020603050405020304" pitchFamily="18" charset="0"/>
-              </a:rPr>
-              <a:t>Demonstrates the </a:t>
-            </a:r>
-            <a:r>
-              <a:rPr lang="en-IN" sz="2000" b="1" dirty="0">
-                <a:latin typeface="Times New Roman" panose="02020603050405020304" pitchFamily="18" charset="0"/>
-                <a:cs typeface="Times New Roman" panose="02020603050405020304" pitchFamily="18" charset="0"/>
-              </a:rPr>
-              <a:t>potential of Vision Transformers for environmental AI</a:t>
-            </a:r>
-            <a:r>
-              <a:rPr lang="en-IN" sz="2000" dirty="0">
-                <a:latin typeface="Times New Roman" panose="02020603050405020304" pitchFamily="18" charset="0"/>
-                <a:cs typeface="Times New Roman" panose="02020603050405020304" pitchFamily="18" charset="0"/>
-              </a:rPr>
-              <a:t>.</a:t>
-            </a:r>
-          </a:p>
-          <a:p>
-            <a:pPr marL="0" indent="0">
-              <a:buNone/>
-            </a:pPr>
-            <a:r>
-              <a:rPr lang="en-IN" sz="2000" b="1" dirty="0">
-                <a:latin typeface="Times New Roman" panose="02020603050405020304" pitchFamily="18" charset="0"/>
-                <a:cs typeface="Times New Roman" panose="02020603050405020304" pitchFamily="18" charset="0"/>
-              </a:rPr>
-              <a:t>Future Scope:</a:t>
-            </a:r>
-            <a:endParaRPr lang="en-IN" sz="2000" dirty="0">
-              <a:latin typeface="Times New Roman" panose="02020603050405020304" pitchFamily="18" charset="0"/>
-              <a:cs typeface="Times New Roman" panose="02020603050405020304" pitchFamily="18" charset="0"/>
-            </a:endParaRPr>
-          </a:p>
-          <a:p>
-            <a:r>
-              <a:rPr lang="en-IN" sz="2000" dirty="0">
-                <a:latin typeface="Times New Roman" panose="02020603050405020304" pitchFamily="18" charset="0"/>
-                <a:cs typeface="Times New Roman" panose="02020603050405020304" pitchFamily="18" charset="0"/>
-              </a:rPr>
-              <a:t>Include diverse real-world microplastic types and water samples.</a:t>
-            </a:r>
-          </a:p>
-          <a:p>
-            <a:r>
-              <a:rPr lang="en-IN" sz="2000" dirty="0">
-                <a:latin typeface="Times New Roman" panose="02020603050405020304" pitchFamily="18" charset="0"/>
-                <a:cs typeface="Times New Roman" panose="02020603050405020304" pitchFamily="18" charset="0"/>
-              </a:rPr>
-              <a:t>Integrate into </a:t>
-            </a:r>
-            <a:r>
-              <a:rPr lang="en-IN" sz="2000" b="1" dirty="0">
-                <a:latin typeface="Times New Roman" panose="02020603050405020304" pitchFamily="18" charset="0"/>
-                <a:cs typeface="Times New Roman" panose="02020603050405020304" pitchFamily="18" charset="0"/>
-              </a:rPr>
-              <a:t>real-time field monitoring devices</a:t>
-            </a:r>
-            <a:r>
-              <a:rPr lang="en-IN" sz="2000" dirty="0">
-                <a:latin typeface="Times New Roman" panose="02020603050405020304" pitchFamily="18" charset="0"/>
-                <a:cs typeface="Times New Roman" panose="02020603050405020304" pitchFamily="18" charset="0"/>
-              </a:rPr>
-              <a:t>.</a:t>
-            </a:r>
-          </a:p>
-          <a:p>
-            <a:r>
-              <a:rPr lang="en-IN" sz="2000" dirty="0">
-                <a:latin typeface="Times New Roman" panose="02020603050405020304" pitchFamily="18" charset="0"/>
-                <a:cs typeface="Times New Roman" panose="02020603050405020304" pitchFamily="18" charset="0"/>
-              </a:rPr>
-              <a:t>Extend to </a:t>
-            </a:r>
-            <a:r>
-              <a:rPr lang="en-IN" sz="2000" b="1" dirty="0">
-                <a:latin typeface="Times New Roman" panose="02020603050405020304" pitchFamily="18" charset="0"/>
-                <a:cs typeface="Times New Roman" panose="02020603050405020304" pitchFamily="18" charset="0"/>
-              </a:rPr>
-              <a:t>multi-class microplastic categorization</a:t>
-            </a:r>
-            <a:r>
-              <a:rPr lang="en-IN" sz="2000" dirty="0">
-                <a:latin typeface="Times New Roman" panose="02020603050405020304" pitchFamily="18" charset="0"/>
-                <a:cs typeface="Times New Roman" panose="02020603050405020304" pitchFamily="18" charset="0"/>
-              </a:rPr>
-              <a:t>.</a:t>
-            </a:r>
-          </a:p>
-          <a:p>
-            <a:r>
-              <a:rPr lang="en-IN" sz="2000" dirty="0">
-                <a:latin typeface="Times New Roman" panose="02020603050405020304" pitchFamily="18" charset="0"/>
-                <a:cs typeface="Times New Roman" panose="02020603050405020304" pitchFamily="18" charset="0"/>
-              </a:rPr>
-              <a:t>Optimize for edge or IoT deployment.</a:t>
-            </a:r>
           </a:p>
         </p:txBody>
       </p:sp>
@@ -11613,7 +14014,7 @@
 </p:sld>
 </file>
 
-<file path=ppt/slides/slide3.xml><?xml version="1.0" encoding="utf-8"?>
+<file path=ppt/slides/slide37.xml><?xml version="1.0" encoding="utf-8"?>
 <p:sld xmlns:a="http://schemas.openxmlformats.org/drawingml/2006/main" xmlns:r="http://schemas.openxmlformats.org/officeDocument/2006/relationships" xmlns:p="http://schemas.openxmlformats.org/presentationml/2006/main">
   <p:cSld>
     <p:spTree>
@@ -11632,13 +14033,7 @@
       </p:grpSpPr>
       <p:sp>
         <p:nvSpPr>
-          <p:cNvPr id="8" name="Title 7">
-            <a:extLst>
-              <a:ext uri="{FF2B5EF4-FFF2-40B4-BE49-F238E27FC236}">
-                <a16:creationId xmlns:a16="http://schemas.microsoft.com/office/drawing/2014/main" xmlns="" id="{D45DB3B1-7702-A34D-B15A-E964B95D6FB5}"/>
-              </a:ext>
-            </a:extLst>
-          </p:cNvPr>
+          <p:cNvPr id="2" name="Title 1"/>
           <p:cNvSpPr>
             <a:spLocks noGrp="1"/>
           </p:cNvSpPr>
@@ -11648,36 +14043,29 @@
         </p:nvSpPr>
         <p:spPr>
           <a:xfrm>
-            <a:off x="1180618" y="365125"/>
-            <a:ext cx="10173182" cy="763879"/>
+            <a:off x="838200" y="785003"/>
+            <a:ext cx="10515600" cy="1325563"/>
           </a:xfrm>
         </p:spPr>
         <p:txBody>
-          <a:bodyPr>
-            <a:normAutofit/>
-          </a:bodyPr>
+          <a:bodyPr/>
           <a:lstStyle/>
           <a:p>
             <a:pPr algn="ctr"/>
             <a:r>
-              <a:rPr lang="en-US" b="1">
-                <a:latin typeface="Times New Roman" panose="02020603050405020304" pitchFamily="18" charset="0"/>
-                <a:cs typeface="Times New Roman" panose="02020603050405020304" pitchFamily="18" charset="0"/>
-              </a:rPr>
-              <a:t>ABSTRACT</a:t>
-            </a:r>
-          </a:p>
-        </p:txBody>
-      </p:sp>
-      <p:sp>
-        <p:nvSpPr>
-          <p:cNvPr id="5" name="Date Placeholder 4">
-            <a:extLst>
-              <a:ext uri="{FF2B5EF4-FFF2-40B4-BE49-F238E27FC236}">
-                <a16:creationId xmlns:a16="http://schemas.microsoft.com/office/drawing/2014/main" xmlns="" id="{BD5C2420-26C9-65B4-41BA-D5CA69721C05}"/>
-              </a:ext>
-            </a:extLst>
-          </p:cNvPr>
+              <a:rPr lang="en-IN" b="1" dirty="0">
+                <a:latin typeface="Times New Roman" panose="02020603050405020304" pitchFamily="18" charset="0"/>
+                <a:cs typeface="Times New Roman" panose="02020603050405020304" pitchFamily="18" charset="0"/>
+              </a:rPr>
+              <a:t>CONCLUSION &amp; FUTURE SCOPE</a:t>
+            </a:r>
+            <a:endParaRPr lang="en-IN" dirty="0"/>
+          </a:p>
+        </p:txBody>
+      </p:sp>
+      <p:sp>
+        <p:nvSpPr>
+          <p:cNvPr id="4" name="Date Placeholder 3"/>
           <p:cNvSpPr>
             <a:spLocks noGrp="1"/>
           </p:cNvSpPr>
@@ -11691,24 +14079,16 @@
           <a:lstStyle/>
           <a:p>
             <a:r>
-              <a:rPr lang="en-US" dirty="0">
-                <a:latin typeface="Times New Roman" panose="02020603050405020304" pitchFamily="18" charset="0"/>
-                <a:cs typeface="Times New Roman" panose="02020603050405020304" pitchFamily="18" charset="0"/>
-              </a:rPr>
-              <a:t>06-12-2025</a:t>
-            </a:r>
-          </a:p>
-        </p:txBody>
-      </p:sp>
-      <p:sp>
-        <p:nvSpPr>
-          <p:cNvPr id="6" name="Footer Placeholder 5">
-            <a:extLst>
-              <a:ext uri="{FF2B5EF4-FFF2-40B4-BE49-F238E27FC236}">
-                <a16:creationId xmlns:a16="http://schemas.microsoft.com/office/drawing/2014/main" xmlns="" id="{AE9B4454-96E6-70D8-1440-2142487397DF}"/>
-              </a:ext>
-            </a:extLst>
-          </p:cNvPr>
+              <a:rPr lang="en-US" dirty="0"/>
+              <a:t>05-12-2025</a:t>
+            </a:r>
+            <a:endParaRPr lang="en-IN" dirty="0"/>
+          </a:p>
+        </p:txBody>
+      </p:sp>
+      <p:sp>
+        <p:nvSpPr>
+          <p:cNvPr id="5" name="Footer Placeholder 4"/>
           <p:cNvSpPr>
             <a:spLocks noGrp="1"/>
           </p:cNvSpPr>
@@ -11722,24 +14102,16 @@
           <a:lstStyle/>
           <a:p>
             <a:r>
-              <a:rPr lang="en-US" dirty="0">
-                <a:latin typeface="Times New Roman" panose="02020603050405020304" pitchFamily="18" charset="0"/>
-                <a:cs typeface="Times New Roman" panose="02020603050405020304" pitchFamily="18" charset="0"/>
-              </a:rPr>
+              <a:rPr lang="en-US" dirty="0"/>
               <a:t>Review No. 02        Batch No. BG9           Department of CSE</a:t>
             </a:r>
-          </a:p>
-        </p:txBody>
-      </p:sp>
-      <p:sp>
-        <p:nvSpPr>
-          <p:cNvPr id="7" name="Slide Number Placeholder 6">
-            <a:extLst>
-              <a:ext uri="{FF2B5EF4-FFF2-40B4-BE49-F238E27FC236}">
-                <a16:creationId xmlns:a16="http://schemas.microsoft.com/office/drawing/2014/main" xmlns="" id="{5F827BAA-7E22-F268-D9DC-5E17D9155237}"/>
-              </a:ext>
-            </a:extLst>
-          </p:cNvPr>
+            <a:endParaRPr lang="en-IN" dirty="0"/>
+          </a:p>
+        </p:txBody>
+      </p:sp>
+      <p:sp>
+        <p:nvSpPr>
+          <p:cNvPr id="6" name="Slide Number Placeholder 5"/>
           <p:cNvSpPr>
             <a:spLocks noGrp="1"/>
           </p:cNvSpPr>
@@ -11752,98 +14124,243 @@
           <a:bodyPr/>
           <a:lstStyle/>
           <a:p>
-            <a:fld id="{B961B71F-4B40-8942-BB88-E0F5C0B46E10}" type="slidenum">
-              <a:rPr lang="en-US" smtClean="0">
-                <a:latin typeface="Times New Roman" panose="02020603050405020304" pitchFamily="18" charset="0"/>
-                <a:cs typeface="Times New Roman" panose="02020603050405020304" pitchFamily="18" charset="0"/>
-              </a:rPr>
-              <a:t>3</a:t>
+            <a:fld id="{65DCBD69-296B-4D7C-AF62-9B588FC78772}" type="slidenum">
+              <a:rPr lang="en-IN" smtClean="0"/>
+              <a:t>37</a:t>
             </a:fld>
-            <a:endParaRPr lang="en-US">
-              <a:latin typeface="Times New Roman" panose="02020603050405020304" pitchFamily="18" charset="0"/>
-              <a:cs typeface="Times New Roman" panose="02020603050405020304" pitchFamily="18" charset="0"/>
-            </a:endParaRPr>
-          </a:p>
-        </p:txBody>
-      </p:sp>
-      <p:sp>
-        <p:nvSpPr>
-          <p:cNvPr id="3" name="TextBox 2">
-            <a:extLst>
-              <a:ext uri="{FF2B5EF4-FFF2-40B4-BE49-F238E27FC236}">
-                <a16:creationId xmlns:a16="http://schemas.microsoft.com/office/drawing/2014/main" xmlns="" id="{BFF6D0F4-0F98-9A28-3386-CCCD30F7AD43}"/>
-              </a:ext>
-            </a:extLst>
-          </p:cNvPr>
-          <p:cNvSpPr txBox="1"/>
-          <p:nvPr/>
-        </p:nvSpPr>
-        <p:spPr>
+            <a:endParaRPr lang="en-IN"/>
+          </a:p>
+        </p:txBody>
+      </p:sp>
+      <p:sp>
+        <p:nvSpPr>
+          <p:cNvPr id="7" name="Rectangle 1"/>
+          <p:cNvSpPr>
+            <a:spLocks noGrp="1" noChangeArrowheads="1"/>
+          </p:cNvSpPr>
+          <p:nvPr>
+            <p:ph idx="1"/>
+          </p:nvPr>
+        </p:nvSpPr>
+        <p:spPr bwMode="auto">
           <a:xfrm>
-            <a:off x="933061" y="1010245"/>
-            <a:ext cx="10420739" cy="4524315"/>
+            <a:off x="590938" y="2110566"/>
+            <a:ext cx="11010123" cy="3077766"/>
           </a:xfrm>
           <a:prstGeom prst="rect">
             <a:avLst/>
           </a:prstGeom>
           <a:noFill/>
+          <a:ln>
+            <a:noFill/>
+          </a:ln>
+          <a:effectLst/>
+          <a:extLst>
+            <a:ext uri="{909E8E84-426E-40DD-AFC4-6F175D3DCCD1}">
+              <a14:hiddenFill xmlns:a14="http://schemas.microsoft.com/office/drawing/2010/main">
+                <a:solidFill>
+                  <a:schemeClr val="accent1"/>
+                </a:solidFill>
+              </a14:hiddenFill>
+            </a:ext>
+            <a:ext uri="{91240B29-F687-4F45-9708-019B960494DF}">
+              <a14:hiddenLine xmlns:a14="http://schemas.microsoft.com/office/drawing/2010/main" w="9525">
+                <a:solidFill>
+                  <a:schemeClr val="tx1"/>
+                </a:solidFill>
+                <a:miter lim="800000"/>
+                <a:headEnd/>
+                <a:tailEnd/>
+              </a14:hiddenLine>
+            </a:ext>
+            <a:ext uri="{AF507438-7753-43E0-B8FC-AC1667EBCBE1}">
+              <a14:hiddenEffects xmlns:a14="http://schemas.microsoft.com/office/drawing/2010/main">
+                <a:effectLst>
+                  <a:outerShdw dist="35921" dir="2700000" algn="ctr" rotWithShape="0">
+                    <a:schemeClr val="bg2"/>
+                  </a:outerShdw>
+                </a:effectLst>
+              </a14:hiddenEffects>
+            </a:ext>
+          </a:extLst>
         </p:spPr>
         <p:txBody>
-          <a:bodyPr wrap="square">
+          <a:bodyPr vert="horz" wrap="square" lIns="91440" tIns="45720" rIns="91440" bIns="45720" numCol="1" anchor="ctr" anchorCtr="0" compatLnSpc="1">
+            <a:prstTxWarp prst="textNoShape">
+              <a:avLst/>
+            </a:prstTxWarp>
             <a:spAutoFit/>
           </a:bodyPr>
           <a:lstStyle/>
           <a:p>
-            <a:pPr algn="just"/>
-            <a:endParaRPr lang="en-IN" sz="2400">
+            <a:pPr marL="0" indent="0">
+              <a:buNone/>
+            </a:pPr>
+            <a:endParaRPr lang="en-IN" sz="2000" b="1" smtClean="0">
               <a:latin typeface="Times New Roman" panose="02020603050405020304" pitchFamily="18" charset="0"/>
               <a:cs typeface="Times New Roman" panose="02020603050405020304" pitchFamily="18" charset="0"/>
             </a:endParaRPr>
           </a:p>
           <a:p>
-            <a:pPr algn="just"/>
-            <a:r>
-              <a:rPr lang="en-IN" sz="2400">
-                <a:latin typeface="Times New Roman" panose="02020603050405020304" pitchFamily="18" charset="0"/>
-                <a:cs typeface="Times New Roman" panose="02020603050405020304" pitchFamily="18" charset="0"/>
-              </a:rPr>
-              <a:t>Classifying microplastics with deep learning methods on integrated holographic images is more successful. By representing the microcosm along with its hologram phase and amplitude as an HSL </a:t>
-            </a:r>
-            <a:r>
-              <a:rPr lang="en-IN" sz="2400" err="1">
-                <a:latin typeface="Times New Roman" panose="02020603050405020304" pitchFamily="18" charset="0"/>
-                <a:cs typeface="Times New Roman" panose="02020603050405020304" pitchFamily="18" charset="0"/>
-              </a:rPr>
-              <a:t>color</a:t>
-            </a:r>
-            <a:r>
-              <a:rPr lang="en-IN" sz="2400">
-                <a:latin typeface="Times New Roman" panose="02020603050405020304" pitchFamily="18" charset="0"/>
-                <a:cs typeface="Times New Roman" panose="02020603050405020304" pitchFamily="18" charset="0"/>
-              </a:rPr>
-              <a:t> space, microplastic samples become rich in both spatial and </a:t>
-            </a:r>
-            <a:r>
-              <a:rPr lang="en-IN" sz="2400" err="1">
-                <a:latin typeface="Times New Roman" panose="02020603050405020304" pitchFamily="18" charset="0"/>
-                <a:cs typeface="Times New Roman" panose="02020603050405020304" pitchFamily="18" charset="0"/>
-              </a:rPr>
-              <a:t>color</a:t>
-            </a:r>
-            <a:r>
-              <a:rPr lang="en-IN" sz="2400">
-                <a:latin typeface="Times New Roman" panose="02020603050405020304" pitchFamily="18" charset="0"/>
-                <a:cs typeface="Times New Roman" panose="02020603050405020304" pitchFamily="18" charset="0"/>
-              </a:rPr>
-              <a:t> information. The Swin Transformer V2 which is famously known for its hierarchical utilization of self-attention and its success on minute and complex images, is chosen to perform exact classification. Results show the accuracy and F1-Score of 91.65% and 91.79%, respectively, thus reflecting a high level of true positive identification and good false positive avoidance. This study highlights the potential of vision transformers for environmental monitoring tasks and provides a framework for the automated microplastics detection via digital holography.</a:t>
-            </a:r>
+            <a:pPr marL="0" indent="0">
+              <a:buNone/>
+            </a:pPr>
+            <a:r>
+              <a:rPr lang="en-IN" sz="2000" b="1" smtClean="0">
+                <a:latin typeface="Times New Roman" panose="02020603050405020304" pitchFamily="18" charset="0"/>
+                <a:cs typeface="Times New Roman" panose="02020603050405020304" pitchFamily="18" charset="0"/>
+              </a:rPr>
+              <a:t>FUTURE SCOPE:</a:t>
+            </a:r>
+          </a:p>
+          <a:p>
+            <a:pPr marL="0" indent="0">
+              <a:buNone/>
+            </a:pPr>
+            <a:endParaRPr lang="en-IN" sz="2000" smtClean="0">
+              <a:latin typeface="Times New Roman" panose="02020603050405020304" pitchFamily="18" charset="0"/>
+              <a:cs typeface="Times New Roman" panose="02020603050405020304" pitchFamily="18" charset="0"/>
+            </a:endParaRPr>
+          </a:p>
+          <a:p>
+            <a:pPr>
+              <a:buFont typeface="Wingdings" panose="05000000000000000000" pitchFamily="2" charset="2"/>
+              <a:buChar char="§"/>
+            </a:pPr>
+            <a:r>
+              <a:rPr lang="en-US" sz="2000">
+                <a:latin typeface="Times New Roman" panose="02020603050405020304" pitchFamily="18" charset="0"/>
+                <a:cs typeface="Times New Roman" panose="02020603050405020304" pitchFamily="18" charset="0"/>
+              </a:rPr>
+              <a:t>Expand the dataset to include </a:t>
+            </a:r>
+            <a:r>
+              <a:rPr lang="en-US" sz="2000" b="1">
+                <a:latin typeface="Times New Roman" panose="02020603050405020304" pitchFamily="18" charset="0"/>
+                <a:cs typeface="Times New Roman" panose="02020603050405020304" pitchFamily="18" charset="0"/>
+              </a:rPr>
+              <a:t>diverse real-world microplastic types</a:t>
+            </a:r>
+            <a:r>
+              <a:rPr lang="en-US" sz="2000">
+                <a:latin typeface="Times New Roman" panose="02020603050405020304" pitchFamily="18" charset="0"/>
+                <a:cs typeface="Times New Roman" panose="02020603050405020304" pitchFamily="18" charset="0"/>
+              </a:rPr>
+              <a:t> and varied water samples</a:t>
+            </a:r>
+            <a:r>
+              <a:rPr lang="en-US" sz="2000" smtClean="0">
+                <a:latin typeface="Times New Roman" panose="02020603050405020304" pitchFamily="18" charset="0"/>
+                <a:cs typeface="Times New Roman" panose="02020603050405020304" pitchFamily="18" charset="0"/>
+              </a:rPr>
+              <a:t>.</a:t>
+            </a:r>
+          </a:p>
+          <a:p>
+            <a:pPr>
+              <a:buFont typeface="Wingdings" panose="05000000000000000000" pitchFamily="2" charset="2"/>
+              <a:buChar char="§"/>
+            </a:pPr>
+            <a:r>
+              <a:rPr lang="en-US" sz="2000">
+                <a:latin typeface="Times New Roman" panose="02020603050405020304" pitchFamily="18" charset="0"/>
+                <a:cs typeface="Times New Roman" panose="02020603050405020304" pitchFamily="18" charset="0"/>
+              </a:rPr>
+              <a:t>Integrate the proposed model into </a:t>
+            </a:r>
+            <a:r>
+              <a:rPr lang="en-US" sz="2000" b="1">
+                <a:latin typeface="Times New Roman" panose="02020603050405020304" pitchFamily="18" charset="0"/>
+                <a:cs typeface="Times New Roman" panose="02020603050405020304" pitchFamily="18" charset="0"/>
+              </a:rPr>
+              <a:t>real-time field monitoring systems</a:t>
+            </a:r>
+            <a:r>
+              <a:rPr lang="en-US" sz="2000">
+                <a:latin typeface="Times New Roman" panose="02020603050405020304" pitchFamily="18" charset="0"/>
+                <a:cs typeface="Times New Roman" panose="02020603050405020304" pitchFamily="18" charset="0"/>
+              </a:rPr>
+              <a:t> for on-site analysis</a:t>
+            </a:r>
+            <a:r>
+              <a:rPr lang="en-US" sz="2000" smtClean="0">
+                <a:latin typeface="Times New Roman" panose="02020603050405020304" pitchFamily="18" charset="0"/>
+                <a:cs typeface="Times New Roman" panose="02020603050405020304" pitchFamily="18" charset="0"/>
+              </a:rPr>
+              <a:t>.</a:t>
+            </a:r>
+          </a:p>
+          <a:p>
+            <a:pPr>
+              <a:buFont typeface="Wingdings" panose="05000000000000000000" pitchFamily="2" charset="2"/>
+              <a:buChar char="§"/>
+            </a:pPr>
+            <a:r>
+              <a:rPr lang="en-US" sz="2000">
+                <a:latin typeface="Times New Roman" panose="02020603050405020304" pitchFamily="18" charset="0"/>
+                <a:cs typeface="Times New Roman" panose="02020603050405020304" pitchFamily="18" charset="0"/>
+              </a:rPr>
+              <a:t>Extend the framework to support </a:t>
+            </a:r>
+            <a:r>
+              <a:rPr lang="en-US" sz="2000" b="1">
+                <a:latin typeface="Times New Roman" panose="02020603050405020304" pitchFamily="18" charset="0"/>
+                <a:cs typeface="Times New Roman" panose="02020603050405020304" pitchFamily="18" charset="0"/>
+              </a:rPr>
+              <a:t>multi-class classification</a:t>
+            </a:r>
+            <a:r>
+              <a:rPr lang="en-US" sz="2000">
+                <a:latin typeface="Times New Roman" panose="02020603050405020304" pitchFamily="18" charset="0"/>
+                <a:cs typeface="Times New Roman" panose="02020603050405020304" pitchFamily="18" charset="0"/>
+              </a:rPr>
+              <a:t> of different microplastic categories</a:t>
+            </a:r>
+            <a:r>
+              <a:rPr lang="en-US" sz="2000" smtClean="0">
+                <a:latin typeface="Times New Roman" panose="02020603050405020304" pitchFamily="18" charset="0"/>
+                <a:cs typeface="Times New Roman" panose="02020603050405020304" pitchFamily="18" charset="0"/>
+              </a:rPr>
+              <a:t>.</a:t>
+            </a:r>
+          </a:p>
+          <a:p>
+            <a:pPr>
+              <a:buFont typeface="Wingdings" panose="05000000000000000000" pitchFamily="2" charset="2"/>
+              <a:buChar char="§"/>
+            </a:pPr>
+            <a:r>
+              <a:rPr lang="en-US" sz="2000">
+                <a:latin typeface="Times New Roman" panose="02020603050405020304" pitchFamily="18" charset="0"/>
+                <a:cs typeface="Times New Roman" panose="02020603050405020304" pitchFamily="18" charset="0"/>
+              </a:rPr>
+              <a:t>Optimize the model for </a:t>
+            </a:r>
+            <a:r>
+              <a:rPr lang="en-US" sz="2000" b="1">
+                <a:latin typeface="Times New Roman" panose="02020603050405020304" pitchFamily="18" charset="0"/>
+                <a:cs typeface="Times New Roman" panose="02020603050405020304" pitchFamily="18" charset="0"/>
+              </a:rPr>
+              <a:t>edge and IoT-based deployment</a:t>
+            </a:r>
+            <a:r>
+              <a:rPr lang="en-US" sz="2000">
+                <a:latin typeface="Times New Roman" panose="02020603050405020304" pitchFamily="18" charset="0"/>
+                <a:cs typeface="Times New Roman" panose="02020603050405020304" pitchFamily="18" charset="0"/>
+              </a:rPr>
+              <a:t> to enable low-latency and energy-efficient operation.</a:t>
+            </a:r>
+            <a:endParaRPr lang="en-IN" sz="2000" dirty="0">
+              <a:latin typeface="Times New Roman" panose="02020603050405020304" pitchFamily="18" charset="0"/>
+              <a:cs typeface="Times New Roman" panose="02020603050405020304" pitchFamily="18" charset="0"/>
+            </a:endParaRPr>
           </a:p>
         </p:txBody>
       </p:sp>
     </p:spTree>
     <p:extLst>
       <p:ext uri="{BB962C8B-B14F-4D97-AF65-F5344CB8AC3E}">
-        <p14:creationId xmlns:p14="http://schemas.microsoft.com/office/powerpoint/2010/main" val="1369108918"/>
+        <p14:creationId xmlns:p14="http://schemas.microsoft.com/office/powerpoint/2010/main" val="2208945856"/>
       </p:ext>
     </p:extLst>
   </p:cSld>
@@ -11853,7 +14370,7 @@
 </p:sld>
 </file>
 
-<file path=ppt/slides/slide30.xml><?xml version="1.0" encoding="utf-8"?>
+<file path=ppt/slides/slide38.xml><?xml version="1.0" encoding="utf-8"?>
 <p:sld xmlns:a="http://schemas.openxmlformats.org/drawingml/2006/main" xmlns:r="http://schemas.openxmlformats.org/officeDocument/2006/relationships" xmlns:p="http://schemas.openxmlformats.org/presentationml/2006/main">
   <p:cSld>
     <p:spTree>
@@ -11968,7 +14485,7 @@
           <a:p>
             <a:fld id="{65DCBD69-296B-4D7C-AF62-9B588FC78772}" type="slidenum">
               <a:rPr lang="en-IN" smtClean="0"/>
-              <a:t>30</a:t>
+              <a:t>38</a:t>
             </a:fld>
             <a:endParaRPr lang="en-IN"/>
           </a:p>
@@ -12557,7 +15074,7 @@
 </p:sld>
 </file>
 
-<file path=ppt/slides/slide31.xml><?xml version="1.0" encoding="utf-8"?>
+<file path=ppt/slides/slide39.xml><?xml version="1.0" encoding="utf-8"?>
 <p:sld xmlns:a="http://schemas.openxmlformats.org/drawingml/2006/main" xmlns:r="http://schemas.openxmlformats.org/officeDocument/2006/relationships" xmlns:p="http://schemas.openxmlformats.org/presentationml/2006/main">
   <p:cSld>
     <p:spTree>
@@ -12826,7 +15343,7 @@
           <a:p>
             <a:fld id="{65DCBD69-296B-4D7C-AF62-9B588FC78772}" type="slidenum">
               <a:rPr lang="en-IN" smtClean="0"/>
-              <a:t>31</a:t>
+              <a:t>39</a:t>
             </a:fld>
             <a:endParaRPr lang="en-IN"/>
           </a:p>
@@ -12845,7 +15362,7 @@
 </p:sld>
 </file>
 
-<file path=ppt/slides/slide32.xml><?xml version="1.0" encoding="utf-8"?>
+<file path=ppt/slides/slide4.xml><?xml version="1.0" encoding="utf-8"?>
 <p:sld xmlns:a="http://schemas.openxmlformats.org/drawingml/2006/main" xmlns:r="http://schemas.openxmlformats.org/officeDocument/2006/relationships" xmlns:p="http://schemas.openxmlformats.org/presentationml/2006/main">
   <p:cSld>
     <p:spTree>
@@ -12864,6 +15381,188 @@
       </p:grpSpPr>
       <p:sp>
         <p:nvSpPr>
+          <p:cNvPr id="8" name="Title 7">
+            <a:extLst>
+              <a:ext uri="{FF2B5EF4-FFF2-40B4-BE49-F238E27FC236}">
+                <a16:creationId xmlns:a16="http://schemas.microsoft.com/office/drawing/2014/main" xmlns="" id="{D45DB3B1-7702-A34D-B15A-E964B95D6FB5}"/>
+              </a:ext>
+            </a:extLst>
+          </p:cNvPr>
+          <p:cNvSpPr>
+            <a:spLocks noGrp="1"/>
+          </p:cNvSpPr>
+          <p:nvPr>
+            <p:ph type="title"/>
+          </p:nvPr>
+        </p:nvSpPr>
+        <p:spPr>
+          <a:xfrm>
+            <a:off x="1180618" y="365125"/>
+            <a:ext cx="10173182" cy="1128009"/>
+          </a:xfrm>
+        </p:spPr>
+        <p:txBody>
+          <a:bodyPr/>
+          <a:lstStyle/>
+          <a:p>
+            <a:pPr algn="ctr"/>
+            <a:r>
+              <a:rPr lang="en-US" b="1">
+                <a:latin typeface="Times New Roman" panose="02020603050405020304" pitchFamily="18" charset="0"/>
+                <a:cs typeface="Times New Roman" panose="02020603050405020304" pitchFamily="18" charset="0"/>
+              </a:rPr>
+              <a:t>INTRODUCTION</a:t>
+            </a:r>
+          </a:p>
+        </p:txBody>
+      </p:sp>
+      <p:sp>
+        <p:nvSpPr>
+          <p:cNvPr id="9" name="Content Placeholder 8">
+            <a:extLst>
+              <a:ext uri="{FF2B5EF4-FFF2-40B4-BE49-F238E27FC236}">
+                <a16:creationId xmlns:a16="http://schemas.microsoft.com/office/drawing/2014/main" xmlns="" id="{0BAA4F36-AB00-F2C4-B47F-6381355DE604}"/>
+              </a:ext>
+            </a:extLst>
+          </p:cNvPr>
+          <p:cNvSpPr>
+            <a:spLocks noGrp="1"/>
+          </p:cNvSpPr>
+          <p:nvPr>
+            <p:ph idx="1"/>
+          </p:nvPr>
+        </p:nvSpPr>
+        <p:spPr>
+          <a:xfrm>
+            <a:off x="717630" y="1342664"/>
+            <a:ext cx="10636170" cy="4907666"/>
+          </a:xfrm>
+        </p:spPr>
+        <p:txBody>
+          <a:bodyPr>
+            <a:noAutofit/>
+          </a:bodyPr>
+          <a:lstStyle/>
+          <a:p>
+            <a:pPr marL="0" indent="0">
+              <a:lnSpc>
+                <a:spcPct val="130000"/>
+              </a:lnSpc>
+              <a:buNone/>
+            </a:pPr>
+            <a:r>
+              <a:rPr lang="en-US" sz="2000" b="1" smtClean="0"/>
+              <a:t>BRIEF OVERVIEW</a:t>
+            </a:r>
+            <a:endParaRPr lang="en-US" sz="2000" b="1"/>
+          </a:p>
+          <a:p>
+            <a:pPr>
+              <a:lnSpc>
+                <a:spcPct val="130000"/>
+              </a:lnSpc>
+              <a:buFont typeface="Wingdings" panose="05000000000000000000" pitchFamily="2" charset="2"/>
+              <a:buChar char="§"/>
+            </a:pPr>
+            <a:r>
+              <a:rPr lang="en-US" sz="2000">
+                <a:latin typeface="Times New Roman" panose="02020603050405020304" pitchFamily="18" charset="0"/>
+                <a:cs typeface="Times New Roman" panose="02020603050405020304" pitchFamily="18" charset="0"/>
+              </a:rPr>
+              <a:t>Microplastics are tiny plastic fragments (&lt;5 mm) generated from the degradation of larger plastic waste and industrial products</a:t>
+            </a:r>
+            <a:r>
+              <a:rPr lang="en-US" sz="2000" smtClean="0">
+                <a:latin typeface="Times New Roman" panose="02020603050405020304" pitchFamily="18" charset="0"/>
+                <a:cs typeface="Times New Roman" panose="02020603050405020304" pitchFamily="18" charset="0"/>
+              </a:rPr>
+              <a:t>.</a:t>
+            </a:r>
+          </a:p>
+          <a:p>
+            <a:pPr>
+              <a:lnSpc>
+                <a:spcPct val="130000"/>
+              </a:lnSpc>
+              <a:buFont typeface="Wingdings" panose="05000000000000000000" pitchFamily="2" charset="2"/>
+              <a:buChar char="§"/>
+            </a:pPr>
+            <a:r>
+              <a:rPr lang="en-US" sz="2000">
+                <a:latin typeface="Times New Roman" panose="02020603050405020304" pitchFamily="18" charset="0"/>
+                <a:cs typeface="Times New Roman" panose="02020603050405020304" pitchFamily="18" charset="0"/>
+              </a:rPr>
+              <a:t>These particles persist in </a:t>
+            </a:r>
+            <a:r>
+              <a:rPr lang="en-US" sz="2000" b="1">
+                <a:latin typeface="Times New Roman" panose="02020603050405020304" pitchFamily="18" charset="0"/>
+                <a:cs typeface="Times New Roman" panose="02020603050405020304" pitchFamily="18" charset="0"/>
+              </a:rPr>
+              <a:t>oceans, rivers, and drinking water</a:t>
+            </a:r>
+            <a:r>
+              <a:rPr lang="en-US" sz="2000">
+                <a:latin typeface="Times New Roman" panose="02020603050405020304" pitchFamily="18" charset="0"/>
+                <a:cs typeface="Times New Roman" panose="02020603050405020304" pitchFamily="18" charset="0"/>
+              </a:rPr>
+              <a:t>, posing serious risks to aquatic life and human health</a:t>
+            </a:r>
+            <a:r>
+              <a:rPr lang="en-US" sz="2000" smtClean="0">
+                <a:latin typeface="Times New Roman" panose="02020603050405020304" pitchFamily="18" charset="0"/>
+                <a:cs typeface="Times New Roman" panose="02020603050405020304" pitchFamily="18" charset="0"/>
+              </a:rPr>
+              <a:t>.</a:t>
+            </a:r>
+          </a:p>
+          <a:p>
+            <a:pPr>
+              <a:lnSpc>
+                <a:spcPct val="130000"/>
+              </a:lnSpc>
+              <a:buFont typeface="Wingdings" panose="05000000000000000000" pitchFamily="2" charset="2"/>
+              <a:buChar char="§"/>
+            </a:pPr>
+            <a:r>
+              <a:rPr lang="en-US" sz="2000">
+                <a:latin typeface="Times New Roman" panose="02020603050405020304" pitchFamily="18" charset="0"/>
+                <a:cs typeface="Times New Roman" panose="02020603050405020304" pitchFamily="18" charset="0"/>
+              </a:rPr>
+              <a:t>Manual detection methods are slow, labor-intensive, and inefficient for large-scale analysis</a:t>
+            </a:r>
+            <a:r>
+              <a:rPr lang="en-US" sz="2000" smtClean="0">
+                <a:latin typeface="Times New Roman" panose="02020603050405020304" pitchFamily="18" charset="0"/>
+                <a:cs typeface="Times New Roman" panose="02020603050405020304" pitchFamily="18" charset="0"/>
+              </a:rPr>
+              <a:t>.</a:t>
+            </a:r>
+          </a:p>
+          <a:p>
+            <a:pPr>
+              <a:lnSpc>
+                <a:spcPct val="130000"/>
+              </a:lnSpc>
+              <a:buFont typeface="Wingdings" panose="05000000000000000000" pitchFamily="2" charset="2"/>
+              <a:buChar char="§"/>
+            </a:pPr>
+            <a:r>
+              <a:rPr lang="en-US" sz="2000">
+                <a:latin typeface="Times New Roman" panose="02020603050405020304" pitchFamily="18" charset="0"/>
+                <a:cs typeface="Times New Roman" panose="02020603050405020304" pitchFamily="18" charset="0"/>
+              </a:rPr>
+              <a:t>Hence, automated deep learning techniques are required for accurate and efficient microplastic detection.</a:t>
+            </a:r>
+            <a:endParaRPr lang="en-US" sz="2000" b="1" smtClean="0">
+              <a:latin typeface="Times New Roman" panose="02020603050405020304" pitchFamily="18" charset="0"/>
+              <a:cs typeface="Times New Roman" panose="02020603050405020304" pitchFamily="18" charset="0"/>
+            </a:endParaRPr>
+          </a:p>
+        </p:txBody>
+      </p:sp>
+      <p:sp>
+        <p:nvSpPr>
           <p:cNvPr id="5" name="Date Placeholder 4">
             <a:extLst>
               <a:ext uri="{FF2B5EF4-FFF2-40B4-BE49-F238E27FC236}">
@@ -12950,7 +15649,134 @@
                 <a:latin typeface="Times New Roman" panose="02020603050405020304" pitchFamily="18" charset="0"/>
                 <a:cs typeface="Times New Roman" panose="02020603050405020304" pitchFamily="18" charset="0"/>
               </a:rPr>
-              <a:t>32</a:t>
+              <a:t>4</a:t>
+            </a:fld>
+            <a:endParaRPr lang="en-US">
+              <a:latin typeface="Times New Roman" panose="02020603050405020304" pitchFamily="18" charset="0"/>
+              <a:cs typeface="Times New Roman" panose="02020603050405020304" pitchFamily="18" charset="0"/>
+            </a:endParaRPr>
+          </a:p>
+        </p:txBody>
+      </p:sp>
+    </p:spTree>
+    <p:extLst>
+      <p:ext uri="{BB962C8B-B14F-4D97-AF65-F5344CB8AC3E}">
+        <p14:creationId xmlns:p14="http://schemas.microsoft.com/office/powerpoint/2010/main" val="3475754241"/>
+      </p:ext>
+    </p:extLst>
+  </p:cSld>
+  <p:clrMapOvr>
+    <a:masterClrMapping/>
+  </p:clrMapOvr>
+</p:sld>
+</file>
+
+<file path=ppt/slides/slide40.xml><?xml version="1.0" encoding="utf-8"?>
+<p:sld xmlns:a="http://schemas.openxmlformats.org/drawingml/2006/main" xmlns:r="http://schemas.openxmlformats.org/officeDocument/2006/relationships" xmlns:p="http://schemas.openxmlformats.org/presentationml/2006/main">
+  <p:cSld>
+    <p:spTree>
+      <p:nvGrpSpPr>
+        <p:cNvPr id="1" name=""/>
+        <p:cNvGrpSpPr/>
+        <p:nvPr/>
+      </p:nvGrpSpPr>
+      <p:grpSpPr>
+        <a:xfrm>
+          <a:off x="0" y="0"/>
+          <a:ext cx="0" cy="0"/>
+          <a:chOff x="0" y="0"/>
+          <a:chExt cx="0" cy="0"/>
+        </a:xfrm>
+      </p:grpSpPr>
+      <p:sp>
+        <p:nvSpPr>
+          <p:cNvPr id="5" name="Date Placeholder 4">
+            <a:extLst>
+              <a:ext uri="{FF2B5EF4-FFF2-40B4-BE49-F238E27FC236}">
+                <a16:creationId xmlns:a16="http://schemas.microsoft.com/office/drawing/2014/main" xmlns="" id="{BD5C2420-26C9-65B4-41BA-D5CA69721C05}"/>
+              </a:ext>
+            </a:extLst>
+          </p:cNvPr>
+          <p:cNvSpPr>
+            <a:spLocks noGrp="1"/>
+          </p:cNvSpPr>
+          <p:nvPr>
+            <p:ph type="dt" sz="half" idx="10"/>
+          </p:nvPr>
+        </p:nvSpPr>
+        <p:spPr/>
+        <p:txBody>
+          <a:bodyPr/>
+          <a:lstStyle/>
+          <a:p>
+            <a:r>
+              <a:rPr lang="en-US" dirty="0">
+                <a:latin typeface="Times New Roman" panose="02020603050405020304" pitchFamily="18" charset="0"/>
+                <a:cs typeface="Times New Roman" panose="02020603050405020304" pitchFamily="18" charset="0"/>
+              </a:rPr>
+              <a:t>06-12-2025</a:t>
+            </a:r>
+          </a:p>
+        </p:txBody>
+      </p:sp>
+      <p:sp>
+        <p:nvSpPr>
+          <p:cNvPr id="6" name="Footer Placeholder 5">
+            <a:extLst>
+              <a:ext uri="{FF2B5EF4-FFF2-40B4-BE49-F238E27FC236}">
+                <a16:creationId xmlns:a16="http://schemas.microsoft.com/office/drawing/2014/main" xmlns="" id="{AE9B4454-96E6-70D8-1440-2142487397DF}"/>
+              </a:ext>
+            </a:extLst>
+          </p:cNvPr>
+          <p:cNvSpPr>
+            <a:spLocks noGrp="1"/>
+          </p:cNvSpPr>
+          <p:nvPr>
+            <p:ph type="ftr" sz="quarter" idx="11"/>
+          </p:nvPr>
+        </p:nvSpPr>
+        <p:spPr/>
+        <p:txBody>
+          <a:bodyPr/>
+          <a:lstStyle/>
+          <a:p>
+            <a:r>
+              <a:rPr lang="en-US" dirty="0">
+                <a:latin typeface="Times New Roman" panose="02020603050405020304" pitchFamily="18" charset="0"/>
+                <a:cs typeface="Times New Roman" panose="02020603050405020304" pitchFamily="18" charset="0"/>
+              </a:rPr>
+              <a:t>Review No. 02        Batch No. BG9           Department of CSE</a:t>
+            </a:r>
+          </a:p>
+        </p:txBody>
+      </p:sp>
+      <p:sp>
+        <p:nvSpPr>
+          <p:cNvPr id="7" name="Slide Number Placeholder 6">
+            <a:extLst>
+              <a:ext uri="{FF2B5EF4-FFF2-40B4-BE49-F238E27FC236}">
+                <a16:creationId xmlns:a16="http://schemas.microsoft.com/office/drawing/2014/main" xmlns="" id="{5F827BAA-7E22-F268-D9DC-5E17D9155237}"/>
+              </a:ext>
+            </a:extLst>
+          </p:cNvPr>
+          <p:cNvSpPr>
+            <a:spLocks noGrp="1"/>
+          </p:cNvSpPr>
+          <p:nvPr>
+            <p:ph type="sldNum" sz="quarter" idx="12"/>
+          </p:nvPr>
+        </p:nvSpPr>
+        <p:spPr/>
+        <p:txBody>
+          <a:bodyPr/>
+          <a:lstStyle/>
+          <a:p>
+            <a:fld id="{B961B71F-4B40-8942-BB88-E0F5C0B46E10}" type="slidenum">
+              <a:rPr lang="en-US" smtClean="0">
+                <a:latin typeface="Times New Roman" panose="02020603050405020304" pitchFamily="18" charset="0"/>
+                <a:cs typeface="Times New Roman" panose="02020603050405020304" pitchFamily="18" charset="0"/>
+              </a:rPr>
+              <a:t>40</a:t>
             </a:fld>
             <a:endParaRPr lang="en-US">
               <a:latin typeface="Times New Roman" panose="02020603050405020304" pitchFamily="18" charset="0"/>
@@ -13002,335 +15828,6 @@
 </p:sld>
 </file>
 
-<file path=ppt/slides/slide4.xml><?xml version="1.0" encoding="utf-8"?>
-<p:sld xmlns:a="http://schemas.openxmlformats.org/drawingml/2006/main" xmlns:r="http://schemas.openxmlformats.org/officeDocument/2006/relationships" xmlns:p="http://schemas.openxmlformats.org/presentationml/2006/main">
-  <p:cSld>
-    <p:spTree>
-      <p:nvGrpSpPr>
-        <p:cNvPr id="1" name=""/>
-        <p:cNvGrpSpPr/>
-        <p:nvPr/>
-      </p:nvGrpSpPr>
-      <p:grpSpPr>
-        <a:xfrm>
-          <a:off x="0" y="0"/>
-          <a:ext cx="0" cy="0"/>
-          <a:chOff x="0" y="0"/>
-          <a:chExt cx="0" cy="0"/>
-        </a:xfrm>
-      </p:grpSpPr>
-      <p:sp>
-        <p:nvSpPr>
-          <p:cNvPr id="8" name="Title 7">
-            <a:extLst>
-              <a:ext uri="{FF2B5EF4-FFF2-40B4-BE49-F238E27FC236}">
-                <a16:creationId xmlns:a16="http://schemas.microsoft.com/office/drawing/2014/main" xmlns="" id="{D45DB3B1-7702-A34D-B15A-E964B95D6FB5}"/>
-              </a:ext>
-            </a:extLst>
-          </p:cNvPr>
-          <p:cNvSpPr>
-            <a:spLocks noGrp="1"/>
-          </p:cNvSpPr>
-          <p:nvPr>
-            <p:ph type="title"/>
-          </p:nvPr>
-        </p:nvSpPr>
-        <p:spPr>
-          <a:xfrm>
-            <a:off x="1180618" y="365125"/>
-            <a:ext cx="10173182" cy="1128009"/>
-          </a:xfrm>
-        </p:spPr>
-        <p:txBody>
-          <a:bodyPr/>
-          <a:lstStyle/>
-          <a:p>
-            <a:pPr algn="ctr"/>
-            <a:r>
-              <a:rPr lang="en-US" b="1">
-                <a:latin typeface="Times New Roman" panose="02020603050405020304" pitchFamily="18" charset="0"/>
-                <a:cs typeface="Times New Roman" panose="02020603050405020304" pitchFamily="18" charset="0"/>
-              </a:rPr>
-              <a:t>INTRODUCTION</a:t>
-            </a:r>
-          </a:p>
-        </p:txBody>
-      </p:sp>
-      <p:sp>
-        <p:nvSpPr>
-          <p:cNvPr id="9" name="Content Placeholder 8">
-            <a:extLst>
-              <a:ext uri="{FF2B5EF4-FFF2-40B4-BE49-F238E27FC236}">
-                <a16:creationId xmlns:a16="http://schemas.microsoft.com/office/drawing/2014/main" xmlns="" id="{0BAA4F36-AB00-F2C4-B47F-6381355DE604}"/>
-              </a:ext>
-            </a:extLst>
-          </p:cNvPr>
-          <p:cNvSpPr>
-            <a:spLocks noGrp="1"/>
-          </p:cNvSpPr>
-          <p:nvPr>
-            <p:ph idx="1"/>
-          </p:nvPr>
-        </p:nvSpPr>
-        <p:spPr>
-          <a:xfrm>
-            <a:off x="717630" y="1342664"/>
-            <a:ext cx="10636170" cy="4907666"/>
-          </a:xfrm>
-        </p:spPr>
-        <p:txBody>
-          <a:bodyPr>
-            <a:noAutofit/>
-          </a:bodyPr>
-          <a:lstStyle/>
-          <a:p>
-            <a:pPr>
-              <a:lnSpc>
-                <a:spcPct val="130000"/>
-              </a:lnSpc>
-              <a:buFont typeface="Wingdings" panose="05000000000000000000" pitchFamily="2" charset="2"/>
-              <a:buChar char="Ø"/>
-            </a:pPr>
-            <a:r>
-              <a:rPr lang="en-US" sz="2000" b="1" dirty="0">
-                <a:latin typeface="Times New Roman" panose="02020603050405020304" pitchFamily="18" charset="0"/>
-                <a:cs typeface="Times New Roman" panose="02020603050405020304" pitchFamily="18" charset="0"/>
-              </a:rPr>
-              <a:t>Brief Overview:</a:t>
-            </a:r>
-            <a:r>
-              <a:rPr lang="en-US" sz="2000" dirty="0">
-                <a:latin typeface="Times New Roman" panose="02020603050405020304" pitchFamily="18" charset="0"/>
-                <a:cs typeface="Times New Roman" panose="02020603050405020304" pitchFamily="18" charset="0"/>
-              </a:rPr>
-              <a:t/>
-            </a:r>
-            <a:br>
-              <a:rPr lang="en-US" sz="2000" dirty="0">
-                <a:latin typeface="Times New Roman" panose="02020603050405020304" pitchFamily="18" charset="0"/>
-                <a:cs typeface="Times New Roman" panose="02020603050405020304" pitchFamily="18" charset="0"/>
-              </a:rPr>
-            </a:br>
-            <a:r>
-              <a:rPr lang="en-US" sz="2000" dirty="0">
-                <a:latin typeface="Times New Roman" panose="02020603050405020304" pitchFamily="18" charset="0"/>
-                <a:cs typeface="Times New Roman" panose="02020603050405020304" pitchFamily="18" charset="0"/>
-              </a:rPr>
-              <a:t>Microplastics, formed from plastic waste, contaminate water bodies and harm ecosystems. Manual detection is slow and inefficient, demanding automated deep learning solutions. </a:t>
-            </a:r>
-          </a:p>
-          <a:p>
-            <a:pPr>
-              <a:lnSpc>
-                <a:spcPct val="130000"/>
-              </a:lnSpc>
-              <a:buFont typeface="Wingdings" panose="05000000000000000000" pitchFamily="2" charset="2"/>
-              <a:buChar char="Ø"/>
-            </a:pPr>
-            <a:r>
-              <a:rPr lang="en-US" sz="2000" b="1" dirty="0">
-                <a:latin typeface="Times New Roman" panose="02020603050405020304" pitchFamily="18" charset="0"/>
-                <a:cs typeface="Times New Roman" panose="02020603050405020304" pitchFamily="18" charset="0"/>
-              </a:rPr>
-              <a:t>Motivation:</a:t>
-            </a:r>
-            <a:r>
-              <a:rPr lang="en-US" sz="2000" dirty="0">
-                <a:latin typeface="Times New Roman" panose="02020603050405020304" pitchFamily="18" charset="0"/>
-                <a:cs typeface="Times New Roman" panose="02020603050405020304" pitchFamily="18" charset="0"/>
-              </a:rPr>
-              <a:t/>
-            </a:r>
-            <a:br>
-              <a:rPr lang="en-US" sz="2000" dirty="0">
-                <a:latin typeface="Times New Roman" panose="02020603050405020304" pitchFamily="18" charset="0"/>
-                <a:cs typeface="Times New Roman" panose="02020603050405020304" pitchFamily="18" charset="0"/>
-              </a:rPr>
-            </a:br>
-            <a:r>
-              <a:rPr lang="en-US" sz="2000" dirty="0">
-                <a:latin typeface="Times New Roman" panose="02020603050405020304" pitchFamily="18" charset="0"/>
-                <a:cs typeface="Times New Roman" panose="02020603050405020304" pitchFamily="18" charset="0"/>
-              </a:rPr>
-              <a:t>To improve accuracy and overcome CNN limitations, </a:t>
-            </a:r>
-            <a:r>
-              <a:rPr lang="en-US" sz="2000" b="1" dirty="0">
-                <a:latin typeface="Times New Roman" panose="02020603050405020304" pitchFamily="18" charset="0"/>
-                <a:cs typeface="Times New Roman" panose="02020603050405020304" pitchFamily="18" charset="0"/>
-              </a:rPr>
-              <a:t>Swin Transformer V2</a:t>
-            </a:r>
-            <a:r>
-              <a:rPr lang="en-US" sz="2000" dirty="0">
-                <a:latin typeface="Times New Roman" panose="02020603050405020304" pitchFamily="18" charset="0"/>
-                <a:cs typeface="Times New Roman" panose="02020603050405020304" pitchFamily="18" charset="0"/>
-              </a:rPr>
-              <a:t> is used for classifying complex holographic images through hierarchical attention.</a:t>
-            </a:r>
-          </a:p>
-          <a:p>
-            <a:pPr>
-              <a:lnSpc>
-                <a:spcPct val="130000"/>
-              </a:lnSpc>
-              <a:buFont typeface="Wingdings" panose="05000000000000000000" pitchFamily="2" charset="2"/>
-              <a:buChar char="Ø"/>
-            </a:pPr>
-            <a:r>
-              <a:rPr lang="en-US" sz="2000" b="1" dirty="0">
-                <a:latin typeface="Times New Roman" panose="02020603050405020304" pitchFamily="18" charset="0"/>
-                <a:cs typeface="Times New Roman" panose="02020603050405020304" pitchFamily="18" charset="0"/>
-              </a:rPr>
-              <a:t>Relevance:</a:t>
-            </a:r>
-            <a:r>
-              <a:rPr lang="en-US" sz="2000" dirty="0">
-                <a:latin typeface="Times New Roman" panose="02020603050405020304" pitchFamily="18" charset="0"/>
-                <a:cs typeface="Times New Roman" panose="02020603050405020304" pitchFamily="18" charset="0"/>
-              </a:rPr>
-              <a:t/>
-            </a:r>
-            <a:br>
-              <a:rPr lang="en-US" sz="2000" dirty="0">
-                <a:latin typeface="Times New Roman" panose="02020603050405020304" pitchFamily="18" charset="0"/>
-                <a:cs typeface="Times New Roman" panose="02020603050405020304" pitchFamily="18" charset="0"/>
-              </a:rPr>
-            </a:br>
-            <a:r>
-              <a:rPr lang="en-US" sz="2000" dirty="0">
-                <a:latin typeface="Times New Roman" panose="02020603050405020304" pitchFamily="18" charset="0"/>
-                <a:cs typeface="Times New Roman" panose="02020603050405020304" pitchFamily="18" charset="0"/>
-              </a:rPr>
-              <a:t>The fusion of amplitude and phase images in </a:t>
-            </a:r>
-            <a:r>
-              <a:rPr lang="en-US" sz="2000" b="1" dirty="0">
-                <a:latin typeface="Times New Roman" panose="02020603050405020304" pitchFamily="18" charset="0"/>
-                <a:cs typeface="Times New Roman" panose="02020603050405020304" pitchFamily="18" charset="0"/>
-              </a:rPr>
-              <a:t>HSL color space</a:t>
-            </a:r>
-            <a:r>
-              <a:rPr lang="en-US" sz="2000" dirty="0">
-                <a:latin typeface="Times New Roman" panose="02020603050405020304" pitchFamily="18" charset="0"/>
-                <a:cs typeface="Times New Roman" panose="02020603050405020304" pitchFamily="18" charset="0"/>
-              </a:rPr>
-              <a:t> enables precise microplastic detection, supporting real-time environmental monitoring.</a:t>
-            </a:r>
-          </a:p>
-        </p:txBody>
-      </p:sp>
-      <p:sp>
-        <p:nvSpPr>
-          <p:cNvPr id="5" name="Date Placeholder 4">
-            <a:extLst>
-              <a:ext uri="{FF2B5EF4-FFF2-40B4-BE49-F238E27FC236}">
-                <a16:creationId xmlns:a16="http://schemas.microsoft.com/office/drawing/2014/main" xmlns="" id="{BD5C2420-26C9-65B4-41BA-D5CA69721C05}"/>
-              </a:ext>
-            </a:extLst>
-          </p:cNvPr>
-          <p:cNvSpPr>
-            <a:spLocks noGrp="1"/>
-          </p:cNvSpPr>
-          <p:nvPr>
-            <p:ph type="dt" sz="half" idx="10"/>
-          </p:nvPr>
-        </p:nvSpPr>
-        <p:spPr/>
-        <p:txBody>
-          <a:bodyPr/>
-          <a:lstStyle/>
-          <a:p>
-            <a:r>
-              <a:rPr lang="en-US" dirty="0">
-                <a:latin typeface="Times New Roman" panose="02020603050405020304" pitchFamily="18" charset="0"/>
-                <a:cs typeface="Times New Roman" panose="02020603050405020304" pitchFamily="18" charset="0"/>
-              </a:rPr>
-              <a:t>06-12-2025</a:t>
-            </a:r>
-          </a:p>
-        </p:txBody>
-      </p:sp>
-      <p:sp>
-        <p:nvSpPr>
-          <p:cNvPr id="6" name="Footer Placeholder 5">
-            <a:extLst>
-              <a:ext uri="{FF2B5EF4-FFF2-40B4-BE49-F238E27FC236}">
-                <a16:creationId xmlns:a16="http://schemas.microsoft.com/office/drawing/2014/main" xmlns="" id="{AE9B4454-96E6-70D8-1440-2142487397DF}"/>
-              </a:ext>
-            </a:extLst>
-          </p:cNvPr>
-          <p:cNvSpPr>
-            <a:spLocks noGrp="1"/>
-          </p:cNvSpPr>
-          <p:nvPr>
-            <p:ph type="ftr" sz="quarter" idx="11"/>
-          </p:nvPr>
-        </p:nvSpPr>
-        <p:spPr/>
-        <p:txBody>
-          <a:bodyPr/>
-          <a:lstStyle/>
-          <a:p>
-            <a:r>
-              <a:rPr lang="en-US" dirty="0">
-                <a:latin typeface="Times New Roman" panose="02020603050405020304" pitchFamily="18" charset="0"/>
-                <a:cs typeface="Times New Roman" panose="02020603050405020304" pitchFamily="18" charset="0"/>
-              </a:rPr>
-              <a:t>Review No. 02        Batch No. BG9           Department of CSE</a:t>
-            </a:r>
-          </a:p>
-        </p:txBody>
-      </p:sp>
-      <p:sp>
-        <p:nvSpPr>
-          <p:cNvPr id="7" name="Slide Number Placeholder 6">
-            <a:extLst>
-              <a:ext uri="{FF2B5EF4-FFF2-40B4-BE49-F238E27FC236}">
-                <a16:creationId xmlns:a16="http://schemas.microsoft.com/office/drawing/2014/main" xmlns="" id="{5F827BAA-7E22-F268-D9DC-5E17D9155237}"/>
-              </a:ext>
-            </a:extLst>
-          </p:cNvPr>
-          <p:cNvSpPr>
-            <a:spLocks noGrp="1"/>
-          </p:cNvSpPr>
-          <p:nvPr>
-            <p:ph type="sldNum" sz="quarter" idx="12"/>
-          </p:nvPr>
-        </p:nvSpPr>
-        <p:spPr/>
-        <p:txBody>
-          <a:bodyPr/>
-          <a:lstStyle/>
-          <a:p>
-            <a:fld id="{B961B71F-4B40-8942-BB88-E0F5C0B46E10}" type="slidenum">
-              <a:rPr lang="en-US" smtClean="0">
-                <a:latin typeface="Times New Roman" panose="02020603050405020304" pitchFamily="18" charset="0"/>
-                <a:cs typeface="Times New Roman" panose="02020603050405020304" pitchFamily="18" charset="0"/>
-              </a:rPr>
-              <a:t>4</a:t>
-            </a:fld>
-            <a:endParaRPr lang="en-US">
-              <a:latin typeface="Times New Roman" panose="02020603050405020304" pitchFamily="18" charset="0"/>
-              <a:cs typeface="Times New Roman" panose="02020603050405020304" pitchFamily="18" charset="0"/>
-            </a:endParaRPr>
-          </a:p>
-        </p:txBody>
-      </p:sp>
-    </p:spTree>
-    <p:extLst>
-      <p:ext uri="{BB962C8B-B14F-4D97-AF65-F5344CB8AC3E}">
-        <p14:creationId xmlns:p14="http://schemas.microsoft.com/office/powerpoint/2010/main" val="3475754241"/>
-      </p:ext>
-    </p:extLst>
-  </p:cSld>
-  <p:clrMapOvr>
-    <a:masterClrMapping/>
-  </p:clrMapOvr>
-</p:sld>
-</file>
-
 <file path=ppt/slides/slide5.xml><?xml version="1.0" encoding="utf-8"?>
 <p:sld xmlns:a="http://schemas.openxmlformats.org/drawingml/2006/main" xmlns:r="http://schemas.openxmlformats.org/officeDocument/2006/relationships" xmlns:p="http://schemas.openxmlformats.org/presentationml/2006/main">
   <p:cSld>
@@ -13366,14 +15863,12 @@
         </p:nvSpPr>
         <p:spPr>
           <a:xfrm>
-            <a:off x="1180618" y="665174"/>
-            <a:ext cx="10173182" cy="562154"/>
+            <a:off x="1180618" y="365125"/>
+            <a:ext cx="10173182" cy="1128009"/>
           </a:xfrm>
         </p:spPr>
         <p:txBody>
-          <a:bodyPr>
-            <a:normAutofit fontScale="90000"/>
-          </a:bodyPr>
+          <a:bodyPr/>
           <a:lstStyle/>
           <a:p>
             <a:pPr algn="ctr"/>
@@ -13382,7 +15877,7 @@
                 <a:latin typeface="Times New Roman" panose="02020603050405020304" pitchFamily="18" charset="0"/>
                 <a:cs typeface="Times New Roman" panose="02020603050405020304" pitchFamily="18" charset="0"/>
               </a:rPr>
-              <a:t>LITERATURE SURVEY</a:t>
+              <a:t>INTRODUCTION</a:t>
             </a:r>
           </a:p>
         </p:txBody>
@@ -13403,6 +15898,714 @@
             <p:ph idx="1"/>
           </p:nvPr>
         </p:nvSpPr>
+        <p:spPr>
+          <a:xfrm>
+            <a:off x="717630" y="1342664"/>
+            <a:ext cx="10636170" cy="4907666"/>
+          </a:xfrm>
+        </p:spPr>
+        <p:txBody>
+          <a:bodyPr>
+            <a:noAutofit/>
+          </a:bodyPr>
+          <a:lstStyle/>
+          <a:p>
+            <a:pPr marL="0" indent="0">
+              <a:lnSpc>
+                <a:spcPct val="130000"/>
+              </a:lnSpc>
+              <a:buNone/>
+            </a:pPr>
+            <a:r>
+              <a:rPr lang="en-US" sz="2000" b="1" smtClean="0">
+                <a:latin typeface="Times New Roman" panose="02020603050405020304" pitchFamily="18" charset="0"/>
+                <a:cs typeface="Times New Roman" panose="02020603050405020304" pitchFamily="18" charset="0"/>
+              </a:rPr>
+              <a:t>MOTIVATION</a:t>
+            </a:r>
+            <a:endParaRPr lang="en-US" sz="2000" smtClean="0">
+              <a:latin typeface="Times New Roman" panose="02020603050405020304" pitchFamily="18" charset="0"/>
+              <a:cs typeface="Times New Roman" panose="02020603050405020304" pitchFamily="18" charset="0"/>
+            </a:endParaRPr>
+          </a:p>
+          <a:p>
+            <a:pPr>
+              <a:lnSpc>
+                <a:spcPct val="130000"/>
+              </a:lnSpc>
+              <a:buFont typeface="Wingdings" panose="05000000000000000000" pitchFamily="2" charset="2"/>
+              <a:buChar char="§"/>
+            </a:pPr>
+            <a:r>
+              <a:rPr lang="en-US" sz="2000">
+                <a:latin typeface="Times New Roman" panose="02020603050405020304" pitchFamily="18" charset="0"/>
+                <a:cs typeface="Times New Roman" panose="02020603050405020304" pitchFamily="18" charset="0"/>
+              </a:rPr>
+              <a:t>Conventional CNN models struggle to capture </a:t>
+            </a:r>
+            <a:r>
+              <a:rPr lang="en-US" sz="2000" b="1">
+                <a:latin typeface="Times New Roman" panose="02020603050405020304" pitchFamily="18" charset="0"/>
+                <a:cs typeface="Times New Roman" panose="02020603050405020304" pitchFamily="18" charset="0"/>
+              </a:rPr>
+              <a:t>global contextual information</a:t>
+            </a:r>
+            <a:r>
+              <a:rPr lang="en-US" sz="2000">
+                <a:latin typeface="Times New Roman" panose="02020603050405020304" pitchFamily="18" charset="0"/>
+                <a:cs typeface="Times New Roman" panose="02020603050405020304" pitchFamily="18" charset="0"/>
+              </a:rPr>
+              <a:t> present in holographic microplastic images</a:t>
+            </a:r>
+            <a:r>
+              <a:rPr lang="en-US" sz="2000" smtClean="0">
+                <a:latin typeface="Times New Roman" panose="02020603050405020304" pitchFamily="18" charset="0"/>
+                <a:cs typeface="Times New Roman" panose="02020603050405020304" pitchFamily="18" charset="0"/>
+              </a:rPr>
+              <a:t>.</a:t>
+            </a:r>
+          </a:p>
+          <a:p>
+            <a:pPr>
+              <a:lnSpc>
+                <a:spcPct val="130000"/>
+              </a:lnSpc>
+              <a:buFont typeface="Wingdings" panose="05000000000000000000" pitchFamily="2" charset="2"/>
+              <a:buChar char="§"/>
+            </a:pPr>
+            <a:r>
+              <a:rPr lang="en-US" sz="2000">
+                <a:latin typeface="Times New Roman" panose="02020603050405020304" pitchFamily="18" charset="0"/>
+                <a:cs typeface="Times New Roman" panose="02020603050405020304" pitchFamily="18" charset="0"/>
+              </a:rPr>
+              <a:t>Swin Transformer V2 can capture both </a:t>
+            </a:r>
+            <a:r>
+              <a:rPr lang="en-US" sz="2000" b="1">
+                <a:latin typeface="Times New Roman" panose="02020603050405020304" pitchFamily="18" charset="0"/>
+                <a:cs typeface="Times New Roman" panose="02020603050405020304" pitchFamily="18" charset="0"/>
+              </a:rPr>
+              <a:t>local and global features</a:t>
+            </a:r>
+            <a:r>
+              <a:rPr lang="en-US" sz="2000">
+                <a:latin typeface="Times New Roman" panose="02020603050405020304" pitchFamily="18" charset="0"/>
+                <a:cs typeface="Times New Roman" panose="02020603050405020304" pitchFamily="18" charset="0"/>
+              </a:rPr>
+              <a:t> effectively</a:t>
+            </a:r>
+            <a:r>
+              <a:rPr lang="en-US" sz="2000" smtClean="0">
+                <a:latin typeface="Times New Roman" panose="02020603050405020304" pitchFamily="18" charset="0"/>
+                <a:cs typeface="Times New Roman" panose="02020603050405020304" pitchFamily="18" charset="0"/>
+              </a:rPr>
+              <a:t>.</a:t>
+            </a:r>
+          </a:p>
+          <a:p>
+            <a:pPr>
+              <a:lnSpc>
+                <a:spcPct val="130000"/>
+              </a:lnSpc>
+              <a:buFont typeface="Wingdings" panose="05000000000000000000" pitchFamily="2" charset="2"/>
+              <a:buChar char="§"/>
+            </a:pPr>
+            <a:r>
+              <a:rPr lang="en-US" sz="2000">
+                <a:latin typeface="Times New Roman" panose="02020603050405020304" pitchFamily="18" charset="0"/>
+                <a:cs typeface="Times New Roman" panose="02020603050405020304" pitchFamily="18" charset="0"/>
+              </a:rPr>
+              <a:t>Hierarchical attention improves </a:t>
+            </a:r>
+            <a:r>
+              <a:rPr lang="en-US" sz="2000" b="1">
+                <a:latin typeface="Times New Roman" panose="02020603050405020304" pitchFamily="18" charset="0"/>
+                <a:cs typeface="Times New Roman" panose="02020603050405020304" pitchFamily="18" charset="0"/>
+              </a:rPr>
+              <a:t>feature learning and classification accuracy</a:t>
+            </a:r>
+            <a:r>
+              <a:rPr lang="en-US" sz="2000" smtClean="0">
+                <a:latin typeface="Times New Roman" panose="02020603050405020304" pitchFamily="18" charset="0"/>
+                <a:cs typeface="Times New Roman" panose="02020603050405020304" pitchFamily="18" charset="0"/>
+              </a:rPr>
+              <a:t>.</a:t>
+            </a:r>
+          </a:p>
+          <a:p>
+            <a:pPr>
+              <a:lnSpc>
+                <a:spcPct val="130000"/>
+              </a:lnSpc>
+              <a:buFont typeface="Wingdings" panose="05000000000000000000" pitchFamily="2" charset="2"/>
+              <a:buChar char="§"/>
+            </a:pPr>
+            <a:r>
+              <a:rPr lang="en-US" sz="2000">
+                <a:latin typeface="Times New Roman" panose="02020603050405020304" pitchFamily="18" charset="0"/>
+                <a:cs typeface="Times New Roman" panose="02020603050405020304" pitchFamily="18" charset="0"/>
+              </a:rPr>
+              <a:t>This motivation supports the need for a </a:t>
+            </a:r>
+            <a:r>
+              <a:rPr lang="en-US" sz="2000" b="1">
+                <a:latin typeface="Times New Roman" panose="02020603050405020304" pitchFamily="18" charset="0"/>
+                <a:cs typeface="Times New Roman" panose="02020603050405020304" pitchFamily="18" charset="0"/>
+              </a:rPr>
+              <a:t>scalable and high-performance framework</a:t>
+            </a:r>
+            <a:r>
+              <a:rPr lang="en-US" sz="2000">
+                <a:latin typeface="Times New Roman" panose="02020603050405020304" pitchFamily="18" charset="0"/>
+                <a:cs typeface="Times New Roman" panose="02020603050405020304" pitchFamily="18" charset="0"/>
+              </a:rPr>
+              <a:t> suitable for real-time environmental monitoring.</a:t>
+            </a:r>
+            <a:endParaRPr lang="en-US" sz="2000" dirty="0">
+              <a:latin typeface="Times New Roman" panose="02020603050405020304" pitchFamily="18" charset="0"/>
+              <a:cs typeface="Times New Roman" panose="02020603050405020304" pitchFamily="18" charset="0"/>
+            </a:endParaRPr>
+          </a:p>
+        </p:txBody>
+      </p:sp>
+      <p:sp>
+        <p:nvSpPr>
+          <p:cNvPr id="5" name="Date Placeholder 4">
+            <a:extLst>
+              <a:ext uri="{FF2B5EF4-FFF2-40B4-BE49-F238E27FC236}">
+                <a16:creationId xmlns:a16="http://schemas.microsoft.com/office/drawing/2014/main" xmlns="" id="{BD5C2420-26C9-65B4-41BA-D5CA69721C05}"/>
+              </a:ext>
+            </a:extLst>
+          </p:cNvPr>
+          <p:cNvSpPr>
+            <a:spLocks noGrp="1"/>
+          </p:cNvSpPr>
+          <p:nvPr>
+            <p:ph type="dt" sz="half" idx="10"/>
+          </p:nvPr>
+        </p:nvSpPr>
+        <p:spPr/>
+        <p:txBody>
+          <a:bodyPr/>
+          <a:lstStyle/>
+          <a:p>
+            <a:r>
+              <a:rPr lang="en-US" dirty="0">
+                <a:latin typeface="Times New Roman" panose="02020603050405020304" pitchFamily="18" charset="0"/>
+                <a:cs typeface="Times New Roman" panose="02020603050405020304" pitchFamily="18" charset="0"/>
+              </a:rPr>
+              <a:t>06-12-2025</a:t>
+            </a:r>
+          </a:p>
+        </p:txBody>
+      </p:sp>
+      <p:sp>
+        <p:nvSpPr>
+          <p:cNvPr id="6" name="Footer Placeholder 5">
+            <a:extLst>
+              <a:ext uri="{FF2B5EF4-FFF2-40B4-BE49-F238E27FC236}">
+                <a16:creationId xmlns:a16="http://schemas.microsoft.com/office/drawing/2014/main" xmlns="" id="{AE9B4454-96E6-70D8-1440-2142487397DF}"/>
+              </a:ext>
+            </a:extLst>
+          </p:cNvPr>
+          <p:cNvSpPr>
+            <a:spLocks noGrp="1"/>
+          </p:cNvSpPr>
+          <p:nvPr>
+            <p:ph type="ftr" sz="quarter" idx="11"/>
+          </p:nvPr>
+        </p:nvSpPr>
+        <p:spPr/>
+        <p:txBody>
+          <a:bodyPr/>
+          <a:lstStyle/>
+          <a:p>
+            <a:r>
+              <a:rPr lang="en-US" dirty="0">
+                <a:latin typeface="Times New Roman" panose="02020603050405020304" pitchFamily="18" charset="0"/>
+                <a:cs typeface="Times New Roman" panose="02020603050405020304" pitchFamily="18" charset="0"/>
+              </a:rPr>
+              <a:t>Review No. 02        Batch No. BG9           Department of CSE</a:t>
+            </a:r>
+          </a:p>
+        </p:txBody>
+      </p:sp>
+      <p:sp>
+        <p:nvSpPr>
+          <p:cNvPr id="7" name="Slide Number Placeholder 6">
+            <a:extLst>
+              <a:ext uri="{FF2B5EF4-FFF2-40B4-BE49-F238E27FC236}">
+                <a16:creationId xmlns:a16="http://schemas.microsoft.com/office/drawing/2014/main" xmlns="" id="{5F827BAA-7E22-F268-D9DC-5E17D9155237}"/>
+              </a:ext>
+            </a:extLst>
+          </p:cNvPr>
+          <p:cNvSpPr>
+            <a:spLocks noGrp="1"/>
+          </p:cNvSpPr>
+          <p:nvPr>
+            <p:ph type="sldNum" sz="quarter" idx="12"/>
+          </p:nvPr>
+        </p:nvSpPr>
+        <p:spPr/>
+        <p:txBody>
+          <a:bodyPr/>
+          <a:lstStyle/>
+          <a:p>
+            <a:fld id="{B961B71F-4B40-8942-BB88-E0F5C0B46E10}" type="slidenum">
+              <a:rPr lang="en-US" smtClean="0">
+                <a:latin typeface="Times New Roman" panose="02020603050405020304" pitchFamily="18" charset="0"/>
+                <a:cs typeface="Times New Roman" panose="02020603050405020304" pitchFamily="18" charset="0"/>
+              </a:rPr>
+              <a:t>5</a:t>
+            </a:fld>
+            <a:endParaRPr lang="en-US">
+              <a:latin typeface="Times New Roman" panose="02020603050405020304" pitchFamily="18" charset="0"/>
+              <a:cs typeface="Times New Roman" panose="02020603050405020304" pitchFamily="18" charset="0"/>
+            </a:endParaRPr>
+          </a:p>
+        </p:txBody>
+      </p:sp>
+    </p:spTree>
+    <p:extLst>
+      <p:ext uri="{BB962C8B-B14F-4D97-AF65-F5344CB8AC3E}">
+        <p14:creationId xmlns:p14="http://schemas.microsoft.com/office/powerpoint/2010/main" val="3802197316"/>
+      </p:ext>
+    </p:extLst>
+  </p:cSld>
+  <p:clrMapOvr>
+    <a:masterClrMapping/>
+  </p:clrMapOvr>
+</p:sld>
+</file>
+
+<file path=ppt/slides/slide6.xml><?xml version="1.0" encoding="utf-8"?>
+<p:sld xmlns:a="http://schemas.openxmlformats.org/drawingml/2006/main" xmlns:r="http://schemas.openxmlformats.org/officeDocument/2006/relationships" xmlns:p="http://schemas.openxmlformats.org/presentationml/2006/main">
+  <p:cSld>
+    <p:spTree>
+      <p:nvGrpSpPr>
+        <p:cNvPr id="1" name=""/>
+        <p:cNvGrpSpPr/>
+        <p:nvPr/>
+      </p:nvGrpSpPr>
+      <p:grpSpPr>
+        <a:xfrm>
+          <a:off x="0" y="0"/>
+          <a:ext cx="0" cy="0"/>
+          <a:chOff x="0" y="0"/>
+          <a:chExt cx="0" cy="0"/>
+        </a:xfrm>
+      </p:grpSpPr>
+      <p:sp>
+        <p:nvSpPr>
+          <p:cNvPr id="8" name="Title 7">
+            <a:extLst>
+              <a:ext uri="{FF2B5EF4-FFF2-40B4-BE49-F238E27FC236}">
+                <a16:creationId xmlns:a16="http://schemas.microsoft.com/office/drawing/2014/main" xmlns="" id="{D45DB3B1-7702-A34D-B15A-E964B95D6FB5}"/>
+              </a:ext>
+            </a:extLst>
+          </p:cNvPr>
+          <p:cNvSpPr>
+            <a:spLocks noGrp="1"/>
+          </p:cNvSpPr>
+          <p:nvPr>
+            <p:ph type="title"/>
+          </p:nvPr>
+        </p:nvSpPr>
+        <p:spPr>
+          <a:xfrm>
+            <a:off x="1180618" y="365125"/>
+            <a:ext cx="10173182" cy="1128009"/>
+          </a:xfrm>
+        </p:spPr>
+        <p:txBody>
+          <a:bodyPr/>
+          <a:lstStyle/>
+          <a:p>
+            <a:pPr algn="ctr"/>
+            <a:r>
+              <a:rPr lang="en-US" b="1">
+                <a:latin typeface="Times New Roman" panose="02020603050405020304" pitchFamily="18" charset="0"/>
+                <a:cs typeface="Times New Roman" panose="02020603050405020304" pitchFamily="18" charset="0"/>
+              </a:rPr>
+              <a:t>INTRODUCTION</a:t>
+            </a:r>
+          </a:p>
+        </p:txBody>
+      </p:sp>
+      <p:sp>
+        <p:nvSpPr>
+          <p:cNvPr id="9" name="Content Placeholder 8">
+            <a:extLst>
+              <a:ext uri="{FF2B5EF4-FFF2-40B4-BE49-F238E27FC236}">
+                <a16:creationId xmlns:a16="http://schemas.microsoft.com/office/drawing/2014/main" xmlns="" id="{0BAA4F36-AB00-F2C4-B47F-6381355DE604}"/>
+              </a:ext>
+            </a:extLst>
+          </p:cNvPr>
+          <p:cNvSpPr>
+            <a:spLocks noGrp="1"/>
+          </p:cNvSpPr>
+          <p:nvPr>
+            <p:ph idx="1"/>
+          </p:nvPr>
+        </p:nvSpPr>
+        <p:spPr>
+          <a:xfrm>
+            <a:off x="717630" y="1342664"/>
+            <a:ext cx="10636170" cy="4907666"/>
+          </a:xfrm>
+        </p:spPr>
+        <p:txBody>
+          <a:bodyPr>
+            <a:noAutofit/>
+          </a:bodyPr>
+          <a:lstStyle/>
+          <a:p>
+            <a:pPr>
+              <a:lnSpc>
+                <a:spcPct val="130000"/>
+              </a:lnSpc>
+              <a:buFont typeface="Wingdings" panose="05000000000000000000" pitchFamily="2" charset="2"/>
+              <a:buChar char="Ø"/>
+            </a:pPr>
+            <a:endParaRPr lang="en-US" sz="2000" b="1" smtClean="0">
+              <a:latin typeface="Times New Roman" panose="02020603050405020304" pitchFamily="18" charset="0"/>
+              <a:cs typeface="Times New Roman" panose="02020603050405020304" pitchFamily="18" charset="0"/>
+            </a:endParaRPr>
+          </a:p>
+          <a:p>
+            <a:pPr marL="0" indent="0">
+              <a:lnSpc>
+                <a:spcPct val="130000"/>
+              </a:lnSpc>
+              <a:buNone/>
+            </a:pPr>
+            <a:r>
+              <a:rPr lang="en-US" sz="2000" b="1" smtClean="0">
+                <a:latin typeface="Times New Roman" panose="02020603050405020304" pitchFamily="18" charset="0"/>
+                <a:cs typeface="Times New Roman" panose="02020603050405020304" pitchFamily="18" charset="0"/>
+              </a:rPr>
+              <a:t>RELEVANCE</a:t>
+            </a:r>
+            <a:endParaRPr lang="en-US" sz="2000" b="1">
+              <a:latin typeface="Times New Roman" panose="02020603050405020304" pitchFamily="18" charset="0"/>
+              <a:cs typeface="Times New Roman" panose="02020603050405020304" pitchFamily="18" charset="0"/>
+            </a:endParaRPr>
+          </a:p>
+          <a:p>
+            <a:pPr>
+              <a:lnSpc>
+                <a:spcPct val="130000"/>
+              </a:lnSpc>
+              <a:buFont typeface="Wingdings" panose="05000000000000000000" pitchFamily="2" charset="2"/>
+              <a:buChar char="§"/>
+            </a:pPr>
+            <a:r>
+              <a:rPr lang="en-US" sz="2000">
+                <a:latin typeface="Times New Roman" panose="02020603050405020304" pitchFamily="18" charset="0"/>
+                <a:cs typeface="Times New Roman" panose="02020603050405020304" pitchFamily="18" charset="0"/>
+              </a:rPr>
+              <a:t>HSL color space preserves both </a:t>
+            </a:r>
+            <a:r>
+              <a:rPr lang="en-US" sz="2000" b="1">
+                <a:latin typeface="Times New Roman" panose="02020603050405020304" pitchFamily="18" charset="0"/>
+                <a:cs typeface="Times New Roman" panose="02020603050405020304" pitchFamily="18" charset="0"/>
+              </a:rPr>
+              <a:t>structural and texture information</a:t>
+            </a:r>
+            <a:r>
+              <a:rPr lang="en-US" sz="2000">
+                <a:latin typeface="Times New Roman" panose="02020603050405020304" pitchFamily="18" charset="0"/>
+                <a:cs typeface="Times New Roman" panose="02020603050405020304" pitchFamily="18" charset="0"/>
+              </a:rPr>
+              <a:t> from holographic images</a:t>
+            </a:r>
+            <a:r>
+              <a:rPr lang="en-US" sz="2000" smtClean="0">
+                <a:latin typeface="Times New Roman" panose="02020603050405020304" pitchFamily="18" charset="0"/>
+                <a:cs typeface="Times New Roman" panose="02020603050405020304" pitchFamily="18" charset="0"/>
+              </a:rPr>
+              <a:t>.</a:t>
+            </a:r>
+          </a:p>
+          <a:p>
+            <a:pPr>
+              <a:lnSpc>
+                <a:spcPct val="130000"/>
+              </a:lnSpc>
+              <a:buFont typeface="Wingdings" panose="05000000000000000000" pitchFamily="2" charset="2"/>
+              <a:buChar char="§"/>
+            </a:pPr>
+            <a:r>
+              <a:rPr lang="en-US" sz="2000">
+                <a:latin typeface="Times New Roman" panose="02020603050405020304" pitchFamily="18" charset="0"/>
+                <a:cs typeface="Times New Roman" panose="02020603050405020304" pitchFamily="18" charset="0"/>
+              </a:rPr>
+              <a:t>Fusion of amplitude and phase images improves </a:t>
+            </a:r>
+            <a:r>
+              <a:rPr lang="en-US" sz="2000" b="1">
+                <a:latin typeface="Times New Roman" panose="02020603050405020304" pitchFamily="18" charset="0"/>
+                <a:cs typeface="Times New Roman" panose="02020603050405020304" pitchFamily="18" charset="0"/>
+              </a:rPr>
+              <a:t>feature visibility and contrast</a:t>
+            </a:r>
+            <a:r>
+              <a:rPr lang="en-US" sz="2000" smtClean="0">
+                <a:latin typeface="Times New Roman" panose="02020603050405020304" pitchFamily="18" charset="0"/>
+                <a:cs typeface="Times New Roman" panose="02020603050405020304" pitchFamily="18" charset="0"/>
+              </a:rPr>
+              <a:t>.</a:t>
+            </a:r>
+          </a:p>
+          <a:p>
+            <a:pPr>
+              <a:lnSpc>
+                <a:spcPct val="130000"/>
+              </a:lnSpc>
+              <a:buFont typeface="Wingdings" panose="05000000000000000000" pitchFamily="2" charset="2"/>
+              <a:buChar char="§"/>
+            </a:pPr>
+            <a:r>
+              <a:rPr lang="en-US" sz="2000">
+                <a:latin typeface="Times New Roman" panose="02020603050405020304" pitchFamily="18" charset="0"/>
+                <a:cs typeface="Times New Roman" panose="02020603050405020304" pitchFamily="18" charset="0"/>
+              </a:rPr>
+              <a:t>Enhanced representation leads to </a:t>
+            </a:r>
+            <a:r>
+              <a:rPr lang="en-US" sz="2000" b="1">
+                <a:latin typeface="Times New Roman" panose="02020603050405020304" pitchFamily="18" charset="0"/>
+                <a:cs typeface="Times New Roman" panose="02020603050405020304" pitchFamily="18" charset="0"/>
+              </a:rPr>
+              <a:t>more accurate and reliable classification results</a:t>
+            </a:r>
+            <a:r>
+              <a:rPr lang="en-US" sz="2000" smtClean="0">
+                <a:latin typeface="Times New Roman" panose="02020603050405020304" pitchFamily="18" charset="0"/>
+                <a:cs typeface="Times New Roman" panose="02020603050405020304" pitchFamily="18" charset="0"/>
+              </a:rPr>
+              <a:t>.</a:t>
+            </a:r>
+          </a:p>
+          <a:p>
+            <a:pPr>
+              <a:lnSpc>
+                <a:spcPct val="130000"/>
+              </a:lnSpc>
+              <a:buFont typeface="Wingdings" panose="05000000000000000000" pitchFamily="2" charset="2"/>
+              <a:buChar char="§"/>
+            </a:pPr>
+            <a:r>
+              <a:rPr lang="en-US" sz="2000">
+                <a:latin typeface="Times New Roman" panose="02020603050405020304" pitchFamily="18" charset="0"/>
+                <a:cs typeface="Times New Roman" panose="02020603050405020304" pitchFamily="18" charset="0"/>
+              </a:rPr>
+              <a:t>The approach is suitable for </a:t>
+            </a:r>
+            <a:r>
+              <a:rPr lang="en-US" sz="2000" b="1">
+                <a:latin typeface="Times New Roman" panose="02020603050405020304" pitchFamily="18" charset="0"/>
+                <a:cs typeface="Times New Roman" panose="02020603050405020304" pitchFamily="18" charset="0"/>
+              </a:rPr>
+              <a:t>real-time and large-scale environmental monitoring systems</a:t>
+            </a:r>
+            <a:r>
+              <a:rPr lang="en-US" sz="2000">
+                <a:latin typeface="Times New Roman" panose="02020603050405020304" pitchFamily="18" charset="0"/>
+                <a:cs typeface="Times New Roman" panose="02020603050405020304" pitchFamily="18" charset="0"/>
+              </a:rPr>
+              <a:t>.</a:t>
+            </a:r>
+            <a:endParaRPr lang="en-US" sz="2000" b="1" dirty="0">
+              <a:latin typeface="Times New Roman" panose="02020603050405020304" pitchFamily="18" charset="0"/>
+              <a:cs typeface="Times New Roman" panose="02020603050405020304" pitchFamily="18" charset="0"/>
+            </a:endParaRPr>
+          </a:p>
+        </p:txBody>
+      </p:sp>
+      <p:sp>
+        <p:nvSpPr>
+          <p:cNvPr id="5" name="Date Placeholder 4">
+            <a:extLst>
+              <a:ext uri="{FF2B5EF4-FFF2-40B4-BE49-F238E27FC236}">
+                <a16:creationId xmlns:a16="http://schemas.microsoft.com/office/drawing/2014/main" xmlns="" id="{BD5C2420-26C9-65B4-41BA-D5CA69721C05}"/>
+              </a:ext>
+            </a:extLst>
+          </p:cNvPr>
+          <p:cNvSpPr>
+            <a:spLocks noGrp="1"/>
+          </p:cNvSpPr>
+          <p:nvPr>
+            <p:ph type="dt" sz="half" idx="10"/>
+          </p:nvPr>
+        </p:nvSpPr>
+        <p:spPr/>
+        <p:txBody>
+          <a:bodyPr/>
+          <a:lstStyle/>
+          <a:p>
+            <a:r>
+              <a:rPr lang="en-US" dirty="0">
+                <a:latin typeface="Times New Roman" panose="02020603050405020304" pitchFamily="18" charset="0"/>
+                <a:cs typeface="Times New Roman" panose="02020603050405020304" pitchFamily="18" charset="0"/>
+              </a:rPr>
+              <a:t>06-12-2025</a:t>
+            </a:r>
+          </a:p>
+        </p:txBody>
+      </p:sp>
+      <p:sp>
+        <p:nvSpPr>
+          <p:cNvPr id="6" name="Footer Placeholder 5">
+            <a:extLst>
+              <a:ext uri="{FF2B5EF4-FFF2-40B4-BE49-F238E27FC236}">
+                <a16:creationId xmlns:a16="http://schemas.microsoft.com/office/drawing/2014/main" xmlns="" id="{AE9B4454-96E6-70D8-1440-2142487397DF}"/>
+              </a:ext>
+            </a:extLst>
+          </p:cNvPr>
+          <p:cNvSpPr>
+            <a:spLocks noGrp="1"/>
+          </p:cNvSpPr>
+          <p:nvPr>
+            <p:ph type="ftr" sz="quarter" idx="11"/>
+          </p:nvPr>
+        </p:nvSpPr>
+        <p:spPr/>
+        <p:txBody>
+          <a:bodyPr/>
+          <a:lstStyle/>
+          <a:p>
+            <a:r>
+              <a:rPr lang="en-US" dirty="0">
+                <a:latin typeface="Times New Roman" panose="02020603050405020304" pitchFamily="18" charset="0"/>
+                <a:cs typeface="Times New Roman" panose="02020603050405020304" pitchFamily="18" charset="0"/>
+              </a:rPr>
+              <a:t>Review No. 02        Batch No. BG9           Department of CSE</a:t>
+            </a:r>
+          </a:p>
+        </p:txBody>
+      </p:sp>
+      <p:sp>
+        <p:nvSpPr>
+          <p:cNvPr id="7" name="Slide Number Placeholder 6">
+            <a:extLst>
+              <a:ext uri="{FF2B5EF4-FFF2-40B4-BE49-F238E27FC236}">
+                <a16:creationId xmlns:a16="http://schemas.microsoft.com/office/drawing/2014/main" xmlns="" id="{5F827BAA-7E22-F268-D9DC-5E17D9155237}"/>
+              </a:ext>
+            </a:extLst>
+          </p:cNvPr>
+          <p:cNvSpPr>
+            <a:spLocks noGrp="1"/>
+          </p:cNvSpPr>
+          <p:nvPr>
+            <p:ph type="sldNum" sz="quarter" idx="12"/>
+          </p:nvPr>
+        </p:nvSpPr>
+        <p:spPr/>
+        <p:txBody>
+          <a:bodyPr/>
+          <a:lstStyle/>
+          <a:p>
+            <a:fld id="{B961B71F-4B40-8942-BB88-E0F5C0B46E10}" type="slidenum">
+              <a:rPr lang="en-US" smtClean="0">
+                <a:latin typeface="Times New Roman" panose="02020603050405020304" pitchFamily="18" charset="0"/>
+                <a:cs typeface="Times New Roman" panose="02020603050405020304" pitchFamily="18" charset="0"/>
+              </a:rPr>
+              <a:t>6</a:t>
+            </a:fld>
+            <a:endParaRPr lang="en-US">
+              <a:latin typeface="Times New Roman" panose="02020603050405020304" pitchFamily="18" charset="0"/>
+              <a:cs typeface="Times New Roman" panose="02020603050405020304" pitchFamily="18" charset="0"/>
+            </a:endParaRPr>
+          </a:p>
+        </p:txBody>
+      </p:sp>
+    </p:spTree>
+    <p:extLst>
+      <p:ext uri="{BB962C8B-B14F-4D97-AF65-F5344CB8AC3E}">
+        <p14:creationId xmlns:p14="http://schemas.microsoft.com/office/powerpoint/2010/main" val="2747092573"/>
+      </p:ext>
+    </p:extLst>
+  </p:cSld>
+  <p:clrMapOvr>
+    <a:masterClrMapping/>
+  </p:clrMapOvr>
+</p:sld>
+</file>
+
+<file path=ppt/slides/slide7.xml><?xml version="1.0" encoding="utf-8"?>
+<p:sld xmlns:a="http://schemas.openxmlformats.org/drawingml/2006/main" xmlns:r="http://schemas.openxmlformats.org/officeDocument/2006/relationships" xmlns:p="http://schemas.openxmlformats.org/presentationml/2006/main">
+  <p:cSld>
+    <p:spTree>
+      <p:nvGrpSpPr>
+        <p:cNvPr id="1" name=""/>
+        <p:cNvGrpSpPr/>
+        <p:nvPr/>
+      </p:nvGrpSpPr>
+      <p:grpSpPr>
+        <a:xfrm>
+          <a:off x="0" y="0"/>
+          <a:ext cx="0" cy="0"/>
+          <a:chOff x="0" y="0"/>
+          <a:chExt cx="0" cy="0"/>
+        </a:xfrm>
+      </p:grpSpPr>
+      <p:sp>
+        <p:nvSpPr>
+          <p:cNvPr id="8" name="Title 7">
+            <a:extLst>
+              <a:ext uri="{FF2B5EF4-FFF2-40B4-BE49-F238E27FC236}">
+                <a16:creationId xmlns:a16="http://schemas.microsoft.com/office/drawing/2014/main" xmlns="" id="{D45DB3B1-7702-A34D-B15A-E964B95D6FB5}"/>
+              </a:ext>
+            </a:extLst>
+          </p:cNvPr>
+          <p:cNvSpPr>
+            <a:spLocks noGrp="1"/>
+          </p:cNvSpPr>
+          <p:nvPr>
+            <p:ph type="title"/>
+          </p:nvPr>
+        </p:nvSpPr>
+        <p:spPr>
+          <a:xfrm>
+            <a:off x="1180618" y="665174"/>
+            <a:ext cx="10173182" cy="562154"/>
+          </a:xfrm>
+        </p:spPr>
+        <p:txBody>
+          <a:bodyPr>
+            <a:normAutofit fontScale="90000"/>
+          </a:bodyPr>
+          <a:lstStyle/>
+          <a:p>
+            <a:pPr algn="ctr"/>
+            <a:r>
+              <a:rPr lang="en-US" b="1">
+                <a:latin typeface="Times New Roman" panose="02020603050405020304" pitchFamily="18" charset="0"/>
+                <a:cs typeface="Times New Roman" panose="02020603050405020304" pitchFamily="18" charset="0"/>
+              </a:rPr>
+              <a:t>LITERATURE SURVEY</a:t>
+            </a:r>
+          </a:p>
+        </p:txBody>
+      </p:sp>
+      <p:sp>
+        <p:nvSpPr>
+          <p:cNvPr id="9" name="Content Placeholder 8">
+            <a:extLst>
+              <a:ext uri="{FF2B5EF4-FFF2-40B4-BE49-F238E27FC236}">
+                <a16:creationId xmlns:a16="http://schemas.microsoft.com/office/drawing/2014/main" xmlns="" id="{0BAA4F36-AB00-F2C4-B47F-6381355DE604}"/>
+              </a:ext>
+            </a:extLst>
+          </p:cNvPr>
+          <p:cNvSpPr>
+            <a:spLocks noGrp="1"/>
+          </p:cNvSpPr>
+          <p:nvPr>
+            <p:ph idx="1"/>
+          </p:nvPr>
+        </p:nvSpPr>
         <p:spPr/>
         <p:txBody>
           <a:bodyPr>
@@ -13519,7 +16722,7 @@
                 <a:latin typeface="Times New Roman" panose="02020603050405020304" pitchFamily="18" charset="0"/>
                 <a:cs typeface="Times New Roman" panose="02020603050405020304" pitchFamily="18" charset="0"/>
               </a:rPr>
-              <a:t>5</a:t>
+              <a:t>7</a:t>
             </a:fld>
             <a:endParaRPr lang="en-US">
               <a:latin typeface="Times New Roman" panose="02020603050405020304" pitchFamily="18" charset="0"/>
@@ -15143,7 +18346,7 @@
 </p:sld>
 </file>
 
-<file path=ppt/slides/slide6.xml><?xml version="1.0" encoding="utf-8"?>
+<file path=ppt/slides/slide8.xml><?xml version="1.0" encoding="utf-8"?>
 <p:sld xmlns:a="http://schemas.openxmlformats.org/drawingml/2006/main" xmlns:r="http://schemas.openxmlformats.org/officeDocument/2006/relationships" xmlns:p="http://schemas.openxmlformats.org/presentationml/2006/main">
   <p:cSld>
     <p:spTree>
@@ -15326,7 +18529,7 @@
                 <a:latin typeface="Times New Roman" panose="02020603050405020304" pitchFamily="18" charset="0"/>
                 <a:cs typeface="Times New Roman" panose="02020603050405020304" pitchFamily="18" charset="0"/>
               </a:rPr>
-              <a:t>6</a:t>
+              <a:t>8</a:t>
             </a:fld>
             <a:endParaRPr lang="en-US">
               <a:latin typeface="Times New Roman" panose="02020603050405020304" pitchFamily="18" charset="0"/>
@@ -17488,7 +20691,7 @@
 </p:sld>
 </file>
 
-<file path=ppt/slides/slide7.xml><?xml version="1.0" encoding="utf-8"?>
+<file path=ppt/slides/slide9.xml><?xml version="1.0" encoding="utf-8"?>
 <p:sld xmlns:a="http://schemas.openxmlformats.org/drawingml/2006/main" xmlns:r="http://schemas.openxmlformats.org/officeDocument/2006/relationships" xmlns:p="http://schemas.openxmlformats.org/presentationml/2006/main">
   <p:cSld>
     <p:spTree>
@@ -17671,7 +20874,7 @@
                 <a:latin typeface="Times New Roman" panose="02020603050405020304" pitchFamily="18" charset="0"/>
                 <a:cs typeface="Times New Roman" panose="02020603050405020304" pitchFamily="18" charset="0"/>
               </a:rPr>
-              <a:t>7</a:t>
+              <a:t>9</a:t>
             </a:fld>
             <a:endParaRPr lang="en-US">
               <a:latin typeface="Times New Roman" panose="02020603050405020304" pitchFamily="18" charset="0"/>
@@ -19311,894 +22514,6 @@
     <p:extLst>
       <p:ext uri="{BB962C8B-B14F-4D97-AF65-F5344CB8AC3E}">
         <p14:creationId xmlns:p14="http://schemas.microsoft.com/office/powerpoint/2010/main" val="403327373"/>
-      </p:ext>
-    </p:extLst>
-  </p:cSld>
-  <p:clrMapOvr>
-    <a:masterClrMapping/>
-  </p:clrMapOvr>
-</p:sld>
-</file>
-
-<file path=ppt/slides/slide8.xml><?xml version="1.0" encoding="utf-8"?>
-<p:sld xmlns:a="http://schemas.openxmlformats.org/drawingml/2006/main" xmlns:r="http://schemas.openxmlformats.org/officeDocument/2006/relationships" xmlns:p="http://schemas.openxmlformats.org/presentationml/2006/main">
-  <p:cSld>
-    <p:spTree>
-      <p:nvGrpSpPr>
-        <p:cNvPr id="1" name=""/>
-        <p:cNvGrpSpPr/>
-        <p:nvPr/>
-      </p:nvGrpSpPr>
-      <p:grpSpPr>
-        <a:xfrm>
-          <a:off x="0" y="0"/>
-          <a:ext cx="0" cy="0"/>
-          <a:chOff x="0" y="0"/>
-          <a:chExt cx="0" cy="0"/>
-        </a:xfrm>
-      </p:grpSpPr>
-      <p:sp>
-        <p:nvSpPr>
-          <p:cNvPr id="8" name="Title 7">
-            <a:extLst>
-              <a:ext uri="{FF2B5EF4-FFF2-40B4-BE49-F238E27FC236}">
-                <a16:creationId xmlns:a16="http://schemas.microsoft.com/office/drawing/2014/main" xmlns="" id="{D45DB3B1-7702-A34D-B15A-E964B95D6FB5}"/>
-              </a:ext>
-            </a:extLst>
-          </p:cNvPr>
-          <p:cNvSpPr>
-            <a:spLocks noGrp="1"/>
-          </p:cNvSpPr>
-          <p:nvPr>
-            <p:ph type="title"/>
-          </p:nvPr>
-        </p:nvSpPr>
-        <p:spPr>
-          <a:xfrm>
-            <a:off x="571018" y="381884"/>
-            <a:ext cx="10173182" cy="1128009"/>
-          </a:xfrm>
-        </p:spPr>
-        <p:txBody>
-          <a:bodyPr>
-            <a:normAutofit/>
-          </a:bodyPr>
-          <a:lstStyle/>
-          <a:p>
-            <a:pPr algn="ctr"/>
-            <a:r>
-              <a:rPr lang="en-US" b="1">
-                <a:latin typeface="Times New Roman" panose="02020603050405020304" pitchFamily="18" charset="0"/>
-                <a:cs typeface="Times New Roman" panose="02020603050405020304" pitchFamily="18" charset="0"/>
-              </a:rPr>
-              <a:t>RESEARCH GAPS</a:t>
-            </a:r>
-          </a:p>
-        </p:txBody>
-      </p:sp>
-      <p:sp>
-        <p:nvSpPr>
-          <p:cNvPr id="5" name="Date Placeholder 4">
-            <a:extLst>
-              <a:ext uri="{FF2B5EF4-FFF2-40B4-BE49-F238E27FC236}">
-                <a16:creationId xmlns:a16="http://schemas.microsoft.com/office/drawing/2014/main" xmlns="" id="{BD5C2420-26C9-65B4-41BA-D5CA69721C05}"/>
-              </a:ext>
-            </a:extLst>
-          </p:cNvPr>
-          <p:cNvSpPr>
-            <a:spLocks noGrp="1"/>
-          </p:cNvSpPr>
-          <p:nvPr>
-            <p:ph type="dt" sz="half" idx="10"/>
-          </p:nvPr>
-        </p:nvSpPr>
-        <p:spPr/>
-        <p:txBody>
-          <a:bodyPr/>
-          <a:lstStyle/>
-          <a:p>
-            <a:r>
-              <a:rPr lang="en-US" dirty="0">
-                <a:latin typeface="Times New Roman" panose="02020603050405020304" pitchFamily="18" charset="0"/>
-                <a:cs typeface="Times New Roman" panose="02020603050405020304" pitchFamily="18" charset="0"/>
-              </a:rPr>
-              <a:t>06-12-2025</a:t>
-            </a:r>
-          </a:p>
-        </p:txBody>
-      </p:sp>
-      <p:sp>
-        <p:nvSpPr>
-          <p:cNvPr id="6" name="Footer Placeholder 5">
-            <a:extLst>
-              <a:ext uri="{FF2B5EF4-FFF2-40B4-BE49-F238E27FC236}">
-                <a16:creationId xmlns:a16="http://schemas.microsoft.com/office/drawing/2014/main" xmlns="" id="{AE9B4454-96E6-70D8-1440-2142487397DF}"/>
-              </a:ext>
-            </a:extLst>
-          </p:cNvPr>
-          <p:cNvSpPr>
-            <a:spLocks noGrp="1"/>
-          </p:cNvSpPr>
-          <p:nvPr>
-            <p:ph type="ftr" sz="quarter" idx="11"/>
-          </p:nvPr>
-        </p:nvSpPr>
-        <p:spPr/>
-        <p:txBody>
-          <a:bodyPr/>
-          <a:lstStyle/>
-          <a:p>
-            <a:r>
-              <a:rPr lang="en-US" dirty="0">
-                <a:latin typeface="Times New Roman" panose="02020603050405020304" pitchFamily="18" charset="0"/>
-                <a:cs typeface="Times New Roman" panose="02020603050405020304" pitchFamily="18" charset="0"/>
-              </a:rPr>
-              <a:t>Review No. 02        Batch No. BG9           Department of CSE</a:t>
-            </a:r>
-          </a:p>
-        </p:txBody>
-      </p:sp>
-      <p:sp>
-        <p:nvSpPr>
-          <p:cNvPr id="7" name="Slide Number Placeholder 6">
-            <a:extLst>
-              <a:ext uri="{FF2B5EF4-FFF2-40B4-BE49-F238E27FC236}">
-                <a16:creationId xmlns:a16="http://schemas.microsoft.com/office/drawing/2014/main" xmlns="" id="{5F827BAA-7E22-F268-D9DC-5E17D9155237}"/>
-              </a:ext>
-            </a:extLst>
-          </p:cNvPr>
-          <p:cNvSpPr>
-            <a:spLocks noGrp="1"/>
-          </p:cNvSpPr>
-          <p:nvPr>
-            <p:ph type="sldNum" sz="quarter" idx="12"/>
-          </p:nvPr>
-        </p:nvSpPr>
-        <p:spPr/>
-        <p:txBody>
-          <a:bodyPr/>
-          <a:lstStyle/>
-          <a:p>
-            <a:fld id="{B961B71F-4B40-8942-BB88-E0F5C0B46E10}" type="slidenum">
-              <a:rPr lang="en-US" smtClean="0">
-                <a:latin typeface="Times New Roman" panose="02020603050405020304" pitchFamily="18" charset="0"/>
-                <a:cs typeface="Times New Roman" panose="02020603050405020304" pitchFamily="18" charset="0"/>
-              </a:rPr>
-              <a:t>8</a:t>
-            </a:fld>
-            <a:endParaRPr lang="en-US">
-              <a:latin typeface="Times New Roman" panose="02020603050405020304" pitchFamily="18" charset="0"/>
-              <a:cs typeface="Times New Roman" panose="02020603050405020304" pitchFamily="18" charset="0"/>
-            </a:endParaRPr>
-          </a:p>
-        </p:txBody>
-      </p:sp>
-      <p:sp>
-        <p:nvSpPr>
-          <p:cNvPr id="2" name="Content Placeholder 1">
-            <a:extLst>
-              <a:ext uri="{FF2B5EF4-FFF2-40B4-BE49-F238E27FC236}">
-                <a16:creationId xmlns:a16="http://schemas.microsoft.com/office/drawing/2014/main" xmlns="" id="{8536F849-D52C-68D8-E80B-B72417F20F49}"/>
-              </a:ext>
-            </a:extLst>
-          </p:cNvPr>
-          <p:cNvSpPr>
-            <a:spLocks noGrp="1" noChangeArrowheads="1"/>
-          </p:cNvSpPr>
-          <p:nvPr>
-            <p:ph idx="1"/>
-          </p:nvPr>
-        </p:nvSpPr>
-        <p:spPr bwMode="auto">
-          <a:xfrm>
-            <a:off x="571018" y="1845018"/>
-            <a:ext cx="10439103" cy="3785652"/>
-          </a:xfrm>
-          <a:prstGeom prst="rect">
-            <a:avLst/>
-          </a:prstGeom>
-          <a:noFill/>
-          <a:ln>
-            <a:noFill/>
-          </a:ln>
-          <a:effectLst/>
-          <a:extLst>
-            <a:ext uri="{909E8E84-426E-40DD-AFC4-6F175D3DCCD1}">
-              <a14:hiddenFill xmlns:a14="http://schemas.microsoft.com/office/drawing/2010/main">
-                <a:solidFill>
-                  <a:schemeClr val="accent1"/>
-                </a:solidFill>
-              </a14:hiddenFill>
-            </a:ext>
-            <a:ext uri="{91240B29-F687-4F45-9708-019B960494DF}">
-              <a14:hiddenLine xmlns:a14="http://schemas.microsoft.com/office/drawing/2010/main" w="9525">
-                <a:solidFill>
-                  <a:schemeClr val="tx1"/>
-                </a:solidFill>
-                <a:miter lim="800000"/>
-                <a:headEnd/>
-                <a:tailEnd/>
-              </a14:hiddenLine>
-            </a:ext>
-            <a:ext uri="{AF507438-7753-43E0-B8FC-AC1667EBCBE1}">
-              <a14:hiddenEffects xmlns:a14="http://schemas.microsoft.com/office/drawing/2010/main">
-                <a:effectLst>
-                  <a:outerShdw dist="35921" dir="2700000" algn="ctr" rotWithShape="0">
-                    <a:schemeClr val="bg2"/>
-                  </a:outerShdw>
-                </a:effectLst>
-              </a14:hiddenEffects>
-            </a:ext>
-          </a:extLst>
-        </p:spPr>
-        <p:txBody>
-          <a:bodyPr vert="horz" wrap="square" lIns="91440" tIns="45720" rIns="91440" bIns="45720" numCol="1" anchor="ctr" anchorCtr="0" compatLnSpc="1">
-            <a:prstTxWarp prst="textNoShape">
-              <a:avLst/>
-            </a:prstTxWarp>
-            <a:spAutoFit/>
-          </a:bodyPr>
-          <a:lstStyle/>
-          <a:p>
-            <a:pPr lvl="0" eaLnBrk="0" fontAlgn="base" hangingPunct="0">
-              <a:lnSpc>
-                <a:spcPct val="100000"/>
-              </a:lnSpc>
-              <a:spcBef>
-                <a:spcPts val="900"/>
-              </a:spcBef>
-              <a:spcAft>
-                <a:spcPct val="0"/>
-              </a:spcAft>
-              <a:buFont typeface="Wingdings" panose="05000000000000000000" pitchFamily="2" charset="2"/>
-              <a:buChar char="Ø"/>
-            </a:pPr>
-            <a:r>
-              <a:rPr lang="en-IN" sz="2000">
-                <a:latin typeface="Times New Roman" panose="02020603050405020304" pitchFamily="18" charset="0"/>
-                <a:cs typeface="Times New Roman" panose="02020603050405020304" pitchFamily="18" charset="0"/>
-              </a:rPr>
-              <a:t>Limited real-world microplastic datasets.</a:t>
-            </a:r>
-          </a:p>
-          <a:p>
-            <a:pPr lvl="0" eaLnBrk="0" fontAlgn="base" hangingPunct="0">
-              <a:lnSpc>
-                <a:spcPct val="100000"/>
-              </a:lnSpc>
-              <a:spcBef>
-                <a:spcPts val="900"/>
-              </a:spcBef>
-              <a:spcAft>
-                <a:spcPct val="0"/>
-              </a:spcAft>
-              <a:buFont typeface="Wingdings" panose="05000000000000000000" pitchFamily="2" charset="2"/>
-              <a:buChar char="Ø"/>
-            </a:pPr>
-            <a:endParaRPr lang="en-IN" sz="2000">
-              <a:latin typeface="Times New Roman" panose="02020603050405020304" pitchFamily="18" charset="0"/>
-              <a:cs typeface="Times New Roman" panose="02020603050405020304" pitchFamily="18" charset="0"/>
-            </a:endParaRPr>
-          </a:p>
-          <a:p>
-            <a:pPr lvl="0" eaLnBrk="0" fontAlgn="base" hangingPunct="0">
-              <a:lnSpc>
-                <a:spcPct val="100000"/>
-              </a:lnSpc>
-              <a:spcBef>
-                <a:spcPts val="900"/>
-              </a:spcBef>
-              <a:spcAft>
-                <a:spcPct val="0"/>
-              </a:spcAft>
-              <a:buFont typeface="Wingdings" panose="05000000000000000000" pitchFamily="2" charset="2"/>
-              <a:buChar char="Ø"/>
-            </a:pPr>
-            <a:r>
-              <a:rPr lang="en-US" sz="2000">
-                <a:latin typeface="Times New Roman" panose="02020603050405020304" pitchFamily="18" charset="0"/>
-                <a:cs typeface="Times New Roman" panose="02020603050405020304" pitchFamily="18" charset="0"/>
-              </a:rPr>
-              <a:t>CNNs fail to capture </a:t>
-            </a:r>
-            <a:r>
-              <a:rPr lang="en-US" sz="2000" b="1">
-                <a:latin typeface="Times New Roman" panose="02020603050405020304" pitchFamily="18" charset="0"/>
-                <a:cs typeface="Times New Roman" panose="02020603050405020304" pitchFamily="18" charset="0"/>
-              </a:rPr>
-              <a:t>global context</a:t>
-            </a:r>
-            <a:r>
-              <a:rPr lang="en-US" sz="2000">
-                <a:latin typeface="Times New Roman" panose="02020603050405020304" pitchFamily="18" charset="0"/>
-                <a:cs typeface="Times New Roman" panose="02020603050405020304" pitchFamily="18" charset="0"/>
-              </a:rPr>
-              <a:t> and fine holographic textures.</a:t>
-            </a:r>
-          </a:p>
-          <a:p>
-            <a:pPr lvl="0" eaLnBrk="0" fontAlgn="base" hangingPunct="0">
-              <a:lnSpc>
-                <a:spcPct val="100000"/>
-              </a:lnSpc>
-              <a:spcBef>
-                <a:spcPts val="900"/>
-              </a:spcBef>
-              <a:spcAft>
-                <a:spcPct val="0"/>
-              </a:spcAft>
-              <a:buFont typeface="Wingdings" panose="05000000000000000000" pitchFamily="2" charset="2"/>
-              <a:buChar char="Ø"/>
-            </a:pPr>
-            <a:endParaRPr lang="en-US" sz="2000">
-              <a:latin typeface="Times New Roman" panose="02020603050405020304" pitchFamily="18" charset="0"/>
-              <a:cs typeface="Times New Roman" panose="02020603050405020304" pitchFamily="18" charset="0"/>
-            </a:endParaRPr>
-          </a:p>
-          <a:p>
-            <a:pPr lvl="0" eaLnBrk="0" fontAlgn="base" hangingPunct="0">
-              <a:lnSpc>
-                <a:spcPct val="100000"/>
-              </a:lnSpc>
-              <a:spcBef>
-                <a:spcPts val="900"/>
-              </a:spcBef>
-              <a:spcAft>
-                <a:spcPct val="0"/>
-              </a:spcAft>
-              <a:buFont typeface="Wingdings" panose="05000000000000000000" pitchFamily="2" charset="2"/>
-              <a:buChar char="Ø"/>
-            </a:pPr>
-            <a:r>
-              <a:rPr lang="en-US" sz="2000">
-                <a:latin typeface="Times New Roman" panose="02020603050405020304" pitchFamily="18" charset="0"/>
-                <a:cs typeface="Times New Roman" panose="02020603050405020304" pitchFamily="18" charset="0"/>
-              </a:rPr>
-              <a:t>Absence of </a:t>
-            </a:r>
-            <a:r>
-              <a:rPr lang="en-US" sz="2000" b="1">
-                <a:latin typeface="Times New Roman" panose="02020603050405020304" pitchFamily="18" charset="0"/>
-                <a:cs typeface="Times New Roman" panose="02020603050405020304" pitchFamily="18" charset="0"/>
-              </a:rPr>
-              <a:t>fusion-based</a:t>
-            </a:r>
-            <a:r>
-              <a:rPr lang="en-US" sz="2000">
-                <a:latin typeface="Times New Roman" panose="02020603050405020304" pitchFamily="18" charset="0"/>
-                <a:cs typeface="Times New Roman" panose="02020603050405020304" pitchFamily="18" charset="0"/>
-              </a:rPr>
-              <a:t> approaches combining amplitude and phase data.</a:t>
-            </a:r>
-          </a:p>
-          <a:p>
-            <a:pPr lvl="0" eaLnBrk="0" fontAlgn="base" hangingPunct="0">
-              <a:lnSpc>
-                <a:spcPct val="100000"/>
-              </a:lnSpc>
-              <a:spcBef>
-                <a:spcPts val="900"/>
-              </a:spcBef>
-              <a:spcAft>
-                <a:spcPct val="0"/>
-              </a:spcAft>
-              <a:buFont typeface="Wingdings" panose="05000000000000000000" pitchFamily="2" charset="2"/>
-              <a:buChar char="Ø"/>
-            </a:pPr>
-            <a:endParaRPr lang="en-US" sz="2000">
-              <a:latin typeface="Times New Roman" panose="02020603050405020304" pitchFamily="18" charset="0"/>
-              <a:cs typeface="Times New Roman" panose="02020603050405020304" pitchFamily="18" charset="0"/>
-            </a:endParaRPr>
-          </a:p>
-          <a:p>
-            <a:pPr lvl="0" eaLnBrk="0" fontAlgn="base" hangingPunct="0">
-              <a:lnSpc>
-                <a:spcPct val="100000"/>
-              </a:lnSpc>
-              <a:spcBef>
-                <a:spcPts val="900"/>
-              </a:spcBef>
-              <a:spcAft>
-                <a:spcPct val="0"/>
-              </a:spcAft>
-              <a:buFont typeface="Wingdings" panose="05000000000000000000" pitchFamily="2" charset="2"/>
-              <a:buChar char="Ø"/>
-            </a:pPr>
-            <a:r>
-              <a:rPr lang="en-US" sz="2000">
-                <a:latin typeface="Times New Roman" panose="02020603050405020304" pitchFamily="18" charset="0"/>
-                <a:cs typeface="Times New Roman" panose="02020603050405020304" pitchFamily="18" charset="0"/>
-              </a:rPr>
-              <a:t>Lack of </a:t>
-            </a:r>
-            <a:r>
-              <a:rPr lang="en-US" sz="2000" b="1">
-                <a:latin typeface="Times New Roman" panose="02020603050405020304" pitchFamily="18" charset="0"/>
-                <a:cs typeface="Times New Roman" panose="02020603050405020304" pitchFamily="18" charset="0"/>
-              </a:rPr>
-              <a:t>real-time, scalable</a:t>
-            </a:r>
-            <a:r>
-              <a:rPr lang="en-US" sz="2000">
-                <a:latin typeface="Times New Roman" panose="02020603050405020304" pitchFamily="18" charset="0"/>
-                <a:cs typeface="Times New Roman" panose="02020603050405020304" pitchFamily="18" charset="0"/>
-              </a:rPr>
-              <a:t> classification frameworks.</a:t>
-            </a:r>
-          </a:p>
-          <a:p>
-            <a:pPr lvl="0" eaLnBrk="0" fontAlgn="base" hangingPunct="0">
-              <a:lnSpc>
-                <a:spcPct val="100000"/>
-              </a:lnSpc>
-              <a:spcBef>
-                <a:spcPts val="900"/>
-              </a:spcBef>
-              <a:spcAft>
-                <a:spcPct val="0"/>
-              </a:spcAft>
-              <a:buFont typeface="Wingdings" panose="05000000000000000000" pitchFamily="2" charset="2"/>
-              <a:buChar char="Ø"/>
-            </a:pPr>
-            <a:endParaRPr lang="en-US" sz="2000">
-              <a:latin typeface="Times New Roman" panose="02020603050405020304" pitchFamily="18" charset="0"/>
-              <a:cs typeface="Times New Roman" panose="02020603050405020304" pitchFamily="18" charset="0"/>
-            </a:endParaRPr>
-          </a:p>
-          <a:p>
-            <a:pPr lvl="0" eaLnBrk="0" fontAlgn="base" hangingPunct="0">
-              <a:lnSpc>
-                <a:spcPct val="100000"/>
-              </a:lnSpc>
-              <a:spcBef>
-                <a:spcPts val="900"/>
-              </a:spcBef>
-              <a:spcAft>
-                <a:spcPct val="0"/>
-              </a:spcAft>
-              <a:buFont typeface="Wingdings" panose="05000000000000000000" pitchFamily="2" charset="2"/>
-              <a:buChar char="Ø"/>
-            </a:pPr>
-            <a:r>
-              <a:rPr lang="en-US" sz="2000">
-                <a:latin typeface="Times New Roman" panose="02020603050405020304" pitchFamily="18" charset="0"/>
-                <a:cs typeface="Times New Roman" panose="02020603050405020304" pitchFamily="18" charset="0"/>
-              </a:rPr>
-              <a:t>Need for </a:t>
-            </a:r>
-            <a:r>
-              <a:rPr lang="en-US" sz="2000" b="1">
-                <a:latin typeface="Times New Roman" panose="02020603050405020304" pitchFamily="18" charset="0"/>
-                <a:cs typeface="Times New Roman" panose="02020603050405020304" pitchFamily="18" charset="0"/>
-              </a:rPr>
-              <a:t>environment-ready transformer architectures</a:t>
-            </a:r>
-            <a:r>
-              <a:rPr lang="en-US" sz="2000">
-                <a:latin typeface="Times New Roman" panose="02020603050405020304" pitchFamily="18" charset="0"/>
-                <a:cs typeface="Times New Roman" panose="02020603050405020304" pitchFamily="18" charset="0"/>
-              </a:rPr>
-              <a:t> with better precision and recall</a:t>
-            </a:r>
-            <a:endParaRPr kumimoji="0" lang="en-US" altLang="en-US" sz="2000" b="0" i="0" u="none" strike="noStrike" cap="none" normalizeH="0" baseline="0">
-              <a:ln>
-                <a:noFill/>
-              </a:ln>
-              <a:solidFill>
-                <a:schemeClr val="tx1"/>
-              </a:solidFill>
-              <a:effectLst/>
-              <a:latin typeface="Times New Roman" panose="02020603050405020304" pitchFamily="18" charset="0"/>
-              <a:cs typeface="Times New Roman" panose="02020603050405020304" pitchFamily="18" charset="0"/>
-            </a:endParaRPr>
-          </a:p>
-        </p:txBody>
-      </p:sp>
-      <p:sp>
-        <p:nvSpPr>
-          <p:cNvPr id="3" name="AutoShape 3">
-            <a:extLst>
-              <a:ext uri="{FF2B5EF4-FFF2-40B4-BE49-F238E27FC236}">
-                <a16:creationId xmlns:a16="http://schemas.microsoft.com/office/drawing/2014/main" xmlns="" id="{14C75DE7-4F40-3E0D-89EF-47B294E33344}"/>
-              </a:ext>
-            </a:extLst>
-          </p:cNvPr>
-          <p:cNvSpPr>
-            <a:spLocks noChangeAspect="1" noChangeArrowheads="1"/>
-          </p:cNvSpPr>
-          <p:nvPr/>
-        </p:nvSpPr>
-        <p:spPr bwMode="auto">
-          <a:xfrm>
-            <a:off x="5943600" y="3276600"/>
-            <a:ext cx="4506686" cy="304800"/>
-          </a:xfrm>
-          <a:prstGeom prst="rect">
-            <a:avLst/>
-          </a:prstGeom>
-          <a:noFill/>
-          <a:extLst>
-            <a:ext uri="{909E8E84-426E-40DD-AFC4-6F175D3DCCD1}">
-              <a14:hiddenFill xmlns:a14="http://schemas.microsoft.com/office/drawing/2010/main">
-                <a:solidFill>
-                  <a:srgbClr val="FFFFFF"/>
-                </a:solidFill>
-              </a14:hiddenFill>
-            </a:ext>
-          </a:extLst>
-        </p:spPr>
-        <p:txBody>
-          <a:bodyPr vert="horz" wrap="square" lIns="91440" tIns="45720" rIns="91440" bIns="45720" numCol="1" anchor="t" anchorCtr="0" compatLnSpc="1">
-            <a:prstTxWarp prst="textNoShape">
-              <a:avLst/>
-            </a:prstTxWarp>
-          </a:bodyPr>
-          <a:lstStyle/>
-          <a:p>
-            <a:endParaRPr lang="en-IN"/>
-          </a:p>
-        </p:txBody>
-      </p:sp>
-      <p:sp>
-        <p:nvSpPr>
-          <p:cNvPr id="4" name="AutoShape 5">
-            <a:extLst>
-              <a:ext uri="{FF2B5EF4-FFF2-40B4-BE49-F238E27FC236}">
-                <a16:creationId xmlns:a16="http://schemas.microsoft.com/office/drawing/2014/main" xmlns="" id="{EAB03709-E792-7B0C-1BAE-A846EDE2690F}"/>
-              </a:ext>
-            </a:extLst>
-          </p:cNvPr>
-          <p:cNvSpPr>
-            <a:spLocks noChangeAspect="1" noChangeArrowheads="1"/>
-          </p:cNvSpPr>
-          <p:nvPr/>
-        </p:nvSpPr>
-        <p:spPr bwMode="auto">
-          <a:xfrm>
-            <a:off x="5943600" y="3276600"/>
-            <a:ext cx="304800" cy="304800"/>
-          </a:xfrm>
-          <a:prstGeom prst="rect">
-            <a:avLst/>
-          </a:prstGeom>
-          <a:noFill/>
-          <a:extLst>
-            <a:ext uri="{909E8E84-426E-40DD-AFC4-6F175D3DCCD1}">
-              <a14:hiddenFill xmlns:a14="http://schemas.microsoft.com/office/drawing/2010/main">
-                <a:solidFill>
-                  <a:srgbClr val="FFFFFF"/>
-                </a:solidFill>
-              </a14:hiddenFill>
-            </a:ext>
-          </a:extLst>
-        </p:spPr>
-        <p:txBody>
-          <a:bodyPr vert="horz" wrap="square" lIns="91440" tIns="45720" rIns="91440" bIns="45720" numCol="1" anchor="t" anchorCtr="0" compatLnSpc="1">
-            <a:prstTxWarp prst="textNoShape">
-              <a:avLst/>
-            </a:prstTxWarp>
-          </a:bodyPr>
-          <a:lstStyle/>
-          <a:p>
-            <a:endParaRPr lang="en-IN"/>
-          </a:p>
-        </p:txBody>
-      </p:sp>
-    </p:spTree>
-    <p:extLst>
-      <p:ext uri="{BB962C8B-B14F-4D97-AF65-F5344CB8AC3E}">
-        <p14:creationId xmlns:p14="http://schemas.microsoft.com/office/powerpoint/2010/main" val="1713168547"/>
-      </p:ext>
-    </p:extLst>
-  </p:cSld>
-  <p:clrMapOvr>
-    <a:masterClrMapping/>
-  </p:clrMapOvr>
-</p:sld>
-</file>
-
-<file path=ppt/slides/slide9.xml><?xml version="1.0" encoding="utf-8"?>
-<p:sld xmlns:a="http://schemas.openxmlformats.org/drawingml/2006/main" xmlns:r="http://schemas.openxmlformats.org/officeDocument/2006/relationships" xmlns:p="http://schemas.openxmlformats.org/presentationml/2006/main">
-  <p:cSld>
-    <p:spTree>
-      <p:nvGrpSpPr>
-        <p:cNvPr id="1" name=""/>
-        <p:cNvGrpSpPr/>
-        <p:nvPr/>
-      </p:nvGrpSpPr>
-      <p:grpSpPr>
-        <a:xfrm>
-          <a:off x="0" y="0"/>
-          <a:ext cx="0" cy="0"/>
-          <a:chOff x="0" y="0"/>
-          <a:chExt cx="0" cy="0"/>
-        </a:xfrm>
-      </p:grpSpPr>
-      <p:sp>
-        <p:nvSpPr>
-          <p:cNvPr id="8" name="Title 7">
-            <a:extLst>
-              <a:ext uri="{FF2B5EF4-FFF2-40B4-BE49-F238E27FC236}">
-                <a16:creationId xmlns:a16="http://schemas.microsoft.com/office/drawing/2014/main" xmlns="" id="{D45DB3B1-7702-A34D-B15A-E964B95D6FB5}"/>
-              </a:ext>
-            </a:extLst>
-          </p:cNvPr>
-          <p:cNvSpPr>
-            <a:spLocks noGrp="1"/>
-          </p:cNvSpPr>
-          <p:nvPr>
-            <p:ph type="title"/>
-          </p:nvPr>
-        </p:nvSpPr>
-        <p:spPr>
-          <a:xfrm>
-            <a:off x="1180618" y="365125"/>
-            <a:ext cx="10173182" cy="1128009"/>
-          </a:xfrm>
-        </p:spPr>
-        <p:txBody>
-          <a:bodyPr/>
-          <a:lstStyle/>
-          <a:p>
-            <a:pPr algn="ctr"/>
-            <a:r>
-              <a:rPr lang="en-US" b="1">
-                <a:latin typeface="Times New Roman" panose="02020603050405020304" pitchFamily="18" charset="0"/>
-                <a:cs typeface="Times New Roman" panose="02020603050405020304" pitchFamily="18" charset="0"/>
-              </a:rPr>
-              <a:t>PROBLEM STATEMENT</a:t>
-            </a:r>
-          </a:p>
-        </p:txBody>
-      </p:sp>
-      <p:sp>
-        <p:nvSpPr>
-          <p:cNvPr id="9" name="Content Placeholder 8">
-            <a:extLst>
-              <a:ext uri="{FF2B5EF4-FFF2-40B4-BE49-F238E27FC236}">
-                <a16:creationId xmlns:a16="http://schemas.microsoft.com/office/drawing/2014/main" xmlns="" id="{0BAA4F36-AB00-F2C4-B47F-6381355DE604}"/>
-              </a:ext>
-            </a:extLst>
-          </p:cNvPr>
-          <p:cNvSpPr>
-            <a:spLocks noGrp="1"/>
-          </p:cNvSpPr>
-          <p:nvPr>
-            <p:ph idx="1"/>
-          </p:nvPr>
-        </p:nvSpPr>
-        <p:spPr>
-          <a:xfrm>
-            <a:off x="777550" y="1426974"/>
-            <a:ext cx="9523445" cy="4351338"/>
-          </a:xfrm>
-        </p:spPr>
-        <p:txBody>
-          <a:bodyPr>
-            <a:noAutofit/>
-          </a:bodyPr>
-          <a:lstStyle/>
-          <a:p>
-            <a:pPr>
-              <a:buFont typeface="Wingdings" panose="05000000000000000000" pitchFamily="2" charset="2"/>
-              <a:buChar char="Ø"/>
-            </a:pPr>
-            <a:r>
-              <a:rPr lang="en-US" sz="2000" b="1">
-                <a:latin typeface="Times New Roman" panose="02020603050405020304" pitchFamily="18" charset="0"/>
-                <a:cs typeface="Times New Roman" panose="02020603050405020304" pitchFamily="18" charset="0"/>
-              </a:rPr>
-              <a:t>Problem Definition:</a:t>
-            </a:r>
-            <a:endParaRPr lang="en-US" sz="2000">
-              <a:latin typeface="Times New Roman" panose="02020603050405020304" pitchFamily="18" charset="0"/>
-              <a:cs typeface="Times New Roman" panose="02020603050405020304" pitchFamily="18" charset="0"/>
-            </a:endParaRPr>
-          </a:p>
-          <a:p>
-            <a:r>
-              <a:rPr lang="en-US" sz="2000">
-                <a:latin typeface="Times New Roman" panose="02020603050405020304" pitchFamily="18" charset="0"/>
-                <a:cs typeface="Times New Roman" panose="02020603050405020304" pitchFamily="18" charset="0"/>
-              </a:rPr>
-              <a:t>To develop a deep learning framework capable of accurately classifying holographic microplastic images using </a:t>
-            </a:r>
-            <a:r>
-              <a:rPr lang="en-US" sz="2000" b="1">
-                <a:latin typeface="Times New Roman" panose="02020603050405020304" pitchFamily="18" charset="0"/>
-                <a:cs typeface="Times New Roman" panose="02020603050405020304" pitchFamily="18" charset="0"/>
-              </a:rPr>
-              <a:t>fused amplitude and phase information</a:t>
-            </a:r>
-            <a:r>
-              <a:rPr lang="en-US" sz="2000">
-                <a:latin typeface="Times New Roman" panose="02020603050405020304" pitchFamily="18" charset="0"/>
-                <a:cs typeface="Times New Roman" panose="02020603050405020304" pitchFamily="18" charset="0"/>
-              </a:rPr>
-              <a:t>.</a:t>
-            </a:r>
-          </a:p>
-          <a:p>
-            <a:endParaRPr lang="en-US" sz="2000">
-              <a:latin typeface="Times New Roman" panose="02020603050405020304" pitchFamily="18" charset="0"/>
-              <a:cs typeface="Times New Roman" panose="02020603050405020304" pitchFamily="18" charset="0"/>
-            </a:endParaRPr>
-          </a:p>
-          <a:p>
-            <a:pPr>
-              <a:buFont typeface="Wingdings" panose="05000000000000000000" pitchFamily="2" charset="2"/>
-              <a:buChar char="Ø"/>
-            </a:pPr>
-            <a:r>
-              <a:rPr lang="en-US" sz="2000" b="1">
-                <a:latin typeface="Times New Roman" panose="02020603050405020304" pitchFamily="18" charset="0"/>
-                <a:cs typeface="Times New Roman" panose="02020603050405020304" pitchFamily="18" charset="0"/>
-              </a:rPr>
-              <a:t>Significance of the Problem:</a:t>
-            </a:r>
-            <a:endParaRPr lang="en-US" sz="2000">
-              <a:latin typeface="Times New Roman" panose="02020603050405020304" pitchFamily="18" charset="0"/>
-              <a:cs typeface="Times New Roman" panose="02020603050405020304" pitchFamily="18" charset="0"/>
-            </a:endParaRPr>
-          </a:p>
-          <a:p>
-            <a:r>
-              <a:rPr lang="en-US" sz="2000">
-                <a:latin typeface="Times New Roman" panose="02020603050405020304" pitchFamily="18" charset="0"/>
-                <a:cs typeface="Times New Roman" panose="02020603050405020304" pitchFamily="18" charset="0"/>
-              </a:rPr>
-              <a:t>Enables </a:t>
-            </a:r>
-            <a:r>
-              <a:rPr lang="en-US" sz="2000" b="1">
-                <a:latin typeface="Times New Roman" panose="02020603050405020304" pitchFamily="18" charset="0"/>
-                <a:cs typeface="Times New Roman" panose="02020603050405020304" pitchFamily="18" charset="0"/>
-              </a:rPr>
-              <a:t>automated microplastic monitoring</a:t>
-            </a:r>
-            <a:r>
-              <a:rPr lang="en-US" sz="2000">
-                <a:latin typeface="Times New Roman" panose="02020603050405020304" pitchFamily="18" charset="0"/>
-                <a:cs typeface="Times New Roman" panose="02020603050405020304" pitchFamily="18" charset="0"/>
-              </a:rPr>
-              <a:t> in aquatic environments</a:t>
-            </a:r>
-          </a:p>
-          <a:p>
-            <a:r>
-              <a:rPr lang="en-US" sz="2000">
-                <a:latin typeface="Times New Roman" panose="02020603050405020304" pitchFamily="18" charset="0"/>
-                <a:cs typeface="Times New Roman" panose="02020603050405020304" pitchFamily="18" charset="0"/>
-              </a:rPr>
-              <a:t>Reduces dependency on manual inspection.</a:t>
-            </a:r>
-          </a:p>
-          <a:p>
-            <a:r>
-              <a:rPr lang="en-US" sz="2000">
-                <a:latin typeface="Times New Roman" panose="02020603050405020304" pitchFamily="18" charset="0"/>
-                <a:cs typeface="Times New Roman" panose="02020603050405020304" pitchFamily="18" charset="0"/>
-              </a:rPr>
-              <a:t>Promotes </a:t>
-            </a:r>
-            <a:r>
-              <a:rPr lang="en-US" sz="2000" b="1">
-                <a:latin typeface="Times New Roman" panose="02020603050405020304" pitchFamily="18" charset="0"/>
-                <a:cs typeface="Times New Roman" panose="02020603050405020304" pitchFamily="18" charset="0"/>
-              </a:rPr>
-              <a:t>real-time environmental pollution tracking</a:t>
-            </a:r>
-            <a:r>
-              <a:rPr lang="en-US" sz="2000">
-                <a:latin typeface="Times New Roman" panose="02020603050405020304" pitchFamily="18" charset="0"/>
-                <a:cs typeface="Times New Roman" panose="02020603050405020304" pitchFamily="18" charset="0"/>
-              </a:rPr>
-              <a:t> with high accuracy and robustness.</a:t>
-            </a:r>
-          </a:p>
-        </p:txBody>
-      </p:sp>
-      <p:sp>
-        <p:nvSpPr>
-          <p:cNvPr id="5" name="Date Placeholder 4">
-            <a:extLst>
-              <a:ext uri="{FF2B5EF4-FFF2-40B4-BE49-F238E27FC236}">
-                <a16:creationId xmlns:a16="http://schemas.microsoft.com/office/drawing/2014/main" xmlns="" id="{BD5C2420-26C9-65B4-41BA-D5CA69721C05}"/>
-              </a:ext>
-            </a:extLst>
-          </p:cNvPr>
-          <p:cNvSpPr>
-            <a:spLocks noGrp="1"/>
-          </p:cNvSpPr>
-          <p:nvPr>
-            <p:ph type="dt" sz="half" idx="10"/>
-          </p:nvPr>
-        </p:nvSpPr>
-        <p:spPr/>
-        <p:txBody>
-          <a:bodyPr/>
-          <a:lstStyle/>
-          <a:p>
-            <a:r>
-              <a:rPr lang="en-US" dirty="0">
-                <a:latin typeface="Times New Roman" panose="02020603050405020304" pitchFamily="18" charset="0"/>
-                <a:cs typeface="Times New Roman" panose="02020603050405020304" pitchFamily="18" charset="0"/>
-              </a:rPr>
-              <a:t>06-12-2025</a:t>
-            </a:r>
-          </a:p>
-        </p:txBody>
-      </p:sp>
-      <p:sp>
-        <p:nvSpPr>
-          <p:cNvPr id="6" name="Footer Placeholder 5">
-            <a:extLst>
-              <a:ext uri="{FF2B5EF4-FFF2-40B4-BE49-F238E27FC236}">
-                <a16:creationId xmlns:a16="http://schemas.microsoft.com/office/drawing/2014/main" xmlns="" id="{AE9B4454-96E6-70D8-1440-2142487397DF}"/>
-              </a:ext>
-            </a:extLst>
-          </p:cNvPr>
-          <p:cNvSpPr>
-            <a:spLocks noGrp="1"/>
-          </p:cNvSpPr>
-          <p:nvPr>
-            <p:ph type="ftr" sz="quarter" idx="11"/>
-          </p:nvPr>
-        </p:nvSpPr>
-        <p:spPr/>
-        <p:txBody>
-          <a:bodyPr/>
-          <a:lstStyle/>
-          <a:p>
-            <a:r>
-              <a:rPr lang="en-US" dirty="0">
-                <a:latin typeface="Times New Roman" panose="02020603050405020304" pitchFamily="18" charset="0"/>
-                <a:cs typeface="Times New Roman" panose="02020603050405020304" pitchFamily="18" charset="0"/>
-              </a:rPr>
-              <a:t>Review No. 02        Batch No. BG9           Department of CSE</a:t>
-            </a:r>
-          </a:p>
-        </p:txBody>
-      </p:sp>
-      <p:sp>
-        <p:nvSpPr>
-          <p:cNvPr id="7" name="Slide Number Placeholder 6">
-            <a:extLst>
-              <a:ext uri="{FF2B5EF4-FFF2-40B4-BE49-F238E27FC236}">
-                <a16:creationId xmlns:a16="http://schemas.microsoft.com/office/drawing/2014/main" xmlns="" id="{5F827BAA-7E22-F268-D9DC-5E17D9155237}"/>
-              </a:ext>
-            </a:extLst>
-          </p:cNvPr>
-          <p:cNvSpPr>
-            <a:spLocks noGrp="1"/>
-          </p:cNvSpPr>
-          <p:nvPr>
-            <p:ph type="sldNum" sz="quarter" idx="12"/>
-          </p:nvPr>
-        </p:nvSpPr>
-        <p:spPr/>
-        <p:txBody>
-          <a:bodyPr/>
-          <a:lstStyle/>
-          <a:p>
-            <a:fld id="{B961B71F-4B40-8942-BB88-E0F5C0B46E10}" type="slidenum">
-              <a:rPr lang="en-US" smtClean="0">
-                <a:latin typeface="Times New Roman" panose="02020603050405020304" pitchFamily="18" charset="0"/>
-                <a:cs typeface="Times New Roman" panose="02020603050405020304" pitchFamily="18" charset="0"/>
-              </a:rPr>
-              <a:t>9</a:t>
-            </a:fld>
-            <a:endParaRPr lang="en-US">
-              <a:latin typeface="Times New Roman" panose="02020603050405020304" pitchFamily="18" charset="0"/>
-              <a:cs typeface="Times New Roman" panose="02020603050405020304" pitchFamily="18" charset="0"/>
-            </a:endParaRPr>
-          </a:p>
-        </p:txBody>
-      </p:sp>
-    </p:spTree>
-    <p:extLst>
-      <p:ext uri="{BB962C8B-B14F-4D97-AF65-F5344CB8AC3E}">
-        <p14:creationId xmlns:p14="http://schemas.microsoft.com/office/powerpoint/2010/main" val="1259738044"/>
       </p:ext>
     </p:extLst>
   </p:cSld>
